--- a/DAY1/02 - Calculus and Gradient Descent/Gradient Descent Part I.pptx
+++ b/DAY1/02 - Calculus and Gradient Descent/Gradient Descent Part I.pptx
@@ -279,7 +279,7 @@
           <a:p>
             <a:fld id="{2B28F3A4-D681-1B4E-AF2E-6E84AB4A523C}" type="datetimeFigureOut">
               <a:rPr lang="en-CH" smtClean="0"/>
-              <a:t>02.10.2023</a:t>
+              <a:t>06.01.2024</a:t>
             </a:fld>
             <a:endParaRPr lang="en-CH"/>
           </a:p>
@@ -479,7 +479,7 @@
           <a:p>
             <a:fld id="{2B28F3A4-D681-1B4E-AF2E-6E84AB4A523C}" type="datetimeFigureOut">
               <a:rPr lang="en-CH" smtClean="0"/>
-              <a:t>02.10.2023</a:t>
+              <a:t>06.01.2024</a:t>
             </a:fld>
             <a:endParaRPr lang="en-CH"/>
           </a:p>
@@ -689,7 +689,7 @@
           <a:p>
             <a:fld id="{2B28F3A4-D681-1B4E-AF2E-6E84AB4A523C}" type="datetimeFigureOut">
               <a:rPr lang="en-CH" smtClean="0"/>
-              <a:t>02.10.2023</a:t>
+              <a:t>06.01.2024</a:t>
             </a:fld>
             <a:endParaRPr lang="en-CH"/>
           </a:p>
@@ -889,7 +889,7 @@
           <a:p>
             <a:fld id="{2B28F3A4-D681-1B4E-AF2E-6E84AB4A523C}" type="datetimeFigureOut">
               <a:rPr lang="en-CH" smtClean="0"/>
-              <a:t>02.10.2023</a:t>
+              <a:t>06.01.2024</a:t>
             </a:fld>
             <a:endParaRPr lang="en-CH"/>
           </a:p>
@@ -1165,7 +1165,7 @@
           <a:p>
             <a:fld id="{2B28F3A4-D681-1B4E-AF2E-6E84AB4A523C}" type="datetimeFigureOut">
               <a:rPr lang="en-CH" smtClean="0"/>
-              <a:t>02.10.2023</a:t>
+              <a:t>06.01.2024</a:t>
             </a:fld>
             <a:endParaRPr lang="en-CH"/>
           </a:p>
@@ -1433,7 +1433,7 @@
           <a:p>
             <a:fld id="{2B28F3A4-D681-1B4E-AF2E-6E84AB4A523C}" type="datetimeFigureOut">
               <a:rPr lang="en-CH" smtClean="0"/>
-              <a:t>02.10.2023</a:t>
+              <a:t>06.01.2024</a:t>
             </a:fld>
             <a:endParaRPr lang="en-CH"/>
           </a:p>
@@ -1848,7 +1848,7 @@
           <a:p>
             <a:fld id="{2B28F3A4-D681-1B4E-AF2E-6E84AB4A523C}" type="datetimeFigureOut">
               <a:rPr lang="en-CH" smtClean="0"/>
-              <a:t>02.10.2023</a:t>
+              <a:t>06.01.2024</a:t>
             </a:fld>
             <a:endParaRPr lang="en-CH"/>
           </a:p>
@@ -1990,7 +1990,7 @@
           <a:p>
             <a:fld id="{2B28F3A4-D681-1B4E-AF2E-6E84AB4A523C}" type="datetimeFigureOut">
               <a:rPr lang="en-CH" smtClean="0"/>
-              <a:t>02.10.2023</a:t>
+              <a:t>06.01.2024</a:t>
             </a:fld>
             <a:endParaRPr lang="en-CH"/>
           </a:p>
@@ -2103,7 +2103,7 @@
           <a:p>
             <a:fld id="{2B28F3A4-D681-1B4E-AF2E-6E84AB4A523C}" type="datetimeFigureOut">
               <a:rPr lang="en-CH" smtClean="0"/>
-              <a:t>02.10.2023</a:t>
+              <a:t>06.01.2024</a:t>
             </a:fld>
             <a:endParaRPr lang="en-CH"/>
           </a:p>
@@ -2416,7 +2416,7 @@
           <a:p>
             <a:fld id="{2B28F3A4-D681-1B4E-AF2E-6E84AB4A523C}" type="datetimeFigureOut">
               <a:rPr lang="en-CH" smtClean="0"/>
-              <a:t>02.10.2023</a:t>
+              <a:t>06.01.2024</a:t>
             </a:fld>
             <a:endParaRPr lang="en-CH"/>
           </a:p>
@@ -2705,7 +2705,7 @@
           <a:p>
             <a:fld id="{2B28F3A4-D681-1B4E-AF2E-6E84AB4A523C}" type="datetimeFigureOut">
               <a:rPr lang="en-CH" smtClean="0"/>
-              <a:t>02.10.2023</a:t>
+              <a:t>06.01.2024</a:t>
             </a:fld>
             <a:endParaRPr lang="en-CH"/>
           </a:p>
@@ -2950,7 +2950,7 @@
             <a:fld id="{2B28F3A4-D681-1B4E-AF2E-6E84AB4A523C}" type="datetimeFigureOut">
               <a:rPr lang="en-CH" smtClean="0"/>
               <a:pPr/>
-              <a:t>02.10.2023</a:t>
+              <a:t>06.01.2024</a:t>
             </a:fld>
             <a:endParaRPr lang="en-CH" dirty="0"/>
           </a:p>
@@ -4313,8 +4313,8 @@
           </a:prstGeom>
         </p:spPr>
       </p:pic>
-      <mc:AlternateContent xmlns:mc="http://schemas.openxmlformats.org/markup-compatibility/2006">
-        <mc:Choice xmlns:a14="http://schemas.microsoft.com/office/drawing/2010/main" Requires="a14">
+      <mc:AlternateContent xmlns:mc="http://schemas.openxmlformats.org/markup-compatibility/2006" xmlns:a14="http://schemas.microsoft.com/office/drawing/2010/main">
+        <mc:Choice Requires="a14">
           <p:sp>
             <p:nvSpPr>
               <p:cNvPr id="8" name="TextBox 7">
@@ -4376,7 +4376,7 @@
             </p:txBody>
           </p:sp>
         </mc:Choice>
-        <mc:Fallback>
+        <mc:Fallback xmlns="">
           <p:sp>
             <p:nvSpPr>
               <p:cNvPr id="8" name="TextBox 7">
@@ -4590,8 +4590,8 @@
           </a:prstGeom>
         </p:spPr>
       </p:pic>
-      <mc:AlternateContent xmlns:mc="http://schemas.openxmlformats.org/markup-compatibility/2006">
-        <mc:Choice xmlns:a14="http://schemas.microsoft.com/office/drawing/2010/main" Requires="a14">
+      <mc:AlternateContent xmlns:mc="http://schemas.openxmlformats.org/markup-compatibility/2006" xmlns:a14="http://schemas.microsoft.com/office/drawing/2010/main">
+        <mc:Choice Requires="a14">
           <p:sp>
             <p:nvSpPr>
               <p:cNvPr id="6" name="TextBox 5">
@@ -4647,7 +4647,7 @@
             </p:txBody>
           </p:sp>
         </mc:Choice>
-        <mc:Fallback>
+        <mc:Fallback xmlns="">
           <p:sp>
             <p:nvSpPr>
               <p:cNvPr id="6" name="TextBox 5">
@@ -4900,8 +4900,8 @@
           </a:prstGeom>
         </p:spPr>
       </p:pic>
-      <mc:AlternateContent xmlns:mc="http://schemas.openxmlformats.org/markup-compatibility/2006">
-        <mc:Choice xmlns:a14="http://schemas.microsoft.com/office/drawing/2010/main" Requires="a14">
+      <mc:AlternateContent xmlns:mc="http://schemas.openxmlformats.org/markup-compatibility/2006" xmlns:a14="http://schemas.microsoft.com/office/drawing/2010/main">
+        <mc:Choice Requires="a14">
           <p:sp>
             <p:nvSpPr>
               <p:cNvPr id="5" name="TextBox 4">
@@ -4994,7 +4994,7 @@
             </p:txBody>
           </p:sp>
         </mc:Choice>
-        <mc:Fallback>
+        <mc:Fallback xmlns="">
           <p:sp>
             <p:nvSpPr>
               <p:cNvPr id="5" name="TextBox 4">
@@ -5906,7 +5906,15 @@
             </a:r>
             <a:r>
               <a:rPr lang="en-CH" sz="3733" dirty="0"/>
-              <a:t>ere is no analytical solution to the position of the absolute minimum for a generical algorithm (at least not in easy cases as linear regression). </a:t>
+              <a:t>ere is no analytical solution to the position of the absolute minimum for a generical algorithm (at least </a:t>
+            </a:r>
+            <a:r>
+              <a:rPr lang="en-CH" sz="3733"/>
+              <a:t>not as in </a:t>
+            </a:r>
+            <a:r>
+              <a:rPr lang="en-CH" sz="3733" dirty="0"/>
+              <a:t>easy cases as linear regression). </a:t>
             </a:r>
           </a:p>
           <a:p>
@@ -5986,8 +5994,8 @@
           </a:p>
         </p:txBody>
       </p:sp>
-      <mc:AlternateContent xmlns:mc="http://schemas.openxmlformats.org/markup-compatibility/2006">
-        <mc:Choice xmlns:a14="http://schemas.microsoft.com/office/drawing/2010/main" Requires="a14">
+      <mc:AlternateContent xmlns:mc="http://schemas.openxmlformats.org/markup-compatibility/2006" xmlns:a14="http://schemas.microsoft.com/office/drawing/2010/main">
+        <mc:Choice Requires="a14">
           <p:sp>
             <p:nvSpPr>
               <p:cNvPr id="3" name="Content Placeholder 2">
@@ -6041,7 +6049,7 @@
                       <m:sSub>
                         <m:sSubPr>
                           <m:ctrlPr>
-                            <a:rPr lang="de-CH">
+                            <a:rPr lang="de-CH" i="1">
                               <a:latin typeface="Cambria Math" panose="02040503050406030204" pitchFamily="18" charset="0"/>
                             </a:rPr>
                           </m:ctrlPr>
@@ -6078,7 +6086,7 @@
                       <m:sSub>
                         <m:sSubPr>
                           <m:ctrlPr>
-                            <a:rPr lang="de-CH">
+                            <a:rPr lang="de-CH" i="1">
                               <a:latin typeface="Cambria Math" panose="02040503050406030204" pitchFamily="18" charset="0"/>
                             </a:rPr>
                           </m:ctrlPr>
@@ -6121,7 +6129,7 @@
                       <m:f>
                         <m:fPr>
                           <m:ctrlPr>
-                            <a:rPr lang="de-CH">
+                            <a:rPr lang="de-CH" i="1">
                               <a:latin typeface="Cambria Math" panose="02040503050406030204" pitchFamily="18" charset="0"/>
                             </a:rPr>
                           </m:ctrlPr>
@@ -6152,7 +6160,7 @@
                       <m:sSub>
                         <m:sSubPr>
                           <m:ctrlPr>
-                            <a:rPr lang="de-CH">
+                            <a:rPr lang="de-CH" i="1">
                               <a:latin typeface="Cambria Math" panose="02040503050406030204" pitchFamily="18" charset="0"/>
                             </a:rPr>
                           </m:ctrlPr>
@@ -6188,7 +6196,7 @@
             </p:txBody>
           </p:sp>
         </mc:Choice>
-        <mc:Fallback>
+        <mc:Fallback xmlns="">
           <p:sp>
             <p:nvSpPr>
               <p:cNvPr id="3" name="Content Placeholder 2">
@@ -6846,8 +6854,8 @@
           </a:p>
         </p:txBody>
       </p:sp>
-      <mc:AlternateContent xmlns:mc="http://schemas.openxmlformats.org/markup-compatibility/2006">
-        <mc:Choice xmlns:a14="http://schemas.microsoft.com/office/drawing/2010/main" Requires="a14">
+      <mc:AlternateContent xmlns:mc="http://schemas.openxmlformats.org/markup-compatibility/2006" xmlns:a14="http://schemas.microsoft.com/office/drawing/2010/main">
+        <mc:Choice Requires="a14">
           <p:sp>
             <p:nvSpPr>
               <p:cNvPr id="23" name="TextBox 22">
@@ -6889,7 +6897,7 @@
                     <m:sSub>
                       <m:sSubPr>
                         <m:ctrlPr>
-                          <a:rPr lang="de-CH" sz="2400">
+                          <a:rPr lang="de-CH" sz="2400" i="1">
                             <a:latin typeface="Cambria Math" panose="02040503050406030204" pitchFamily="18" charset="0"/>
                             <a:cs typeface="Arial" panose="020B0604020202020204" pitchFamily="34" charset="0"/>
                           </a:rPr>
@@ -6937,7 +6945,7 @@
             </p:txBody>
           </p:sp>
         </mc:Choice>
-        <mc:Fallback>
+        <mc:Fallback xmlns="">
           <p:sp>
             <p:nvSpPr>
               <p:cNvPr id="23" name="TextBox 22">
@@ -7355,8 +7363,8 @@
           </a:fontRef>
         </p:style>
       </p:cxnSp>
-      <mc:AlternateContent xmlns:mc="http://schemas.openxmlformats.org/markup-compatibility/2006">
-        <mc:Choice xmlns:a14="http://schemas.microsoft.com/office/drawing/2010/main" Requires="a14">
+      <mc:AlternateContent xmlns:mc="http://schemas.openxmlformats.org/markup-compatibility/2006" xmlns:a14="http://schemas.microsoft.com/office/drawing/2010/main">
+        <mc:Choice Requires="a14">
           <p:sp>
             <p:nvSpPr>
               <p:cNvPr id="14" name="TextBox 13">
@@ -7395,7 +7403,7 @@
                       <m:sSub>
                         <m:sSubPr>
                           <m:ctrlPr>
-                            <a:rPr lang="de-CH" sz="2400">
+                            <a:rPr lang="de-CH" sz="2400" i="1">
                               <a:latin typeface="Cambria Math" panose="02040503050406030204" pitchFamily="18" charset="0"/>
                             </a:rPr>
                           </m:ctrlPr>
@@ -7432,7 +7440,7 @@
                       <m:sSub>
                         <m:sSubPr>
                           <m:ctrlPr>
-                            <a:rPr lang="de-CH" sz="2400">
+                            <a:rPr lang="de-CH" sz="2400" i="1">
                               <a:latin typeface="Cambria Math" panose="02040503050406030204" pitchFamily="18" charset="0"/>
                             </a:rPr>
                           </m:ctrlPr>
@@ -7475,7 +7483,7 @@
                       <m:f>
                         <m:fPr>
                           <m:ctrlPr>
-                            <a:rPr lang="de-CH" sz="2400">
+                            <a:rPr lang="de-CH" sz="2400" i="1">
                               <a:latin typeface="Cambria Math" panose="02040503050406030204" pitchFamily="18" charset="0"/>
                             </a:rPr>
                           </m:ctrlPr>
@@ -7506,7 +7514,7 @@
                       <m:sSub>
                         <m:sSubPr>
                           <m:ctrlPr>
-                            <a:rPr lang="de-CH" sz="2400">
+                            <a:rPr lang="de-CH" sz="2400" i="1">
                               <a:latin typeface="Cambria Math" panose="02040503050406030204" pitchFamily="18" charset="0"/>
                             </a:rPr>
                           </m:ctrlPr>
@@ -7544,7 +7552,7 @@
             </p:txBody>
           </p:sp>
         </mc:Choice>
-        <mc:Fallback>
+        <mc:Fallback xmlns="">
           <p:sp>
             <p:nvSpPr>
               <p:cNvPr id="14" name="TextBox 13">
@@ -8262,8 +8270,8 @@
           </a:p>
         </p:txBody>
       </p:sp>
-      <mc:AlternateContent xmlns:mc="http://schemas.openxmlformats.org/markup-compatibility/2006">
-        <mc:Choice xmlns:a14="http://schemas.microsoft.com/office/drawing/2010/main" Requires="a14">
+      <mc:AlternateContent xmlns:mc="http://schemas.openxmlformats.org/markup-compatibility/2006" xmlns:a14="http://schemas.microsoft.com/office/drawing/2010/main">
+        <mc:Choice Requires="a14">
           <p:sp>
             <p:nvSpPr>
               <p:cNvPr id="5" name="TextBox 4">
@@ -8366,7 +8374,7 @@
                     <m:sSub>
                       <m:sSubPr>
                         <m:ctrlPr>
-                          <a:rPr lang="de-CH" sz="2400">
+                          <a:rPr lang="de-CH" sz="2400" i="1">
                             <a:latin typeface="Cambria Math" panose="02040503050406030204" pitchFamily="18" charset="0"/>
                             <a:cs typeface="Arial" panose="020B0604020202020204" pitchFamily="34" charset="0"/>
                           </a:rPr>
@@ -8433,7 +8441,7 @@
             </p:txBody>
           </p:sp>
         </mc:Choice>
-        <mc:Fallback>
+        <mc:Fallback xmlns="">
           <p:sp>
             <p:nvSpPr>
               <p:cNvPr id="5" name="TextBox 4">
@@ -8695,8 +8703,8 @@
           </a:p>
         </p:txBody>
       </p:sp>
-      <mc:AlternateContent xmlns:mc="http://schemas.openxmlformats.org/markup-compatibility/2006">
-        <mc:Choice xmlns:a14="http://schemas.microsoft.com/office/drawing/2010/main" Requires="a14">
+      <mc:AlternateContent xmlns:mc="http://schemas.openxmlformats.org/markup-compatibility/2006" xmlns:a14="http://schemas.microsoft.com/office/drawing/2010/main">
+        <mc:Choice Requires="a14">
           <p:sp>
             <p:nvSpPr>
               <p:cNvPr id="5" name="TextBox 4">
@@ -8799,7 +8807,7 @@
                     <m:sSub>
                       <m:sSubPr>
                         <m:ctrlPr>
-                          <a:rPr lang="de-CH" sz="2400">
+                          <a:rPr lang="de-CH" sz="2400" i="1">
                             <a:latin typeface="Cambria Math" panose="02040503050406030204" pitchFamily="18" charset="0"/>
                             <a:cs typeface="Arial" panose="020B0604020202020204" pitchFamily="34" charset="0"/>
                           </a:rPr>
@@ -8866,7 +8874,7 @@
             </p:txBody>
           </p:sp>
         </mc:Choice>
-        <mc:Fallback>
+        <mc:Fallback xmlns="">
           <p:sp>
             <p:nvSpPr>
               <p:cNvPr id="5" name="TextBox 4">
@@ -9097,8 +9105,8 @@
           </a:p>
         </p:txBody>
       </p:sp>
-      <mc:AlternateContent xmlns:mc="http://schemas.openxmlformats.org/markup-compatibility/2006">
-        <mc:Choice xmlns:a14="http://schemas.microsoft.com/office/drawing/2010/main" Requires="a14">
+      <mc:AlternateContent xmlns:mc="http://schemas.openxmlformats.org/markup-compatibility/2006" xmlns:a14="http://schemas.microsoft.com/office/drawing/2010/main">
+        <mc:Choice Requires="a14">
           <p:sp>
             <p:nvSpPr>
               <p:cNvPr id="5" name="TextBox 4">
@@ -9201,7 +9209,7 @@
                     <m:sSub>
                       <m:sSubPr>
                         <m:ctrlPr>
-                          <a:rPr lang="de-CH" sz="2400">
+                          <a:rPr lang="de-CH" sz="2400" i="1">
                             <a:latin typeface="Cambria Math" panose="02040503050406030204" pitchFamily="18" charset="0"/>
                             <a:cs typeface="Arial" panose="020B0604020202020204" pitchFamily="34" charset="0"/>
                           </a:rPr>
@@ -9268,7 +9276,7 @@
             </p:txBody>
           </p:sp>
         </mc:Choice>
-        <mc:Fallback>
+        <mc:Fallback xmlns="">
           <p:sp>
             <p:nvSpPr>
               <p:cNvPr id="5" name="TextBox 4">

--- a/DAY1/02 - Calculus and Gradient Descent/Gradient Descent Part I.pptx
+++ b/DAY1/02 - Calculus and Gradient Descent/Gradient Descent Part I.pptx
@@ -279,7 +279,7 @@
           <a:p>
             <a:fld id="{2B28F3A4-D681-1B4E-AF2E-6E84AB4A523C}" type="datetimeFigureOut">
               <a:rPr lang="en-CH" smtClean="0"/>
-              <a:t>06.01.2024</a:t>
+              <a:t>11.01.2024</a:t>
             </a:fld>
             <a:endParaRPr lang="en-CH"/>
           </a:p>
@@ -479,7 +479,7 @@
           <a:p>
             <a:fld id="{2B28F3A4-D681-1B4E-AF2E-6E84AB4A523C}" type="datetimeFigureOut">
               <a:rPr lang="en-CH" smtClean="0"/>
-              <a:t>06.01.2024</a:t>
+              <a:t>11.01.2024</a:t>
             </a:fld>
             <a:endParaRPr lang="en-CH"/>
           </a:p>
@@ -689,7 +689,7 @@
           <a:p>
             <a:fld id="{2B28F3A4-D681-1B4E-AF2E-6E84AB4A523C}" type="datetimeFigureOut">
               <a:rPr lang="en-CH" smtClean="0"/>
-              <a:t>06.01.2024</a:t>
+              <a:t>11.01.2024</a:t>
             </a:fld>
             <a:endParaRPr lang="en-CH"/>
           </a:p>
@@ -889,7 +889,7 @@
           <a:p>
             <a:fld id="{2B28F3A4-D681-1B4E-AF2E-6E84AB4A523C}" type="datetimeFigureOut">
               <a:rPr lang="en-CH" smtClean="0"/>
-              <a:t>06.01.2024</a:t>
+              <a:t>11.01.2024</a:t>
             </a:fld>
             <a:endParaRPr lang="en-CH"/>
           </a:p>
@@ -1165,7 +1165,7 @@
           <a:p>
             <a:fld id="{2B28F3A4-D681-1B4E-AF2E-6E84AB4A523C}" type="datetimeFigureOut">
               <a:rPr lang="en-CH" smtClean="0"/>
-              <a:t>06.01.2024</a:t>
+              <a:t>11.01.2024</a:t>
             </a:fld>
             <a:endParaRPr lang="en-CH"/>
           </a:p>
@@ -1433,7 +1433,7 @@
           <a:p>
             <a:fld id="{2B28F3A4-D681-1B4E-AF2E-6E84AB4A523C}" type="datetimeFigureOut">
               <a:rPr lang="en-CH" smtClean="0"/>
-              <a:t>06.01.2024</a:t>
+              <a:t>11.01.2024</a:t>
             </a:fld>
             <a:endParaRPr lang="en-CH"/>
           </a:p>
@@ -1848,7 +1848,7 @@
           <a:p>
             <a:fld id="{2B28F3A4-D681-1B4E-AF2E-6E84AB4A523C}" type="datetimeFigureOut">
               <a:rPr lang="en-CH" smtClean="0"/>
-              <a:t>06.01.2024</a:t>
+              <a:t>11.01.2024</a:t>
             </a:fld>
             <a:endParaRPr lang="en-CH"/>
           </a:p>
@@ -1990,7 +1990,7 @@
           <a:p>
             <a:fld id="{2B28F3A4-D681-1B4E-AF2E-6E84AB4A523C}" type="datetimeFigureOut">
               <a:rPr lang="en-CH" smtClean="0"/>
-              <a:t>06.01.2024</a:t>
+              <a:t>11.01.2024</a:t>
             </a:fld>
             <a:endParaRPr lang="en-CH"/>
           </a:p>
@@ -2103,7 +2103,7 @@
           <a:p>
             <a:fld id="{2B28F3A4-D681-1B4E-AF2E-6E84AB4A523C}" type="datetimeFigureOut">
               <a:rPr lang="en-CH" smtClean="0"/>
-              <a:t>06.01.2024</a:t>
+              <a:t>11.01.2024</a:t>
             </a:fld>
             <a:endParaRPr lang="en-CH"/>
           </a:p>
@@ -2416,7 +2416,7 @@
           <a:p>
             <a:fld id="{2B28F3A4-D681-1B4E-AF2E-6E84AB4A523C}" type="datetimeFigureOut">
               <a:rPr lang="en-CH" smtClean="0"/>
-              <a:t>06.01.2024</a:t>
+              <a:t>11.01.2024</a:t>
             </a:fld>
             <a:endParaRPr lang="en-CH"/>
           </a:p>
@@ -2705,7 +2705,7 @@
           <a:p>
             <a:fld id="{2B28F3A4-D681-1B4E-AF2E-6E84AB4A523C}" type="datetimeFigureOut">
               <a:rPr lang="en-CH" smtClean="0"/>
-              <a:t>06.01.2024</a:t>
+              <a:t>11.01.2024</a:t>
             </a:fld>
             <a:endParaRPr lang="en-CH"/>
           </a:p>
@@ -2950,7 +2950,7 @@
             <a:fld id="{2B28F3A4-D681-1B4E-AF2E-6E84AB4A523C}" type="datetimeFigureOut">
               <a:rPr lang="en-CH" smtClean="0"/>
               <a:pPr/>
-              <a:t>06.01.2024</a:t>
+              <a:t>11.01.2024</a:t>
             </a:fld>
             <a:endParaRPr lang="en-CH" dirty="0"/>
           </a:p>
@@ -4221,6 +4221,417 @@
           </a:prstGeom>
         </p:spPr>
       </p:pic>
+      <p:sp>
+        <p:nvSpPr>
+          <p:cNvPr id="3" name="TextBox 2">
+            <a:extLst>
+              <a:ext uri="{FF2B5EF4-FFF2-40B4-BE49-F238E27FC236}">
+                <a16:creationId xmlns:a16="http://schemas.microsoft.com/office/drawing/2014/main" id="{6E68ECC1-1640-ABEF-2DE4-D3B1FDFEFF00}"/>
+              </a:ext>
+            </a:extLst>
+          </p:cNvPr>
+          <p:cNvSpPr txBox="1"/>
+          <p:nvPr/>
+        </p:nvSpPr>
+        <p:spPr>
+          <a:xfrm>
+            <a:off x="9481931" y="1811893"/>
+            <a:ext cx="1798982" cy="338554"/>
+          </a:xfrm>
+          <a:prstGeom prst="rect">
+            <a:avLst/>
+          </a:prstGeom>
+          <a:noFill/>
+        </p:spPr>
+        <p:txBody>
+          <a:bodyPr wrap="square" rtlCol="0">
+            <a:spAutoFit/>
+          </a:bodyPr>
+          <a:lstStyle/>
+          <a:p>
+            <a:r>
+              <a:rPr lang="en-CH" sz="1600" dirty="0">
+                <a:latin typeface="Arial" panose="020B0604020202020204" pitchFamily="34" charset="0"/>
+                <a:cs typeface="Arial" panose="020B0604020202020204" pitchFamily="34" charset="0"/>
+              </a:rPr>
+              <a:t>Model output</a:t>
+            </a:r>
+          </a:p>
+        </p:txBody>
+      </p:sp>
+      <p:cxnSp>
+        <p:nvCxnSpPr>
+          <p:cNvPr id="7" name="Straight Arrow Connector 6">
+            <a:extLst>
+              <a:ext uri="{FF2B5EF4-FFF2-40B4-BE49-F238E27FC236}">
+                <a16:creationId xmlns:a16="http://schemas.microsoft.com/office/drawing/2014/main" id="{97772D4B-EDFA-7A9D-3663-9ED2C4F25569}"/>
+              </a:ext>
+            </a:extLst>
+          </p:cNvPr>
+          <p:cNvCxnSpPr>
+            <a:cxnSpLocks/>
+          </p:cNvCxnSpPr>
+          <p:nvPr/>
+        </p:nvCxnSpPr>
+        <p:spPr>
+          <a:xfrm flipH="1" flipV="1">
+            <a:off x="9352722" y="1282148"/>
+            <a:ext cx="576469" cy="529745"/>
+          </a:xfrm>
+          <a:prstGeom prst="straightConnector1">
+            <a:avLst/>
+          </a:prstGeom>
+          <a:ln w="28575">
+            <a:solidFill>
+              <a:schemeClr val="tx1"/>
+            </a:solidFill>
+            <a:tailEnd type="triangle"/>
+          </a:ln>
+        </p:spPr>
+        <p:style>
+          <a:lnRef idx="1">
+            <a:schemeClr val="accent1"/>
+          </a:lnRef>
+          <a:fillRef idx="0">
+            <a:schemeClr val="accent1"/>
+          </a:fillRef>
+          <a:effectRef idx="0">
+            <a:schemeClr val="accent1"/>
+          </a:effectRef>
+          <a:fontRef idx="minor">
+            <a:schemeClr val="tx1"/>
+          </a:fontRef>
+        </p:style>
+      </p:cxnSp>
+      <p:sp>
+        <p:nvSpPr>
+          <p:cNvPr id="9" name="TextBox 8">
+            <a:extLst>
+              <a:ext uri="{FF2B5EF4-FFF2-40B4-BE49-F238E27FC236}">
+                <a16:creationId xmlns:a16="http://schemas.microsoft.com/office/drawing/2014/main" id="{92EC0F55-68C9-7DFA-3D39-26471D801596}"/>
+              </a:ext>
+            </a:extLst>
+          </p:cNvPr>
+          <p:cNvSpPr txBox="1"/>
+          <p:nvPr/>
+        </p:nvSpPr>
+        <p:spPr>
+          <a:xfrm>
+            <a:off x="10982739" y="1521411"/>
+            <a:ext cx="964096" cy="338554"/>
+          </a:xfrm>
+          <a:prstGeom prst="rect">
+            <a:avLst/>
+          </a:prstGeom>
+          <a:noFill/>
+        </p:spPr>
+        <p:txBody>
+          <a:bodyPr wrap="square" rtlCol="0">
+            <a:spAutoFit/>
+          </a:bodyPr>
+          <a:lstStyle/>
+          <a:p>
+            <a:r>
+              <a:rPr lang="en-CH" sz="1600" dirty="0">
+                <a:latin typeface="Arial" panose="020B0604020202020204" pitchFamily="34" charset="0"/>
+                <a:cs typeface="Arial" panose="020B0604020202020204" pitchFamily="34" charset="0"/>
+              </a:rPr>
+              <a:t>Label</a:t>
+            </a:r>
+          </a:p>
+        </p:txBody>
+      </p:sp>
+      <p:cxnSp>
+        <p:nvCxnSpPr>
+          <p:cNvPr id="10" name="Straight Arrow Connector 9">
+            <a:extLst>
+              <a:ext uri="{FF2B5EF4-FFF2-40B4-BE49-F238E27FC236}">
+                <a16:creationId xmlns:a16="http://schemas.microsoft.com/office/drawing/2014/main" id="{B6143B51-FE72-B2E1-9196-66613B087F92}"/>
+              </a:ext>
+            </a:extLst>
+          </p:cNvPr>
+          <p:cNvCxnSpPr>
+            <a:cxnSpLocks/>
+            <a:stCxn id="9" idx="1"/>
+          </p:cNvCxnSpPr>
+          <p:nvPr/>
+        </p:nvCxnSpPr>
+        <p:spPr>
+          <a:xfrm flipH="1" flipV="1">
+            <a:off x="10714383" y="1282148"/>
+            <a:ext cx="268356" cy="408540"/>
+          </a:xfrm>
+          <a:prstGeom prst="straightConnector1">
+            <a:avLst/>
+          </a:prstGeom>
+          <a:ln w="28575">
+            <a:solidFill>
+              <a:schemeClr val="tx1"/>
+            </a:solidFill>
+            <a:tailEnd type="triangle"/>
+          </a:ln>
+        </p:spPr>
+        <p:style>
+          <a:lnRef idx="1">
+            <a:schemeClr val="accent1"/>
+          </a:lnRef>
+          <a:fillRef idx="0">
+            <a:schemeClr val="accent1"/>
+          </a:fillRef>
+          <a:effectRef idx="0">
+            <a:schemeClr val="accent1"/>
+          </a:effectRef>
+          <a:fontRef idx="minor">
+            <a:schemeClr val="tx1"/>
+          </a:fontRef>
+        </p:style>
+      </p:cxnSp>
+      <p:sp>
+        <p:nvSpPr>
+          <p:cNvPr id="13" name="TextBox 12">
+            <a:extLst>
+              <a:ext uri="{FF2B5EF4-FFF2-40B4-BE49-F238E27FC236}">
+                <a16:creationId xmlns:a16="http://schemas.microsoft.com/office/drawing/2014/main" id="{5E4F9469-8199-CF11-6D51-6143955F499D}"/>
+              </a:ext>
+            </a:extLst>
+          </p:cNvPr>
+          <p:cNvSpPr txBox="1"/>
+          <p:nvPr/>
+        </p:nvSpPr>
+        <p:spPr>
+          <a:xfrm>
+            <a:off x="5824330" y="127730"/>
+            <a:ext cx="2352262" cy="338554"/>
+          </a:xfrm>
+          <a:prstGeom prst="rect">
+            <a:avLst/>
+          </a:prstGeom>
+          <a:noFill/>
+        </p:spPr>
+        <p:txBody>
+          <a:bodyPr wrap="square" rtlCol="0">
+            <a:spAutoFit/>
+          </a:bodyPr>
+          <a:lstStyle/>
+          <a:p>
+            <a:r>
+              <a:rPr lang="en-CH" sz="1600" dirty="0">
+                <a:latin typeface="Arial" panose="020B0604020202020204" pitchFamily="34" charset="0"/>
+                <a:cs typeface="Arial" panose="020B0604020202020204" pitchFamily="34" charset="0"/>
+              </a:rPr>
+              <a:t>Number of sampes</a:t>
+            </a:r>
+          </a:p>
+        </p:txBody>
+      </p:sp>
+      <p:cxnSp>
+        <p:nvCxnSpPr>
+          <p:cNvPr id="14" name="Straight Arrow Connector 13">
+            <a:extLst>
+              <a:ext uri="{FF2B5EF4-FFF2-40B4-BE49-F238E27FC236}">
+                <a16:creationId xmlns:a16="http://schemas.microsoft.com/office/drawing/2014/main" id="{3B79C47D-6AB3-3B41-91AA-003F3C815AA0}"/>
+              </a:ext>
+            </a:extLst>
+          </p:cNvPr>
+          <p:cNvCxnSpPr>
+            <a:cxnSpLocks/>
+          </p:cNvCxnSpPr>
+          <p:nvPr/>
+        </p:nvCxnSpPr>
+        <p:spPr>
+          <a:xfrm>
+            <a:off x="7702826" y="365125"/>
+            <a:ext cx="576469" cy="241162"/>
+          </a:xfrm>
+          <a:prstGeom prst="straightConnector1">
+            <a:avLst/>
+          </a:prstGeom>
+          <a:ln w="28575">
+            <a:solidFill>
+              <a:schemeClr val="tx1"/>
+            </a:solidFill>
+            <a:tailEnd type="triangle"/>
+          </a:ln>
+        </p:spPr>
+        <p:style>
+          <a:lnRef idx="1">
+            <a:schemeClr val="accent1"/>
+          </a:lnRef>
+          <a:fillRef idx="0">
+            <a:schemeClr val="accent1"/>
+          </a:fillRef>
+          <a:effectRef idx="0">
+            <a:schemeClr val="accent1"/>
+          </a:effectRef>
+          <a:fontRef idx="minor">
+            <a:schemeClr val="tx1"/>
+          </a:fontRef>
+        </p:style>
+      </p:cxnSp>
+      <p:sp>
+        <p:nvSpPr>
+          <p:cNvPr id="17" name="TextBox 16">
+            <a:extLst>
+              <a:ext uri="{FF2B5EF4-FFF2-40B4-BE49-F238E27FC236}">
+                <a16:creationId xmlns:a16="http://schemas.microsoft.com/office/drawing/2014/main" id="{A6E9AE77-EE20-A548-8123-EB411E1D3E06}"/>
+              </a:ext>
+            </a:extLst>
+          </p:cNvPr>
+          <p:cNvSpPr txBox="1"/>
+          <p:nvPr/>
+        </p:nvSpPr>
+        <p:spPr>
+          <a:xfrm>
+            <a:off x="4118113" y="1574081"/>
+            <a:ext cx="1388165" cy="338554"/>
+          </a:xfrm>
+          <a:prstGeom prst="rect">
+            <a:avLst/>
+          </a:prstGeom>
+          <a:noFill/>
+        </p:spPr>
+        <p:txBody>
+          <a:bodyPr wrap="square" rtlCol="0">
+            <a:spAutoFit/>
+          </a:bodyPr>
+          <a:lstStyle/>
+          <a:p>
+            <a:r>
+              <a:rPr lang="en-CH" sz="1600" dirty="0">
+                <a:latin typeface="Arial" panose="020B0604020202020204" pitchFamily="34" charset="0"/>
+                <a:cs typeface="Arial" panose="020B0604020202020204" pitchFamily="34" charset="0"/>
+              </a:rPr>
+              <a:t>Loss function</a:t>
+            </a:r>
+          </a:p>
+        </p:txBody>
+      </p:sp>
+      <p:cxnSp>
+        <p:nvCxnSpPr>
+          <p:cNvPr id="18" name="Straight Arrow Connector 17">
+            <a:extLst>
+              <a:ext uri="{FF2B5EF4-FFF2-40B4-BE49-F238E27FC236}">
+                <a16:creationId xmlns:a16="http://schemas.microsoft.com/office/drawing/2014/main" id="{C83A2B1E-1679-3276-D8B4-5E2D910418D0}"/>
+              </a:ext>
+            </a:extLst>
+          </p:cNvPr>
+          <p:cNvCxnSpPr>
+            <a:cxnSpLocks/>
+          </p:cNvCxnSpPr>
+          <p:nvPr/>
+        </p:nvCxnSpPr>
+        <p:spPr>
+          <a:xfrm flipV="1">
+            <a:off x="5029200" y="1252330"/>
+            <a:ext cx="238539" cy="377415"/>
+          </a:xfrm>
+          <a:prstGeom prst="straightConnector1">
+            <a:avLst/>
+          </a:prstGeom>
+          <a:ln w="28575">
+            <a:solidFill>
+              <a:schemeClr val="tx1"/>
+            </a:solidFill>
+            <a:tailEnd type="triangle"/>
+          </a:ln>
+        </p:spPr>
+        <p:style>
+          <a:lnRef idx="1">
+            <a:schemeClr val="accent1"/>
+          </a:lnRef>
+          <a:fillRef idx="0">
+            <a:schemeClr val="accent1"/>
+          </a:fillRef>
+          <a:effectRef idx="0">
+            <a:schemeClr val="accent1"/>
+          </a:effectRef>
+          <a:fontRef idx="minor">
+            <a:schemeClr val="tx1"/>
+          </a:fontRef>
+        </p:style>
+      </p:cxnSp>
+      <p:sp>
+        <p:nvSpPr>
+          <p:cNvPr id="21" name="TextBox 20">
+            <a:extLst>
+              <a:ext uri="{FF2B5EF4-FFF2-40B4-BE49-F238E27FC236}">
+                <a16:creationId xmlns:a16="http://schemas.microsoft.com/office/drawing/2014/main" id="{C479DE24-C176-6E35-8037-E69213F362EF}"/>
+              </a:ext>
+            </a:extLst>
+          </p:cNvPr>
+          <p:cNvSpPr txBox="1"/>
+          <p:nvPr/>
+        </p:nvSpPr>
+        <p:spPr>
+          <a:xfrm>
+            <a:off x="5944223" y="1827282"/>
+            <a:ext cx="2155548" cy="338554"/>
+          </a:xfrm>
+          <a:prstGeom prst="rect">
+            <a:avLst/>
+          </a:prstGeom>
+          <a:noFill/>
+        </p:spPr>
+        <p:txBody>
+          <a:bodyPr wrap="square" rtlCol="0">
+            <a:spAutoFit/>
+          </a:bodyPr>
+          <a:lstStyle/>
+          <a:p>
+            <a:r>
+              <a:rPr lang="en-CH" sz="1600" dirty="0">
+                <a:latin typeface="Arial" panose="020B0604020202020204" pitchFamily="34" charset="0"/>
+                <a:cs typeface="Arial" panose="020B0604020202020204" pitchFamily="34" charset="0"/>
+              </a:rPr>
+              <a:t>Model Parameters</a:t>
+            </a:r>
+          </a:p>
+        </p:txBody>
+      </p:sp>
+      <p:cxnSp>
+        <p:nvCxnSpPr>
+          <p:cNvPr id="22" name="Straight Arrow Connector 21">
+            <a:extLst>
+              <a:ext uri="{FF2B5EF4-FFF2-40B4-BE49-F238E27FC236}">
+                <a16:creationId xmlns:a16="http://schemas.microsoft.com/office/drawing/2014/main" id="{BEF65B9A-897D-6981-2213-855F9331EAAA}"/>
+              </a:ext>
+            </a:extLst>
+          </p:cNvPr>
+          <p:cNvCxnSpPr>
+            <a:cxnSpLocks/>
+          </p:cNvCxnSpPr>
+          <p:nvPr/>
+        </p:nvCxnSpPr>
+        <p:spPr>
+          <a:xfrm flipH="1" flipV="1">
+            <a:off x="6115050" y="1252330"/>
+            <a:ext cx="653497" cy="620606"/>
+          </a:xfrm>
+          <a:prstGeom prst="straightConnector1">
+            <a:avLst/>
+          </a:prstGeom>
+          <a:ln w="28575">
+            <a:solidFill>
+              <a:schemeClr val="tx1"/>
+            </a:solidFill>
+            <a:tailEnd type="triangle"/>
+          </a:ln>
+        </p:spPr>
+        <p:style>
+          <a:lnRef idx="1">
+            <a:schemeClr val="accent1"/>
+          </a:lnRef>
+          <a:fillRef idx="0">
+            <a:schemeClr val="accent1"/>
+          </a:fillRef>
+          <a:effectRef idx="0">
+            <a:schemeClr val="accent1"/>
+          </a:effectRef>
+          <a:fontRef idx="minor">
+            <a:schemeClr val="tx1"/>
+          </a:fontRef>
+        </p:style>
+      </p:cxnSp>
     </p:spTree>
     <p:extLst>
       <p:ext uri="{BB962C8B-B14F-4D97-AF65-F5344CB8AC3E}">

--- a/DAY1/02 - Calculus and Gradient Descent/Gradient Descent Part I.pptx
+++ b/DAY1/02 - Calculus and Gradient Descent/Gradient Descent Part I.pptx
@@ -5,25 +5,34 @@
     <p:sldMasterId id="2147483648" r:id="rId1"/>
   </p:sldMasterIdLst>
   <p:sldIdLst>
-    <p:sldId id="329" r:id="rId2"/>
-    <p:sldId id="330" r:id="rId3"/>
-    <p:sldId id="343" r:id="rId4"/>
-    <p:sldId id="331" r:id="rId5"/>
-    <p:sldId id="344" r:id="rId6"/>
-    <p:sldId id="333" r:id="rId7"/>
-    <p:sldId id="334" r:id="rId8"/>
-    <p:sldId id="335" r:id="rId9"/>
-    <p:sldId id="332" r:id="rId10"/>
-    <p:sldId id="345" r:id="rId11"/>
-    <p:sldId id="346" r:id="rId12"/>
-    <p:sldId id="347" r:id="rId13"/>
-    <p:sldId id="348" r:id="rId14"/>
-    <p:sldId id="349" r:id="rId15"/>
-    <p:sldId id="350" r:id="rId16"/>
-    <p:sldId id="351" r:id="rId17"/>
-    <p:sldId id="352" r:id="rId18"/>
-    <p:sldId id="353" r:id="rId19"/>
-    <p:sldId id="354" r:id="rId20"/>
+    <p:sldId id="355" r:id="rId2"/>
+    <p:sldId id="356" r:id="rId3"/>
+    <p:sldId id="357" r:id="rId4"/>
+    <p:sldId id="358" r:id="rId5"/>
+    <p:sldId id="359" r:id="rId6"/>
+    <p:sldId id="360" r:id="rId7"/>
+    <p:sldId id="361" r:id="rId8"/>
+    <p:sldId id="362" r:id="rId9"/>
+    <p:sldId id="363" r:id="rId10"/>
+    <p:sldId id="330" r:id="rId11"/>
+    <p:sldId id="343" r:id="rId12"/>
+    <p:sldId id="331" r:id="rId13"/>
+    <p:sldId id="344" r:id="rId14"/>
+    <p:sldId id="333" r:id="rId15"/>
+    <p:sldId id="334" r:id="rId16"/>
+    <p:sldId id="335" r:id="rId17"/>
+    <p:sldId id="332" r:id="rId18"/>
+    <p:sldId id="364" r:id="rId19"/>
+    <p:sldId id="345" r:id="rId20"/>
+    <p:sldId id="346" r:id="rId21"/>
+    <p:sldId id="347" r:id="rId22"/>
+    <p:sldId id="348" r:id="rId23"/>
+    <p:sldId id="349" r:id="rId24"/>
+    <p:sldId id="350" r:id="rId25"/>
+    <p:sldId id="351" r:id="rId26"/>
+    <p:sldId id="352" r:id="rId27"/>
+    <p:sldId id="353" r:id="rId28"/>
+    <p:sldId id="354" r:id="rId29"/>
   </p:sldIdLst>
   <p:sldSz cx="12192000" cy="6858000"/>
   <p:notesSz cx="6858000" cy="9144000"/>
@@ -279,7 +288,7 @@
           <a:p>
             <a:fld id="{2B28F3A4-D681-1B4E-AF2E-6E84AB4A523C}" type="datetimeFigureOut">
               <a:rPr lang="en-CH" smtClean="0"/>
-              <a:t>11.01.2024</a:t>
+              <a:t>14.01.2024</a:t>
             </a:fld>
             <a:endParaRPr lang="en-CH"/>
           </a:p>
@@ -479,7 +488,7 @@
           <a:p>
             <a:fld id="{2B28F3A4-D681-1B4E-AF2E-6E84AB4A523C}" type="datetimeFigureOut">
               <a:rPr lang="en-CH" smtClean="0"/>
-              <a:t>11.01.2024</a:t>
+              <a:t>14.01.2024</a:t>
             </a:fld>
             <a:endParaRPr lang="en-CH"/>
           </a:p>
@@ -689,7 +698,7 @@
           <a:p>
             <a:fld id="{2B28F3A4-D681-1B4E-AF2E-6E84AB4A523C}" type="datetimeFigureOut">
               <a:rPr lang="en-CH" smtClean="0"/>
-              <a:t>11.01.2024</a:t>
+              <a:t>14.01.2024</a:t>
             </a:fld>
             <a:endParaRPr lang="en-CH"/>
           </a:p>
@@ -889,7 +898,7 @@
           <a:p>
             <a:fld id="{2B28F3A4-D681-1B4E-AF2E-6E84AB4A523C}" type="datetimeFigureOut">
               <a:rPr lang="en-CH" smtClean="0"/>
-              <a:t>11.01.2024</a:t>
+              <a:t>14.01.2024</a:t>
             </a:fld>
             <a:endParaRPr lang="en-CH"/>
           </a:p>
@@ -1165,7 +1174,7 @@
           <a:p>
             <a:fld id="{2B28F3A4-D681-1B4E-AF2E-6E84AB4A523C}" type="datetimeFigureOut">
               <a:rPr lang="en-CH" smtClean="0"/>
-              <a:t>11.01.2024</a:t>
+              <a:t>14.01.2024</a:t>
             </a:fld>
             <a:endParaRPr lang="en-CH"/>
           </a:p>
@@ -1433,7 +1442,7 @@
           <a:p>
             <a:fld id="{2B28F3A4-D681-1B4E-AF2E-6E84AB4A523C}" type="datetimeFigureOut">
               <a:rPr lang="en-CH" smtClean="0"/>
-              <a:t>11.01.2024</a:t>
+              <a:t>14.01.2024</a:t>
             </a:fld>
             <a:endParaRPr lang="en-CH"/>
           </a:p>
@@ -1848,7 +1857,7 @@
           <a:p>
             <a:fld id="{2B28F3A4-D681-1B4E-AF2E-6E84AB4A523C}" type="datetimeFigureOut">
               <a:rPr lang="en-CH" smtClean="0"/>
-              <a:t>11.01.2024</a:t>
+              <a:t>14.01.2024</a:t>
             </a:fld>
             <a:endParaRPr lang="en-CH"/>
           </a:p>
@@ -1990,7 +1999,7 @@
           <a:p>
             <a:fld id="{2B28F3A4-D681-1B4E-AF2E-6E84AB4A523C}" type="datetimeFigureOut">
               <a:rPr lang="en-CH" smtClean="0"/>
-              <a:t>11.01.2024</a:t>
+              <a:t>14.01.2024</a:t>
             </a:fld>
             <a:endParaRPr lang="en-CH"/>
           </a:p>
@@ -2103,7 +2112,7 @@
           <a:p>
             <a:fld id="{2B28F3A4-D681-1B4E-AF2E-6E84AB4A523C}" type="datetimeFigureOut">
               <a:rPr lang="en-CH" smtClean="0"/>
-              <a:t>11.01.2024</a:t>
+              <a:t>14.01.2024</a:t>
             </a:fld>
             <a:endParaRPr lang="en-CH"/>
           </a:p>
@@ -2416,7 +2425,7 @@
           <a:p>
             <a:fld id="{2B28F3A4-D681-1B4E-AF2E-6E84AB4A523C}" type="datetimeFigureOut">
               <a:rPr lang="en-CH" smtClean="0"/>
-              <a:t>11.01.2024</a:t>
+              <a:t>14.01.2024</a:t>
             </a:fld>
             <a:endParaRPr lang="en-CH"/>
           </a:p>
@@ -2705,7 +2714,7 @@
           <a:p>
             <a:fld id="{2B28F3A4-D681-1B4E-AF2E-6E84AB4A523C}" type="datetimeFigureOut">
               <a:rPr lang="en-CH" smtClean="0"/>
-              <a:t>11.01.2024</a:t>
+              <a:t>14.01.2024</a:t>
             </a:fld>
             <a:endParaRPr lang="en-CH"/>
           </a:p>
@@ -2950,7 +2959,7 @@
             <a:fld id="{2B28F3A4-D681-1B4E-AF2E-6E84AB4A523C}" type="datetimeFigureOut">
               <a:rPr lang="en-CH" smtClean="0"/>
               <a:pPr/>
-              <a:t>11.01.2024</a:t>
+              <a:t>14.01.2024</a:t>
             </a:fld>
             <a:endParaRPr lang="en-CH" dirty="0"/>
           </a:p>
@@ -3375,7 +3384,7 @@
           <p:cNvPr id="2" name="Title 1">
             <a:extLst>
               <a:ext uri="{FF2B5EF4-FFF2-40B4-BE49-F238E27FC236}">
-                <a16:creationId xmlns:a16="http://schemas.microsoft.com/office/drawing/2014/main" id="{90476313-8379-DFBB-ED63-572EA3739979}"/>
+                <a16:creationId xmlns:a16="http://schemas.microsoft.com/office/drawing/2014/main" id="{BA505B62-D831-803E-A285-CB011E69D8CD}"/>
               </a:ext>
             </a:extLst>
           </p:cNvPr>
@@ -3383,124 +3392,63 @@
             <a:spLocks noGrp="1"/>
           </p:cNvSpPr>
           <p:nvPr>
-            <p:ph type="title"/>
+            <p:ph type="ctrTitle"/>
           </p:nvPr>
         </p:nvSpPr>
-        <p:spPr>
-          <a:xfrm>
-            <a:off x="186392" y="245690"/>
-            <a:ext cx="5909608" cy="1719261"/>
-          </a:xfrm>
-        </p:spPr>
-        <p:txBody>
-          <a:bodyPr>
-            <a:normAutofit fontScale="90000"/>
-          </a:bodyPr>
+        <p:spPr/>
+        <p:txBody>
+          <a:bodyPr/>
           <a:lstStyle/>
           <a:p>
             <a:r>
-              <a:rPr lang="en-CH"/>
+              <a:rPr lang="en-CH" dirty="0"/>
               <a:t>Gradient Descent</a:t>
             </a:r>
           </a:p>
         </p:txBody>
       </p:sp>
-      <p:pic>
-        <p:nvPicPr>
-          <p:cNvPr id="4098" name="Picture 2" descr="Alternatives to the Gradient Descent Algorithm - DataScienceCentral.com">
-            <a:extLst>
-              <a:ext uri="{FF2B5EF4-FFF2-40B4-BE49-F238E27FC236}">
-                <a16:creationId xmlns:a16="http://schemas.microsoft.com/office/drawing/2014/main" id="{3A6079A1-5215-44CA-6DD4-82A2DE4FDDE5}"/>
-              </a:ext>
-            </a:extLst>
-          </p:cNvPr>
-          <p:cNvPicPr>
-            <a:picLocks noChangeAspect="1" noChangeArrowheads="1"/>
-          </p:cNvPicPr>
-          <p:nvPr/>
-        </p:nvPicPr>
-        <p:blipFill>
-          <a:blip r:embed="rId2">
-            <a:extLst>
-              <a:ext uri="{28A0092B-C50C-407E-A947-70E740481C1C}">
-                <a14:useLocalDpi xmlns:a14="http://schemas.microsoft.com/office/drawing/2010/main" val="0"/>
-              </a:ext>
-            </a:extLst>
-          </a:blip>
-          <a:srcRect/>
-          <a:stretch>
-            <a:fillRect/>
-          </a:stretch>
-        </p:blipFill>
-        <p:spPr bwMode="auto">
-          <a:xfrm>
-            <a:off x="6639107" y="1105320"/>
-            <a:ext cx="4318000" cy="4538133"/>
-          </a:xfrm>
-          <a:prstGeom prst="rect">
-            <a:avLst/>
-          </a:prstGeom>
-          <a:noFill/>
-          <a:extLst>
-            <a:ext uri="{909E8E84-426E-40DD-AFC4-6F175D3DCCD1}">
-              <a14:hiddenFill xmlns:a14="http://schemas.microsoft.com/office/drawing/2010/main">
-                <a:solidFill>
-                  <a:srgbClr val="FFFFFF"/>
-                </a:solidFill>
-              </a14:hiddenFill>
-            </a:ext>
-          </a:extLst>
-        </p:spPr>
-      </p:pic>
-      <p:sp>
-        <p:nvSpPr>
-          <p:cNvPr id="5" name="TextBox 4">
-            <a:extLst>
-              <a:ext uri="{FF2B5EF4-FFF2-40B4-BE49-F238E27FC236}">
-                <a16:creationId xmlns:a16="http://schemas.microsoft.com/office/drawing/2014/main" id="{FA0C97EC-14F7-2F38-4ECD-D43D15F74D3F}"/>
-              </a:ext>
-            </a:extLst>
-          </p:cNvPr>
-          <p:cNvSpPr txBox="1"/>
-          <p:nvPr/>
-        </p:nvSpPr>
-        <p:spPr>
-          <a:xfrm>
-            <a:off x="982669" y="6509187"/>
-            <a:ext cx="11536216" cy="318100"/>
-          </a:xfrm>
-          <a:prstGeom prst="rect">
-            <a:avLst/>
-          </a:prstGeom>
-          <a:noFill/>
-        </p:spPr>
-        <p:txBody>
-          <a:bodyPr wrap="square">
-            <a:spAutoFit/>
-          </a:bodyPr>
+      <p:sp>
+        <p:nvSpPr>
+          <p:cNvPr id="3" name="Subtitle 2">
+            <a:extLst>
+              <a:ext uri="{FF2B5EF4-FFF2-40B4-BE49-F238E27FC236}">
+                <a16:creationId xmlns:a16="http://schemas.microsoft.com/office/drawing/2014/main" id="{E95542A6-C86A-F4A5-6B4E-2044E550156E}"/>
+              </a:ext>
+            </a:extLst>
+          </p:cNvPr>
+          <p:cNvSpPr>
+            <a:spLocks noGrp="1"/>
+          </p:cNvSpPr>
+          <p:nvPr>
+            <p:ph type="subTitle" idx="1"/>
+          </p:nvPr>
+        </p:nvSpPr>
+        <p:spPr/>
+        <p:txBody>
+          <a:bodyPr/>
           <a:lstStyle/>
           <a:p>
             <a:r>
-              <a:rPr lang="en-CH" sz="1467">
-                <a:latin typeface="Arial" panose="020B0604020202020204" pitchFamily="34" charset="0"/>
-                <a:cs typeface="Arial" panose="020B0604020202020204" pitchFamily="34" charset="0"/>
+              <a:rPr lang="en-CH" dirty="0"/>
+              <a:t>Dr. Umberto Michelucci</a:t>
+            </a:r>
+          </a:p>
+          <a:p>
+            <a:r>
+              <a:rPr lang="en-GB" dirty="0">
+                <a:hlinkClick r:id="rId2"/>
               </a:rPr>
-              <a:t>Image source: </a:t>
-            </a:r>
-            <a:r>
-              <a:rPr lang="en-CH" sz="1467">
-                <a:latin typeface="Arial" panose="020B0604020202020204" pitchFamily="34" charset="0"/>
-                <a:cs typeface="Arial" panose="020B0604020202020204" pitchFamily="34" charset="0"/>
-                <a:hlinkClick r:id="rId3"/>
+              <a:t>u</a:t>
+            </a:r>
+            <a:r>
+              <a:rPr lang="en-CH" dirty="0">
+                <a:hlinkClick r:id="rId2"/>
               </a:rPr>
-              <a:t>https://www.datasciencecentral.com/alternatives-to-the-gradient-descent-algorithm/</a:t>
-            </a:r>
-            <a:r>
-              <a:rPr lang="en-CH" sz="1467">
-                <a:latin typeface="Arial" panose="020B0604020202020204" pitchFamily="34" charset="0"/>
-                <a:cs typeface="Arial" panose="020B0604020202020204" pitchFamily="34" charset="0"/>
-              </a:rPr>
-              <a:t>, Accessed on 20/8/2022</a:t>
+              <a:t>mberto.michelucci@toelt.ai</a:t>
+            </a:r>
+            <a:r>
+              <a:rPr lang="en-CH" dirty="0"/>
+              <a:t> </a:t>
             </a:r>
           </a:p>
         </p:txBody>
@@ -3508,7 +3456,7 @@
     </p:spTree>
     <p:extLst>
       <p:ext uri="{BB962C8B-B14F-4D97-AF65-F5344CB8AC3E}">
-        <p14:creationId xmlns:p14="http://schemas.microsoft.com/office/powerpoint/2010/main" val="2893905876"/>
+        <p14:creationId xmlns:p14="http://schemas.microsoft.com/office/powerpoint/2010/main" val="1123170327"/>
       </p:ext>
     </p:extLst>
   </p:cSld>
@@ -3519,1722 +3467,6 @@
 </file>
 
 <file path=ppt/slides/slide10.xml><?xml version="1.0" encoding="utf-8"?>
-<p:sld xmlns:a="http://schemas.openxmlformats.org/drawingml/2006/main" xmlns:r="http://schemas.openxmlformats.org/officeDocument/2006/relationships" xmlns:p="http://schemas.openxmlformats.org/presentationml/2006/main">
-  <p:cSld>
-    <p:spTree>
-      <p:nvGrpSpPr>
-        <p:cNvPr id="1" name=""/>
-        <p:cNvGrpSpPr/>
-        <p:nvPr/>
-      </p:nvGrpSpPr>
-      <p:grpSpPr>
-        <a:xfrm>
-          <a:off x="0" y="0"/>
-          <a:ext cx="0" cy="0"/>
-          <a:chOff x="0" y="0"/>
-          <a:chExt cx="0" cy="0"/>
-        </a:xfrm>
-      </p:grpSpPr>
-      <p:sp>
-        <p:nvSpPr>
-          <p:cNvPr id="2" name="Title 1">
-            <a:extLst>
-              <a:ext uri="{FF2B5EF4-FFF2-40B4-BE49-F238E27FC236}">
-                <a16:creationId xmlns:a16="http://schemas.microsoft.com/office/drawing/2014/main" id="{40E25C83-55CC-EC93-CDD6-1EE9C8199E20}"/>
-              </a:ext>
-            </a:extLst>
-          </p:cNvPr>
-          <p:cNvSpPr>
-            <a:spLocks noGrp="1"/>
-          </p:cNvSpPr>
-          <p:nvPr>
-            <p:ph type="title"/>
-          </p:nvPr>
-        </p:nvSpPr>
-        <p:spPr/>
-        <p:txBody>
-          <a:bodyPr/>
-          <a:lstStyle/>
-          <a:p>
-            <a:r>
-              <a:rPr lang="en-CH" dirty="0"/>
-              <a:t>Gradient Descent - Example</a:t>
-            </a:r>
-          </a:p>
-        </p:txBody>
-      </p:sp>
-      <p:sp>
-        <p:nvSpPr>
-          <p:cNvPr id="3" name="Content Placeholder 2">
-            <a:extLst>
-              <a:ext uri="{FF2B5EF4-FFF2-40B4-BE49-F238E27FC236}">
-                <a16:creationId xmlns:a16="http://schemas.microsoft.com/office/drawing/2014/main" id="{35997C8A-611E-2E27-67C2-4818B0CAC580}"/>
-              </a:ext>
-            </a:extLst>
-          </p:cNvPr>
-          <p:cNvSpPr>
-            <a:spLocks noGrp="1"/>
-          </p:cNvSpPr>
-          <p:nvPr>
-            <p:ph idx="1"/>
-          </p:nvPr>
-        </p:nvSpPr>
-        <p:spPr/>
-        <p:txBody>
-          <a:bodyPr/>
-          <a:lstStyle/>
-          <a:p>
-            <a:r>
-              <a:rPr lang="en-CH" dirty="0"/>
-              <a:t>We want to minimize the function</a:t>
-            </a:r>
-          </a:p>
-          <a:p>
-            <a:endParaRPr lang="en-CH" dirty="0"/>
-          </a:p>
-          <a:p>
-            <a:endParaRPr lang="en-CH" dirty="0"/>
-          </a:p>
-          <a:p>
-            <a:r>
-              <a:rPr lang="en-CH" dirty="0"/>
-              <a:t>Gradient Descent Formula</a:t>
-            </a:r>
-          </a:p>
-        </p:txBody>
-      </p:sp>
-      <p:pic>
-        <p:nvPicPr>
-          <p:cNvPr id="5" name="Picture 4">
-            <a:extLst>
-              <a:ext uri="{FF2B5EF4-FFF2-40B4-BE49-F238E27FC236}">
-                <a16:creationId xmlns:a16="http://schemas.microsoft.com/office/drawing/2014/main" id="{5F1E2E3D-4118-7AB9-8E9C-901C5C9B6579}"/>
-              </a:ext>
-            </a:extLst>
-          </p:cNvPr>
-          <p:cNvPicPr>
-            <a:picLocks noChangeAspect="1"/>
-          </p:cNvPicPr>
-          <p:nvPr/>
-        </p:nvPicPr>
-        <p:blipFill>
-          <a:blip r:embed="rId2"/>
-          <a:stretch>
-            <a:fillRect/>
-          </a:stretch>
-        </p:blipFill>
-        <p:spPr>
-          <a:xfrm>
-            <a:off x="5086350" y="2422939"/>
-            <a:ext cx="2019300" cy="660400"/>
-          </a:xfrm>
-          <a:prstGeom prst="rect">
-            <a:avLst/>
-          </a:prstGeom>
-        </p:spPr>
-      </p:pic>
-      <p:pic>
-        <p:nvPicPr>
-          <p:cNvPr id="6" name="Picture 5">
-            <a:extLst>
-              <a:ext uri="{FF2B5EF4-FFF2-40B4-BE49-F238E27FC236}">
-                <a16:creationId xmlns:a16="http://schemas.microsoft.com/office/drawing/2014/main" id="{4E29EB06-76E9-1585-0A4F-7AD78EABE80C}"/>
-              </a:ext>
-            </a:extLst>
-          </p:cNvPr>
-          <p:cNvPicPr>
-            <a:picLocks noChangeAspect="1"/>
-          </p:cNvPicPr>
-          <p:nvPr/>
-        </p:nvPicPr>
-        <p:blipFill>
-          <a:blip r:embed="rId3"/>
-          <a:stretch>
-            <a:fillRect/>
-          </a:stretch>
-        </p:blipFill>
-        <p:spPr>
-          <a:xfrm>
-            <a:off x="3397250" y="5213868"/>
-            <a:ext cx="5397500" cy="774700"/>
-          </a:xfrm>
-          <a:prstGeom prst="rect">
-            <a:avLst/>
-          </a:prstGeom>
-        </p:spPr>
-      </p:pic>
-      <p:pic>
-        <p:nvPicPr>
-          <p:cNvPr id="7" name="Picture 6">
-            <a:extLst>
-              <a:ext uri="{FF2B5EF4-FFF2-40B4-BE49-F238E27FC236}">
-                <a16:creationId xmlns:a16="http://schemas.microsoft.com/office/drawing/2014/main" id="{6852B7F9-AEEF-1572-57E0-08D2173A0AB2}"/>
-              </a:ext>
-            </a:extLst>
-          </p:cNvPr>
-          <p:cNvPicPr>
-            <a:picLocks noChangeAspect="1"/>
-          </p:cNvPicPr>
-          <p:nvPr/>
-        </p:nvPicPr>
-        <p:blipFill>
-          <a:blip r:embed="rId4"/>
-          <a:stretch>
-            <a:fillRect/>
-          </a:stretch>
-        </p:blipFill>
-        <p:spPr>
-          <a:xfrm>
-            <a:off x="4076700" y="4155800"/>
-            <a:ext cx="4038600" cy="990600"/>
-          </a:xfrm>
-          <a:prstGeom prst="rect">
-            <a:avLst/>
-          </a:prstGeom>
-        </p:spPr>
-      </p:pic>
-    </p:spTree>
-    <p:extLst>
-      <p:ext uri="{BB962C8B-B14F-4D97-AF65-F5344CB8AC3E}">
-        <p14:creationId xmlns:p14="http://schemas.microsoft.com/office/powerpoint/2010/main" val="1000436304"/>
-      </p:ext>
-    </p:extLst>
-  </p:cSld>
-  <p:clrMapOvr>
-    <a:masterClrMapping/>
-  </p:clrMapOvr>
-</p:sld>
-</file>
-
-<file path=ppt/slides/slide11.xml><?xml version="1.0" encoding="utf-8"?>
-<p:sld xmlns:a="http://schemas.openxmlformats.org/drawingml/2006/main" xmlns:r="http://schemas.openxmlformats.org/officeDocument/2006/relationships" xmlns:p="http://schemas.openxmlformats.org/presentationml/2006/main">
-  <p:cSld>
-    <p:spTree>
-      <p:nvGrpSpPr>
-        <p:cNvPr id="1" name=""/>
-        <p:cNvGrpSpPr/>
-        <p:nvPr/>
-      </p:nvGrpSpPr>
-      <p:grpSpPr>
-        <a:xfrm>
-          <a:off x="0" y="0"/>
-          <a:ext cx="0" cy="0"/>
-          <a:chOff x="0" y="0"/>
-          <a:chExt cx="0" cy="0"/>
-        </a:xfrm>
-      </p:grpSpPr>
-      <p:sp>
-        <p:nvSpPr>
-          <p:cNvPr id="2" name="Title 1">
-            <a:extLst>
-              <a:ext uri="{FF2B5EF4-FFF2-40B4-BE49-F238E27FC236}">
-                <a16:creationId xmlns:a16="http://schemas.microsoft.com/office/drawing/2014/main" id="{40E25C83-55CC-EC93-CDD6-1EE9C8199E20}"/>
-              </a:ext>
-            </a:extLst>
-          </p:cNvPr>
-          <p:cNvSpPr>
-            <a:spLocks noGrp="1"/>
-          </p:cNvSpPr>
-          <p:nvPr>
-            <p:ph type="title"/>
-          </p:nvPr>
-        </p:nvSpPr>
-        <p:spPr/>
-        <p:txBody>
-          <a:bodyPr/>
-          <a:lstStyle/>
-          <a:p>
-            <a:r>
-              <a:rPr lang="en-CH" dirty="0"/>
-              <a:t>Gradient Descent - Example</a:t>
-            </a:r>
-          </a:p>
-        </p:txBody>
-      </p:sp>
-      <p:pic>
-        <p:nvPicPr>
-          <p:cNvPr id="9" name="Picture 8">
-            <a:extLst>
-              <a:ext uri="{FF2B5EF4-FFF2-40B4-BE49-F238E27FC236}">
-                <a16:creationId xmlns:a16="http://schemas.microsoft.com/office/drawing/2014/main" id="{4C6C94C2-F62B-EF4D-2DE1-A1DC3D34957F}"/>
-              </a:ext>
-            </a:extLst>
-          </p:cNvPr>
-          <p:cNvPicPr>
-            <a:picLocks noChangeAspect="1"/>
-          </p:cNvPicPr>
-          <p:nvPr/>
-        </p:nvPicPr>
-        <p:blipFill>
-          <a:blip r:embed="rId2"/>
-          <a:stretch>
-            <a:fillRect/>
-          </a:stretch>
-        </p:blipFill>
-        <p:spPr>
-          <a:xfrm>
-            <a:off x="1772478" y="2101431"/>
-            <a:ext cx="7772400" cy="3867711"/>
-          </a:xfrm>
-          <a:prstGeom prst="rect">
-            <a:avLst/>
-          </a:prstGeom>
-        </p:spPr>
-      </p:pic>
-    </p:spTree>
-    <p:extLst>
-      <p:ext uri="{BB962C8B-B14F-4D97-AF65-F5344CB8AC3E}">
-        <p14:creationId xmlns:p14="http://schemas.microsoft.com/office/powerpoint/2010/main" val="1524383994"/>
-      </p:ext>
-    </p:extLst>
-  </p:cSld>
-  <p:clrMapOvr>
-    <a:masterClrMapping/>
-  </p:clrMapOvr>
-</p:sld>
-</file>
-
-<file path=ppt/slides/slide12.xml><?xml version="1.0" encoding="utf-8"?>
-<p:sld xmlns:a="http://schemas.openxmlformats.org/drawingml/2006/main" xmlns:r="http://schemas.openxmlformats.org/officeDocument/2006/relationships" xmlns:p="http://schemas.openxmlformats.org/presentationml/2006/main">
-  <p:cSld>
-    <p:spTree>
-      <p:nvGrpSpPr>
-        <p:cNvPr id="1" name=""/>
-        <p:cNvGrpSpPr/>
-        <p:nvPr/>
-      </p:nvGrpSpPr>
-      <p:grpSpPr>
-        <a:xfrm>
-          <a:off x="0" y="0"/>
-          <a:ext cx="0" cy="0"/>
-          <a:chOff x="0" y="0"/>
-          <a:chExt cx="0" cy="0"/>
-        </a:xfrm>
-      </p:grpSpPr>
-      <p:sp>
-        <p:nvSpPr>
-          <p:cNvPr id="2" name="Title 1">
-            <a:extLst>
-              <a:ext uri="{FF2B5EF4-FFF2-40B4-BE49-F238E27FC236}">
-                <a16:creationId xmlns:a16="http://schemas.microsoft.com/office/drawing/2014/main" id="{40E25C83-55CC-EC93-CDD6-1EE9C8199E20}"/>
-              </a:ext>
-            </a:extLst>
-          </p:cNvPr>
-          <p:cNvSpPr>
-            <a:spLocks noGrp="1"/>
-          </p:cNvSpPr>
-          <p:nvPr>
-            <p:ph type="title"/>
-          </p:nvPr>
-        </p:nvSpPr>
-        <p:spPr/>
-        <p:txBody>
-          <a:bodyPr/>
-          <a:lstStyle/>
-          <a:p>
-            <a:r>
-              <a:rPr lang="en-CH" dirty="0"/>
-              <a:t>Gradient Descent - Example</a:t>
-            </a:r>
-          </a:p>
-        </p:txBody>
-      </p:sp>
-      <p:pic>
-        <p:nvPicPr>
-          <p:cNvPr id="5" name="Picture 4">
-            <a:extLst>
-              <a:ext uri="{FF2B5EF4-FFF2-40B4-BE49-F238E27FC236}">
-                <a16:creationId xmlns:a16="http://schemas.microsoft.com/office/drawing/2014/main" id="{4405793C-EE98-4159-F210-ED26FCB48010}"/>
-              </a:ext>
-            </a:extLst>
-          </p:cNvPr>
-          <p:cNvPicPr>
-            <a:picLocks noChangeAspect="1"/>
-          </p:cNvPicPr>
-          <p:nvPr/>
-        </p:nvPicPr>
-        <p:blipFill>
-          <a:blip r:embed="rId2"/>
-          <a:stretch>
-            <a:fillRect/>
-          </a:stretch>
-        </p:blipFill>
-        <p:spPr>
-          <a:xfrm>
-            <a:off x="626241" y="2043009"/>
-            <a:ext cx="10727559" cy="3288816"/>
-          </a:xfrm>
-          <a:prstGeom prst="rect">
-            <a:avLst/>
-          </a:prstGeom>
-        </p:spPr>
-      </p:pic>
-    </p:spTree>
-    <p:extLst>
-      <p:ext uri="{BB962C8B-B14F-4D97-AF65-F5344CB8AC3E}">
-        <p14:creationId xmlns:p14="http://schemas.microsoft.com/office/powerpoint/2010/main" val="1906576540"/>
-      </p:ext>
-    </p:extLst>
-  </p:cSld>
-  <p:clrMapOvr>
-    <a:masterClrMapping/>
-  </p:clrMapOvr>
-</p:sld>
-</file>
-
-<file path=ppt/slides/slide13.xml><?xml version="1.0" encoding="utf-8"?>
-<p:sld xmlns:a="http://schemas.openxmlformats.org/drawingml/2006/main" xmlns:r="http://schemas.openxmlformats.org/officeDocument/2006/relationships" xmlns:p="http://schemas.openxmlformats.org/presentationml/2006/main">
-  <p:cSld>
-    <p:spTree>
-      <p:nvGrpSpPr>
-        <p:cNvPr id="1" name=""/>
-        <p:cNvGrpSpPr/>
-        <p:nvPr/>
-      </p:nvGrpSpPr>
-      <p:grpSpPr>
-        <a:xfrm>
-          <a:off x="0" y="0"/>
-          <a:ext cx="0" cy="0"/>
-          <a:chOff x="0" y="0"/>
-          <a:chExt cx="0" cy="0"/>
-        </a:xfrm>
-      </p:grpSpPr>
-      <p:sp>
-        <p:nvSpPr>
-          <p:cNvPr id="2" name="Title 1">
-            <a:extLst>
-              <a:ext uri="{FF2B5EF4-FFF2-40B4-BE49-F238E27FC236}">
-                <a16:creationId xmlns:a16="http://schemas.microsoft.com/office/drawing/2014/main" id="{40E25C83-55CC-EC93-CDD6-1EE9C8199E20}"/>
-              </a:ext>
-            </a:extLst>
-          </p:cNvPr>
-          <p:cNvSpPr>
-            <a:spLocks noGrp="1"/>
-          </p:cNvSpPr>
-          <p:nvPr>
-            <p:ph type="title"/>
-          </p:nvPr>
-        </p:nvSpPr>
-        <p:spPr/>
-        <p:txBody>
-          <a:bodyPr/>
-          <a:lstStyle/>
-          <a:p>
-            <a:r>
-              <a:rPr lang="en-CH" dirty="0"/>
-              <a:t>Choosing the right learning rate</a:t>
-            </a:r>
-          </a:p>
-        </p:txBody>
-      </p:sp>
-      <p:pic>
-        <p:nvPicPr>
-          <p:cNvPr id="3" name="Picture 2">
-            <a:extLst>
-              <a:ext uri="{FF2B5EF4-FFF2-40B4-BE49-F238E27FC236}">
-                <a16:creationId xmlns:a16="http://schemas.microsoft.com/office/drawing/2014/main" id="{C5C3715F-7F3C-C07E-3493-41E7716EF422}"/>
-              </a:ext>
-            </a:extLst>
-          </p:cNvPr>
-          <p:cNvPicPr>
-            <a:picLocks noChangeAspect="1"/>
-          </p:cNvPicPr>
-          <p:nvPr/>
-        </p:nvPicPr>
-        <p:blipFill>
-          <a:blip r:embed="rId2"/>
-          <a:stretch>
-            <a:fillRect/>
-          </a:stretch>
-        </p:blipFill>
-        <p:spPr>
-          <a:xfrm>
-            <a:off x="620275" y="1687028"/>
-            <a:ext cx="10951450" cy="4436955"/>
-          </a:xfrm>
-          <a:prstGeom prst="rect">
-            <a:avLst/>
-          </a:prstGeom>
-        </p:spPr>
-      </p:pic>
-    </p:spTree>
-    <p:extLst>
-      <p:ext uri="{BB962C8B-B14F-4D97-AF65-F5344CB8AC3E}">
-        <p14:creationId xmlns:p14="http://schemas.microsoft.com/office/powerpoint/2010/main" val="481004079"/>
-      </p:ext>
-    </p:extLst>
-  </p:cSld>
-  <p:clrMapOvr>
-    <a:masterClrMapping/>
-  </p:clrMapOvr>
-</p:sld>
-</file>
-
-<file path=ppt/slides/slide14.xml><?xml version="1.0" encoding="utf-8"?>
-<p:sld xmlns:a="http://schemas.openxmlformats.org/drawingml/2006/main" xmlns:r="http://schemas.openxmlformats.org/officeDocument/2006/relationships" xmlns:p="http://schemas.openxmlformats.org/presentationml/2006/main">
-  <p:cSld>
-    <p:spTree>
-      <p:nvGrpSpPr>
-        <p:cNvPr id="1" name=""/>
-        <p:cNvGrpSpPr/>
-        <p:nvPr/>
-      </p:nvGrpSpPr>
-      <p:grpSpPr>
-        <a:xfrm>
-          <a:off x="0" y="0"/>
-          <a:ext cx="0" cy="0"/>
-          <a:chOff x="0" y="0"/>
-          <a:chExt cx="0" cy="0"/>
-        </a:xfrm>
-      </p:grpSpPr>
-      <p:sp>
-        <p:nvSpPr>
-          <p:cNvPr id="2" name="Title 1">
-            <a:extLst>
-              <a:ext uri="{FF2B5EF4-FFF2-40B4-BE49-F238E27FC236}">
-                <a16:creationId xmlns:a16="http://schemas.microsoft.com/office/drawing/2014/main" id="{40E25C83-55CC-EC93-CDD6-1EE9C8199E20}"/>
-              </a:ext>
-            </a:extLst>
-          </p:cNvPr>
-          <p:cNvSpPr>
-            <a:spLocks noGrp="1"/>
-          </p:cNvSpPr>
-          <p:nvPr>
-            <p:ph type="title"/>
-          </p:nvPr>
-        </p:nvSpPr>
-        <p:spPr/>
-        <p:txBody>
-          <a:bodyPr/>
-          <a:lstStyle/>
-          <a:p>
-            <a:r>
-              <a:rPr lang="en-CH" dirty="0"/>
-              <a:t>Choosing the right learning rate</a:t>
-            </a:r>
-          </a:p>
-        </p:txBody>
-      </p:sp>
-      <p:pic>
-        <p:nvPicPr>
-          <p:cNvPr id="4" name="Picture 3">
-            <a:extLst>
-              <a:ext uri="{FF2B5EF4-FFF2-40B4-BE49-F238E27FC236}">
-                <a16:creationId xmlns:a16="http://schemas.microsoft.com/office/drawing/2014/main" id="{DE815D3B-CEE5-A82D-94BE-E6F4B7A8F0E2}"/>
-              </a:ext>
-            </a:extLst>
-          </p:cNvPr>
-          <p:cNvPicPr>
-            <a:picLocks noChangeAspect="1"/>
-          </p:cNvPicPr>
-          <p:nvPr/>
-        </p:nvPicPr>
-        <p:blipFill>
-          <a:blip r:embed="rId2"/>
-          <a:stretch>
-            <a:fillRect/>
-          </a:stretch>
-        </p:blipFill>
-        <p:spPr>
-          <a:xfrm>
-            <a:off x="1027043" y="1480944"/>
-            <a:ext cx="9766852" cy="5377056"/>
-          </a:xfrm>
-          <a:prstGeom prst="rect">
-            <a:avLst/>
-          </a:prstGeom>
-        </p:spPr>
-      </p:pic>
-    </p:spTree>
-    <p:extLst>
-      <p:ext uri="{BB962C8B-B14F-4D97-AF65-F5344CB8AC3E}">
-        <p14:creationId xmlns:p14="http://schemas.microsoft.com/office/powerpoint/2010/main" val="3216007215"/>
-      </p:ext>
-    </p:extLst>
-  </p:cSld>
-  <p:clrMapOvr>
-    <a:masterClrMapping/>
-  </p:clrMapOvr>
-</p:sld>
-</file>
-
-<file path=ppt/slides/slide15.xml><?xml version="1.0" encoding="utf-8"?>
-<p:sld xmlns:a="http://schemas.openxmlformats.org/drawingml/2006/main" xmlns:r="http://schemas.openxmlformats.org/officeDocument/2006/relationships" xmlns:p="http://schemas.openxmlformats.org/presentationml/2006/main">
-  <p:cSld>
-    <p:spTree>
-      <p:nvGrpSpPr>
-        <p:cNvPr id="1" name=""/>
-        <p:cNvGrpSpPr/>
-        <p:nvPr/>
-      </p:nvGrpSpPr>
-      <p:grpSpPr>
-        <a:xfrm>
-          <a:off x="0" y="0"/>
-          <a:ext cx="0" cy="0"/>
-          <a:chOff x="0" y="0"/>
-          <a:chExt cx="0" cy="0"/>
-        </a:xfrm>
-      </p:grpSpPr>
-      <p:sp>
-        <p:nvSpPr>
-          <p:cNvPr id="2" name="Title 1">
-            <a:extLst>
-              <a:ext uri="{FF2B5EF4-FFF2-40B4-BE49-F238E27FC236}">
-                <a16:creationId xmlns:a16="http://schemas.microsoft.com/office/drawing/2014/main" id="{8C988C6B-0FAB-A3F2-D0E5-D7668B0D1EBC}"/>
-              </a:ext>
-            </a:extLst>
-          </p:cNvPr>
-          <p:cNvSpPr>
-            <a:spLocks noGrp="1"/>
-          </p:cNvSpPr>
-          <p:nvPr>
-            <p:ph type="title"/>
-          </p:nvPr>
-        </p:nvSpPr>
-        <p:spPr/>
-        <p:txBody>
-          <a:bodyPr/>
-          <a:lstStyle/>
-          <a:p>
-            <a:r>
-              <a:rPr lang="en-CH" dirty="0"/>
-              <a:t>Variations of Gradient Descent</a:t>
-            </a:r>
-          </a:p>
-        </p:txBody>
-      </p:sp>
-    </p:spTree>
-    <p:extLst>
-      <p:ext uri="{BB962C8B-B14F-4D97-AF65-F5344CB8AC3E}">
-        <p14:creationId xmlns:p14="http://schemas.microsoft.com/office/powerpoint/2010/main" val="3711696340"/>
-      </p:ext>
-    </p:extLst>
-  </p:cSld>
-  <p:clrMapOvr>
-    <a:masterClrMapping/>
-  </p:clrMapOvr>
-</p:sld>
-</file>
-
-<file path=ppt/slides/slide16.xml><?xml version="1.0" encoding="utf-8"?>
-<p:sld xmlns:a="http://schemas.openxmlformats.org/drawingml/2006/main" xmlns:r="http://schemas.openxmlformats.org/officeDocument/2006/relationships" xmlns:p="http://schemas.openxmlformats.org/presentationml/2006/main">
-  <p:cSld>
-    <p:spTree>
-      <p:nvGrpSpPr>
-        <p:cNvPr id="1" name=""/>
-        <p:cNvGrpSpPr/>
-        <p:nvPr/>
-      </p:nvGrpSpPr>
-      <p:grpSpPr>
-        <a:xfrm>
-          <a:off x="0" y="0"/>
-          <a:ext cx="0" cy="0"/>
-          <a:chOff x="0" y="0"/>
-          <a:chExt cx="0" cy="0"/>
-        </a:xfrm>
-      </p:grpSpPr>
-      <p:sp>
-        <p:nvSpPr>
-          <p:cNvPr id="2" name="Title 1">
-            <a:extLst>
-              <a:ext uri="{FF2B5EF4-FFF2-40B4-BE49-F238E27FC236}">
-                <a16:creationId xmlns:a16="http://schemas.microsoft.com/office/drawing/2014/main" id="{D2B09521-F730-E300-822B-74B25C7E11BF}"/>
-              </a:ext>
-            </a:extLst>
-          </p:cNvPr>
-          <p:cNvSpPr>
-            <a:spLocks noGrp="1"/>
-          </p:cNvSpPr>
-          <p:nvPr>
-            <p:ph type="title"/>
-          </p:nvPr>
-        </p:nvSpPr>
-        <p:spPr/>
-        <p:txBody>
-          <a:bodyPr/>
-          <a:lstStyle/>
-          <a:p>
-            <a:r>
-              <a:rPr lang="en-CH" dirty="0"/>
-              <a:t>Plain GD</a:t>
-            </a:r>
-          </a:p>
-        </p:txBody>
-      </p:sp>
-      <p:pic>
-        <p:nvPicPr>
-          <p:cNvPr id="4" name="Picture 3">
-            <a:extLst>
-              <a:ext uri="{FF2B5EF4-FFF2-40B4-BE49-F238E27FC236}">
-                <a16:creationId xmlns:a16="http://schemas.microsoft.com/office/drawing/2014/main" id="{53975F8F-B1AD-4A24-CAD0-C3037935635F}"/>
-              </a:ext>
-            </a:extLst>
-          </p:cNvPr>
-          <p:cNvPicPr>
-            <a:picLocks noChangeAspect="1"/>
-          </p:cNvPicPr>
-          <p:nvPr/>
-        </p:nvPicPr>
-        <p:blipFill>
-          <a:blip r:embed="rId2"/>
-          <a:stretch>
-            <a:fillRect/>
-          </a:stretch>
-        </p:blipFill>
-        <p:spPr>
-          <a:xfrm>
-            <a:off x="4726885" y="215072"/>
-            <a:ext cx="6972300" cy="1816100"/>
-          </a:xfrm>
-          <a:prstGeom prst="rect">
-            <a:avLst/>
-          </a:prstGeom>
-        </p:spPr>
-      </p:pic>
-      <p:pic>
-        <p:nvPicPr>
-          <p:cNvPr id="5" name="Picture 4">
-            <a:extLst>
-              <a:ext uri="{FF2B5EF4-FFF2-40B4-BE49-F238E27FC236}">
-                <a16:creationId xmlns:a16="http://schemas.microsoft.com/office/drawing/2014/main" id="{9C646F1B-A6E2-DE7B-9845-7043CC31FDBC}"/>
-              </a:ext>
-            </a:extLst>
-          </p:cNvPr>
-          <p:cNvPicPr>
-            <a:picLocks noChangeAspect="1"/>
-          </p:cNvPicPr>
-          <p:nvPr/>
-        </p:nvPicPr>
-        <p:blipFill>
-          <a:blip r:embed="rId3"/>
-          <a:stretch>
-            <a:fillRect/>
-          </a:stretch>
-        </p:blipFill>
-        <p:spPr>
-          <a:xfrm>
-            <a:off x="838200" y="2181225"/>
-            <a:ext cx="10671313" cy="4150529"/>
-          </a:xfrm>
-          <a:prstGeom prst="rect">
-            <a:avLst/>
-          </a:prstGeom>
-        </p:spPr>
-      </p:pic>
-      <p:sp>
-        <p:nvSpPr>
-          <p:cNvPr id="3" name="TextBox 2">
-            <a:extLst>
-              <a:ext uri="{FF2B5EF4-FFF2-40B4-BE49-F238E27FC236}">
-                <a16:creationId xmlns:a16="http://schemas.microsoft.com/office/drawing/2014/main" id="{6E68ECC1-1640-ABEF-2DE4-D3B1FDFEFF00}"/>
-              </a:ext>
-            </a:extLst>
-          </p:cNvPr>
-          <p:cNvSpPr txBox="1"/>
-          <p:nvPr/>
-        </p:nvSpPr>
-        <p:spPr>
-          <a:xfrm>
-            <a:off x="9481931" y="1811893"/>
-            <a:ext cx="1798982" cy="338554"/>
-          </a:xfrm>
-          <a:prstGeom prst="rect">
-            <a:avLst/>
-          </a:prstGeom>
-          <a:noFill/>
-        </p:spPr>
-        <p:txBody>
-          <a:bodyPr wrap="square" rtlCol="0">
-            <a:spAutoFit/>
-          </a:bodyPr>
-          <a:lstStyle/>
-          <a:p>
-            <a:r>
-              <a:rPr lang="en-CH" sz="1600" dirty="0">
-                <a:latin typeface="Arial" panose="020B0604020202020204" pitchFamily="34" charset="0"/>
-                <a:cs typeface="Arial" panose="020B0604020202020204" pitchFamily="34" charset="0"/>
-              </a:rPr>
-              <a:t>Model output</a:t>
-            </a:r>
-          </a:p>
-        </p:txBody>
-      </p:sp>
-      <p:cxnSp>
-        <p:nvCxnSpPr>
-          <p:cNvPr id="7" name="Straight Arrow Connector 6">
-            <a:extLst>
-              <a:ext uri="{FF2B5EF4-FFF2-40B4-BE49-F238E27FC236}">
-                <a16:creationId xmlns:a16="http://schemas.microsoft.com/office/drawing/2014/main" id="{97772D4B-EDFA-7A9D-3663-9ED2C4F25569}"/>
-              </a:ext>
-            </a:extLst>
-          </p:cNvPr>
-          <p:cNvCxnSpPr>
-            <a:cxnSpLocks/>
-          </p:cNvCxnSpPr>
-          <p:nvPr/>
-        </p:nvCxnSpPr>
-        <p:spPr>
-          <a:xfrm flipH="1" flipV="1">
-            <a:off x="9352722" y="1282148"/>
-            <a:ext cx="576469" cy="529745"/>
-          </a:xfrm>
-          <a:prstGeom prst="straightConnector1">
-            <a:avLst/>
-          </a:prstGeom>
-          <a:ln w="28575">
-            <a:solidFill>
-              <a:schemeClr val="tx1"/>
-            </a:solidFill>
-            <a:tailEnd type="triangle"/>
-          </a:ln>
-        </p:spPr>
-        <p:style>
-          <a:lnRef idx="1">
-            <a:schemeClr val="accent1"/>
-          </a:lnRef>
-          <a:fillRef idx="0">
-            <a:schemeClr val="accent1"/>
-          </a:fillRef>
-          <a:effectRef idx="0">
-            <a:schemeClr val="accent1"/>
-          </a:effectRef>
-          <a:fontRef idx="minor">
-            <a:schemeClr val="tx1"/>
-          </a:fontRef>
-        </p:style>
-      </p:cxnSp>
-      <p:sp>
-        <p:nvSpPr>
-          <p:cNvPr id="9" name="TextBox 8">
-            <a:extLst>
-              <a:ext uri="{FF2B5EF4-FFF2-40B4-BE49-F238E27FC236}">
-                <a16:creationId xmlns:a16="http://schemas.microsoft.com/office/drawing/2014/main" id="{92EC0F55-68C9-7DFA-3D39-26471D801596}"/>
-              </a:ext>
-            </a:extLst>
-          </p:cNvPr>
-          <p:cNvSpPr txBox="1"/>
-          <p:nvPr/>
-        </p:nvSpPr>
-        <p:spPr>
-          <a:xfrm>
-            <a:off x="10982739" y="1521411"/>
-            <a:ext cx="964096" cy="338554"/>
-          </a:xfrm>
-          <a:prstGeom prst="rect">
-            <a:avLst/>
-          </a:prstGeom>
-          <a:noFill/>
-        </p:spPr>
-        <p:txBody>
-          <a:bodyPr wrap="square" rtlCol="0">
-            <a:spAutoFit/>
-          </a:bodyPr>
-          <a:lstStyle/>
-          <a:p>
-            <a:r>
-              <a:rPr lang="en-CH" sz="1600" dirty="0">
-                <a:latin typeface="Arial" panose="020B0604020202020204" pitchFamily="34" charset="0"/>
-                <a:cs typeface="Arial" panose="020B0604020202020204" pitchFamily="34" charset="0"/>
-              </a:rPr>
-              <a:t>Label</a:t>
-            </a:r>
-          </a:p>
-        </p:txBody>
-      </p:sp>
-      <p:cxnSp>
-        <p:nvCxnSpPr>
-          <p:cNvPr id="10" name="Straight Arrow Connector 9">
-            <a:extLst>
-              <a:ext uri="{FF2B5EF4-FFF2-40B4-BE49-F238E27FC236}">
-                <a16:creationId xmlns:a16="http://schemas.microsoft.com/office/drawing/2014/main" id="{B6143B51-FE72-B2E1-9196-66613B087F92}"/>
-              </a:ext>
-            </a:extLst>
-          </p:cNvPr>
-          <p:cNvCxnSpPr>
-            <a:cxnSpLocks/>
-            <a:stCxn id="9" idx="1"/>
-          </p:cNvCxnSpPr>
-          <p:nvPr/>
-        </p:nvCxnSpPr>
-        <p:spPr>
-          <a:xfrm flipH="1" flipV="1">
-            <a:off x="10714383" y="1282148"/>
-            <a:ext cx="268356" cy="408540"/>
-          </a:xfrm>
-          <a:prstGeom prst="straightConnector1">
-            <a:avLst/>
-          </a:prstGeom>
-          <a:ln w="28575">
-            <a:solidFill>
-              <a:schemeClr val="tx1"/>
-            </a:solidFill>
-            <a:tailEnd type="triangle"/>
-          </a:ln>
-        </p:spPr>
-        <p:style>
-          <a:lnRef idx="1">
-            <a:schemeClr val="accent1"/>
-          </a:lnRef>
-          <a:fillRef idx="0">
-            <a:schemeClr val="accent1"/>
-          </a:fillRef>
-          <a:effectRef idx="0">
-            <a:schemeClr val="accent1"/>
-          </a:effectRef>
-          <a:fontRef idx="minor">
-            <a:schemeClr val="tx1"/>
-          </a:fontRef>
-        </p:style>
-      </p:cxnSp>
-      <p:sp>
-        <p:nvSpPr>
-          <p:cNvPr id="13" name="TextBox 12">
-            <a:extLst>
-              <a:ext uri="{FF2B5EF4-FFF2-40B4-BE49-F238E27FC236}">
-                <a16:creationId xmlns:a16="http://schemas.microsoft.com/office/drawing/2014/main" id="{5E4F9469-8199-CF11-6D51-6143955F499D}"/>
-              </a:ext>
-            </a:extLst>
-          </p:cNvPr>
-          <p:cNvSpPr txBox="1"/>
-          <p:nvPr/>
-        </p:nvSpPr>
-        <p:spPr>
-          <a:xfrm>
-            <a:off x="5824330" y="127730"/>
-            <a:ext cx="2352262" cy="338554"/>
-          </a:xfrm>
-          <a:prstGeom prst="rect">
-            <a:avLst/>
-          </a:prstGeom>
-          <a:noFill/>
-        </p:spPr>
-        <p:txBody>
-          <a:bodyPr wrap="square" rtlCol="0">
-            <a:spAutoFit/>
-          </a:bodyPr>
-          <a:lstStyle/>
-          <a:p>
-            <a:r>
-              <a:rPr lang="en-CH" sz="1600" dirty="0">
-                <a:latin typeface="Arial" panose="020B0604020202020204" pitchFamily="34" charset="0"/>
-                <a:cs typeface="Arial" panose="020B0604020202020204" pitchFamily="34" charset="0"/>
-              </a:rPr>
-              <a:t>Number of sampes</a:t>
-            </a:r>
-          </a:p>
-        </p:txBody>
-      </p:sp>
-      <p:cxnSp>
-        <p:nvCxnSpPr>
-          <p:cNvPr id="14" name="Straight Arrow Connector 13">
-            <a:extLst>
-              <a:ext uri="{FF2B5EF4-FFF2-40B4-BE49-F238E27FC236}">
-                <a16:creationId xmlns:a16="http://schemas.microsoft.com/office/drawing/2014/main" id="{3B79C47D-6AB3-3B41-91AA-003F3C815AA0}"/>
-              </a:ext>
-            </a:extLst>
-          </p:cNvPr>
-          <p:cNvCxnSpPr>
-            <a:cxnSpLocks/>
-          </p:cNvCxnSpPr>
-          <p:nvPr/>
-        </p:nvCxnSpPr>
-        <p:spPr>
-          <a:xfrm>
-            <a:off x="7702826" y="365125"/>
-            <a:ext cx="576469" cy="241162"/>
-          </a:xfrm>
-          <a:prstGeom prst="straightConnector1">
-            <a:avLst/>
-          </a:prstGeom>
-          <a:ln w="28575">
-            <a:solidFill>
-              <a:schemeClr val="tx1"/>
-            </a:solidFill>
-            <a:tailEnd type="triangle"/>
-          </a:ln>
-        </p:spPr>
-        <p:style>
-          <a:lnRef idx="1">
-            <a:schemeClr val="accent1"/>
-          </a:lnRef>
-          <a:fillRef idx="0">
-            <a:schemeClr val="accent1"/>
-          </a:fillRef>
-          <a:effectRef idx="0">
-            <a:schemeClr val="accent1"/>
-          </a:effectRef>
-          <a:fontRef idx="minor">
-            <a:schemeClr val="tx1"/>
-          </a:fontRef>
-        </p:style>
-      </p:cxnSp>
-      <p:sp>
-        <p:nvSpPr>
-          <p:cNvPr id="17" name="TextBox 16">
-            <a:extLst>
-              <a:ext uri="{FF2B5EF4-FFF2-40B4-BE49-F238E27FC236}">
-                <a16:creationId xmlns:a16="http://schemas.microsoft.com/office/drawing/2014/main" id="{A6E9AE77-EE20-A548-8123-EB411E1D3E06}"/>
-              </a:ext>
-            </a:extLst>
-          </p:cNvPr>
-          <p:cNvSpPr txBox="1"/>
-          <p:nvPr/>
-        </p:nvSpPr>
-        <p:spPr>
-          <a:xfrm>
-            <a:off x="4118113" y="1574081"/>
-            <a:ext cx="1388165" cy="338554"/>
-          </a:xfrm>
-          <a:prstGeom prst="rect">
-            <a:avLst/>
-          </a:prstGeom>
-          <a:noFill/>
-        </p:spPr>
-        <p:txBody>
-          <a:bodyPr wrap="square" rtlCol="0">
-            <a:spAutoFit/>
-          </a:bodyPr>
-          <a:lstStyle/>
-          <a:p>
-            <a:r>
-              <a:rPr lang="en-CH" sz="1600" dirty="0">
-                <a:latin typeface="Arial" panose="020B0604020202020204" pitchFamily="34" charset="0"/>
-                <a:cs typeface="Arial" panose="020B0604020202020204" pitchFamily="34" charset="0"/>
-              </a:rPr>
-              <a:t>Loss function</a:t>
-            </a:r>
-          </a:p>
-        </p:txBody>
-      </p:sp>
-      <p:cxnSp>
-        <p:nvCxnSpPr>
-          <p:cNvPr id="18" name="Straight Arrow Connector 17">
-            <a:extLst>
-              <a:ext uri="{FF2B5EF4-FFF2-40B4-BE49-F238E27FC236}">
-                <a16:creationId xmlns:a16="http://schemas.microsoft.com/office/drawing/2014/main" id="{C83A2B1E-1679-3276-D8B4-5E2D910418D0}"/>
-              </a:ext>
-            </a:extLst>
-          </p:cNvPr>
-          <p:cNvCxnSpPr>
-            <a:cxnSpLocks/>
-          </p:cNvCxnSpPr>
-          <p:nvPr/>
-        </p:nvCxnSpPr>
-        <p:spPr>
-          <a:xfrm flipV="1">
-            <a:off x="5029200" y="1252330"/>
-            <a:ext cx="238539" cy="377415"/>
-          </a:xfrm>
-          <a:prstGeom prst="straightConnector1">
-            <a:avLst/>
-          </a:prstGeom>
-          <a:ln w="28575">
-            <a:solidFill>
-              <a:schemeClr val="tx1"/>
-            </a:solidFill>
-            <a:tailEnd type="triangle"/>
-          </a:ln>
-        </p:spPr>
-        <p:style>
-          <a:lnRef idx="1">
-            <a:schemeClr val="accent1"/>
-          </a:lnRef>
-          <a:fillRef idx="0">
-            <a:schemeClr val="accent1"/>
-          </a:fillRef>
-          <a:effectRef idx="0">
-            <a:schemeClr val="accent1"/>
-          </a:effectRef>
-          <a:fontRef idx="minor">
-            <a:schemeClr val="tx1"/>
-          </a:fontRef>
-        </p:style>
-      </p:cxnSp>
-      <p:sp>
-        <p:nvSpPr>
-          <p:cNvPr id="21" name="TextBox 20">
-            <a:extLst>
-              <a:ext uri="{FF2B5EF4-FFF2-40B4-BE49-F238E27FC236}">
-                <a16:creationId xmlns:a16="http://schemas.microsoft.com/office/drawing/2014/main" id="{C479DE24-C176-6E35-8037-E69213F362EF}"/>
-              </a:ext>
-            </a:extLst>
-          </p:cNvPr>
-          <p:cNvSpPr txBox="1"/>
-          <p:nvPr/>
-        </p:nvSpPr>
-        <p:spPr>
-          <a:xfrm>
-            <a:off x="5944223" y="1827282"/>
-            <a:ext cx="2155548" cy="338554"/>
-          </a:xfrm>
-          <a:prstGeom prst="rect">
-            <a:avLst/>
-          </a:prstGeom>
-          <a:noFill/>
-        </p:spPr>
-        <p:txBody>
-          <a:bodyPr wrap="square" rtlCol="0">
-            <a:spAutoFit/>
-          </a:bodyPr>
-          <a:lstStyle/>
-          <a:p>
-            <a:r>
-              <a:rPr lang="en-CH" sz="1600" dirty="0">
-                <a:latin typeface="Arial" panose="020B0604020202020204" pitchFamily="34" charset="0"/>
-                <a:cs typeface="Arial" panose="020B0604020202020204" pitchFamily="34" charset="0"/>
-              </a:rPr>
-              <a:t>Model Parameters</a:t>
-            </a:r>
-          </a:p>
-        </p:txBody>
-      </p:sp>
-      <p:cxnSp>
-        <p:nvCxnSpPr>
-          <p:cNvPr id="22" name="Straight Arrow Connector 21">
-            <a:extLst>
-              <a:ext uri="{FF2B5EF4-FFF2-40B4-BE49-F238E27FC236}">
-                <a16:creationId xmlns:a16="http://schemas.microsoft.com/office/drawing/2014/main" id="{BEF65B9A-897D-6981-2213-855F9331EAAA}"/>
-              </a:ext>
-            </a:extLst>
-          </p:cNvPr>
-          <p:cNvCxnSpPr>
-            <a:cxnSpLocks/>
-          </p:cNvCxnSpPr>
-          <p:nvPr/>
-        </p:nvCxnSpPr>
-        <p:spPr>
-          <a:xfrm flipH="1" flipV="1">
-            <a:off x="6115050" y="1252330"/>
-            <a:ext cx="653497" cy="620606"/>
-          </a:xfrm>
-          <a:prstGeom prst="straightConnector1">
-            <a:avLst/>
-          </a:prstGeom>
-          <a:ln w="28575">
-            <a:solidFill>
-              <a:schemeClr val="tx1"/>
-            </a:solidFill>
-            <a:tailEnd type="triangle"/>
-          </a:ln>
-        </p:spPr>
-        <p:style>
-          <a:lnRef idx="1">
-            <a:schemeClr val="accent1"/>
-          </a:lnRef>
-          <a:fillRef idx="0">
-            <a:schemeClr val="accent1"/>
-          </a:fillRef>
-          <a:effectRef idx="0">
-            <a:schemeClr val="accent1"/>
-          </a:effectRef>
-          <a:fontRef idx="minor">
-            <a:schemeClr val="tx1"/>
-          </a:fontRef>
-        </p:style>
-      </p:cxnSp>
-    </p:spTree>
-    <p:extLst>
-      <p:ext uri="{BB962C8B-B14F-4D97-AF65-F5344CB8AC3E}">
-        <p14:creationId xmlns:p14="http://schemas.microsoft.com/office/powerpoint/2010/main" val="1463132618"/>
-      </p:ext>
-    </p:extLst>
-  </p:cSld>
-  <p:clrMapOvr>
-    <a:masterClrMapping/>
-  </p:clrMapOvr>
-</p:sld>
-</file>
-
-<file path=ppt/slides/slide17.xml><?xml version="1.0" encoding="utf-8"?>
-<p:sld xmlns:a="http://schemas.openxmlformats.org/drawingml/2006/main" xmlns:r="http://schemas.openxmlformats.org/officeDocument/2006/relationships" xmlns:p="http://schemas.openxmlformats.org/presentationml/2006/main">
-  <p:cSld>
-    <p:spTree>
-      <p:nvGrpSpPr>
-        <p:cNvPr id="1" name=""/>
-        <p:cNvGrpSpPr/>
-        <p:nvPr/>
-      </p:nvGrpSpPr>
-      <p:grpSpPr>
-        <a:xfrm>
-          <a:off x="0" y="0"/>
-          <a:ext cx="0" cy="0"/>
-          <a:chOff x="0" y="0"/>
-          <a:chExt cx="0" cy="0"/>
-        </a:xfrm>
-      </p:grpSpPr>
-      <p:sp>
-        <p:nvSpPr>
-          <p:cNvPr id="2" name="Title 1">
-            <a:extLst>
-              <a:ext uri="{FF2B5EF4-FFF2-40B4-BE49-F238E27FC236}">
-                <a16:creationId xmlns:a16="http://schemas.microsoft.com/office/drawing/2014/main" id="{D2B09521-F730-E300-822B-74B25C7E11BF}"/>
-              </a:ext>
-            </a:extLst>
-          </p:cNvPr>
-          <p:cNvSpPr>
-            <a:spLocks noGrp="1"/>
-          </p:cNvSpPr>
-          <p:nvPr>
-            <p:ph type="title"/>
-          </p:nvPr>
-        </p:nvSpPr>
-        <p:spPr/>
-        <p:txBody>
-          <a:bodyPr/>
-          <a:lstStyle/>
-          <a:p>
-            <a:r>
-              <a:rPr lang="en-GB" dirty="0"/>
-              <a:t>M</a:t>
-            </a:r>
-            <a:r>
-              <a:rPr lang="en-CH" dirty="0"/>
-              <a:t>ini-Batch GD</a:t>
-            </a:r>
-          </a:p>
-        </p:txBody>
-      </p:sp>
-      <p:pic>
-        <p:nvPicPr>
-          <p:cNvPr id="3" name="Picture 2">
-            <a:extLst>
-              <a:ext uri="{FF2B5EF4-FFF2-40B4-BE49-F238E27FC236}">
-                <a16:creationId xmlns:a16="http://schemas.microsoft.com/office/drawing/2014/main" id="{843F815D-6BA4-9772-F3BE-E09B4257B009}"/>
-              </a:ext>
-            </a:extLst>
-          </p:cNvPr>
-          <p:cNvPicPr>
-            <a:picLocks noChangeAspect="1"/>
-          </p:cNvPicPr>
-          <p:nvPr/>
-        </p:nvPicPr>
-        <p:blipFill>
-          <a:blip r:embed="rId2"/>
-          <a:stretch>
-            <a:fillRect/>
-          </a:stretch>
-        </p:blipFill>
-        <p:spPr>
-          <a:xfrm>
-            <a:off x="4613413" y="365125"/>
-            <a:ext cx="6896100" cy="1473200"/>
-          </a:xfrm>
-          <a:prstGeom prst="rect">
-            <a:avLst/>
-          </a:prstGeom>
-        </p:spPr>
-      </p:pic>
-      <mc:AlternateContent xmlns:mc="http://schemas.openxmlformats.org/markup-compatibility/2006" xmlns:a14="http://schemas.microsoft.com/office/drawing/2010/main">
-        <mc:Choice Requires="a14">
-          <p:sp>
-            <p:nvSpPr>
-              <p:cNvPr id="8" name="TextBox 7">
-                <a:extLst>
-                  <a:ext uri="{FF2B5EF4-FFF2-40B4-BE49-F238E27FC236}">
-                    <a16:creationId xmlns:a16="http://schemas.microsoft.com/office/drawing/2014/main" id="{F1A53650-5B68-AA14-4682-9B72C7BCC13B}"/>
-                  </a:ext>
-                </a:extLst>
-              </p:cNvPr>
-              <p:cNvSpPr txBox="1"/>
-              <p:nvPr/>
-            </p:nvSpPr>
-            <p:spPr>
-              <a:xfrm>
-                <a:off x="5261941" y="1506022"/>
-                <a:ext cx="1488385" cy="461665"/>
-              </a:xfrm>
-              <a:prstGeom prst="rect">
-                <a:avLst/>
-              </a:prstGeom>
-              <a:noFill/>
-            </p:spPr>
-            <p:txBody>
-              <a:bodyPr wrap="square">
-                <a:spAutoFit/>
-              </a:bodyPr>
-              <a:lstStyle/>
-              <a:p>
-                <a:pPr/>
-                <a14:m>
-                  <m:oMathPara xmlns:m="http://schemas.openxmlformats.org/officeDocument/2006/math">
-                    <m:oMathParaPr>
-                      <m:jc m:val="centerGroup"/>
-                    </m:oMathParaPr>
-                    <m:oMath xmlns:m="http://schemas.openxmlformats.org/officeDocument/2006/math">
-                      <m:r>
-                        <a:rPr lang="de-DE" sz="2400" b="0" i="1" smtClean="0">
-                          <a:latin typeface="Cambria Math" panose="02040503050406030204" pitchFamily="18" charset="0"/>
-                        </a:rPr>
-                        <m:t>𝑚</m:t>
-                      </m:r>
-                      <m:r>
-                        <a:rPr lang="de-DE" sz="2400" b="0" i="1" smtClean="0">
-                          <a:latin typeface="Cambria Math" panose="02040503050406030204" pitchFamily="18" charset="0"/>
-                        </a:rPr>
-                        <m:t>&lt;</m:t>
-                      </m:r>
-                      <m:r>
-                        <a:rPr lang="de-DE" sz="2400" b="0" i="1" smtClean="0">
-                          <a:latin typeface="Cambria Math" panose="02040503050406030204" pitchFamily="18" charset="0"/>
-                        </a:rPr>
-                        <m:t>𝑀</m:t>
-                      </m:r>
-                    </m:oMath>
-                  </m:oMathPara>
-                </a14:m>
-                <a:endParaRPr lang="en-CH" sz="2400" dirty="0"/>
-              </a:p>
-            </p:txBody>
-          </p:sp>
-        </mc:Choice>
-        <mc:Fallback xmlns="">
-          <p:sp>
-            <p:nvSpPr>
-              <p:cNvPr id="8" name="TextBox 7">
-                <a:extLst>
-                  <a:ext uri="{FF2B5EF4-FFF2-40B4-BE49-F238E27FC236}">
-                    <a16:creationId xmlns:a16="http://schemas.microsoft.com/office/drawing/2014/main" id="{F1A53650-5B68-AA14-4682-9B72C7BCC13B}"/>
-                  </a:ext>
-                </a:extLst>
-              </p:cNvPr>
-              <p:cNvSpPr txBox="1">
-                <a:spLocks noRot="1" noChangeAspect="1" noMove="1" noResize="1" noEditPoints="1" noAdjustHandles="1" noChangeArrowheads="1" noChangeShapeType="1" noTextEdit="1"/>
-              </p:cNvSpPr>
-              <p:nvPr/>
-            </p:nvSpPr>
-            <p:spPr>
-              <a:xfrm>
-                <a:off x="5261941" y="1506022"/>
-                <a:ext cx="1488385" cy="461665"/>
-              </a:xfrm>
-              <a:prstGeom prst="rect">
-                <a:avLst/>
-              </a:prstGeom>
-              <a:blipFill>
-                <a:blip r:embed="rId3"/>
-                <a:stretch>
-                  <a:fillRect/>
-                </a:stretch>
-              </a:blipFill>
-            </p:spPr>
-            <p:txBody>
-              <a:bodyPr/>
-              <a:lstStyle/>
-              <a:p>
-                <a:r>
-                  <a:rPr lang="en-CH">
-                    <a:noFill/>
-                  </a:rPr>
-                  <a:t> </a:t>
-                </a:r>
-              </a:p>
-            </p:txBody>
-          </p:sp>
-        </mc:Fallback>
-      </mc:AlternateContent>
-      <p:grpSp>
-        <p:nvGrpSpPr>
-          <p:cNvPr id="11" name="Group 10">
-            <a:extLst>
-              <a:ext uri="{FF2B5EF4-FFF2-40B4-BE49-F238E27FC236}">
-                <a16:creationId xmlns:a16="http://schemas.microsoft.com/office/drawing/2014/main" id="{35C2DD48-2832-B3FC-CC27-4D2DD39785C8}"/>
-              </a:ext>
-            </a:extLst>
-          </p:cNvPr>
-          <p:cNvGrpSpPr/>
-          <p:nvPr/>
-        </p:nvGrpSpPr>
-        <p:grpSpPr>
-          <a:xfrm>
-            <a:off x="2030480" y="1967687"/>
-            <a:ext cx="7772400" cy="4877237"/>
-            <a:chOff x="2119933" y="2185416"/>
-            <a:chExt cx="7772400" cy="4877237"/>
-          </a:xfrm>
-        </p:grpSpPr>
-        <p:pic>
-          <p:nvPicPr>
-            <p:cNvPr id="9" name="Picture 8">
-              <a:extLst>
-                <a:ext uri="{FF2B5EF4-FFF2-40B4-BE49-F238E27FC236}">
-                  <a16:creationId xmlns:a16="http://schemas.microsoft.com/office/drawing/2014/main" id="{DBBC85CD-B88F-730A-EE46-F4BFAFAC0340}"/>
-                </a:ext>
-              </a:extLst>
-            </p:cNvPr>
-            <p:cNvPicPr>
-              <a:picLocks noChangeAspect="1"/>
-            </p:cNvPicPr>
-            <p:nvPr/>
-          </p:nvPicPr>
-          <p:blipFill>
-            <a:blip r:embed="rId4"/>
-            <a:stretch>
-              <a:fillRect/>
-            </a:stretch>
-          </p:blipFill>
-          <p:spPr>
-            <a:xfrm>
-              <a:off x="2119933" y="2185416"/>
-              <a:ext cx="7772400" cy="1243584"/>
-            </a:xfrm>
-            <a:prstGeom prst="rect">
-              <a:avLst/>
-            </a:prstGeom>
-          </p:spPr>
-        </p:pic>
-        <p:pic>
-          <p:nvPicPr>
-            <p:cNvPr id="10" name="Picture 9">
-              <a:extLst>
-                <a:ext uri="{FF2B5EF4-FFF2-40B4-BE49-F238E27FC236}">
-                  <a16:creationId xmlns:a16="http://schemas.microsoft.com/office/drawing/2014/main" id="{DB0E9B8B-002A-C797-54CD-2727553D300C}"/>
-                </a:ext>
-              </a:extLst>
-            </p:cNvPr>
-            <p:cNvPicPr>
-              <a:picLocks noChangeAspect="1"/>
-            </p:cNvPicPr>
-            <p:nvPr/>
-          </p:nvPicPr>
-          <p:blipFill>
-            <a:blip r:embed="rId5"/>
-            <a:stretch>
-              <a:fillRect/>
-            </a:stretch>
-          </p:blipFill>
-          <p:spPr>
-            <a:xfrm>
-              <a:off x="2209800" y="3429000"/>
-              <a:ext cx="7600122" cy="3633653"/>
-            </a:xfrm>
-            <a:prstGeom prst="rect">
-              <a:avLst/>
-            </a:prstGeom>
-          </p:spPr>
-        </p:pic>
-      </p:grpSp>
-    </p:spTree>
-    <p:extLst>
-      <p:ext uri="{BB962C8B-B14F-4D97-AF65-F5344CB8AC3E}">
-        <p14:creationId xmlns:p14="http://schemas.microsoft.com/office/powerpoint/2010/main" val="2907046738"/>
-      </p:ext>
-    </p:extLst>
-  </p:cSld>
-  <p:clrMapOvr>
-    <a:masterClrMapping/>
-  </p:clrMapOvr>
-</p:sld>
-</file>
-
-<file path=ppt/slides/slide18.xml><?xml version="1.0" encoding="utf-8"?>
-<p:sld xmlns:a="http://schemas.openxmlformats.org/drawingml/2006/main" xmlns:r="http://schemas.openxmlformats.org/officeDocument/2006/relationships" xmlns:p="http://schemas.openxmlformats.org/presentationml/2006/main">
-  <p:cSld>
-    <p:spTree>
-      <p:nvGrpSpPr>
-        <p:cNvPr id="1" name=""/>
-        <p:cNvGrpSpPr/>
-        <p:nvPr/>
-      </p:nvGrpSpPr>
-      <p:grpSpPr>
-        <a:xfrm>
-          <a:off x="0" y="0"/>
-          <a:ext cx="0" cy="0"/>
-          <a:chOff x="0" y="0"/>
-          <a:chExt cx="0" cy="0"/>
-        </a:xfrm>
-      </p:grpSpPr>
-      <p:sp>
-        <p:nvSpPr>
-          <p:cNvPr id="2" name="Title 1">
-            <a:extLst>
-              <a:ext uri="{FF2B5EF4-FFF2-40B4-BE49-F238E27FC236}">
-                <a16:creationId xmlns:a16="http://schemas.microsoft.com/office/drawing/2014/main" id="{D2B09521-F730-E300-822B-74B25C7E11BF}"/>
-              </a:ext>
-            </a:extLst>
-          </p:cNvPr>
-          <p:cNvSpPr>
-            <a:spLocks noGrp="1"/>
-          </p:cNvSpPr>
-          <p:nvPr>
-            <p:ph type="title"/>
-          </p:nvPr>
-        </p:nvSpPr>
-        <p:spPr/>
-        <p:txBody>
-          <a:bodyPr/>
-          <a:lstStyle/>
-          <a:p>
-            <a:r>
-              <a:rPr lang="en-CH" dirty="0"/>
-              <a:t>Stochastic GD</a:t>
-            </a:r>
-          </a:p>
-        </p:txBody>
-      </p:sp>
-      <p:pic>
-        <p:nvPicPr>
-          <p:cNvPr id="3" name="Picture 2">
-            <a:extLst>
-              <a:ext uri="{FF2B5EF4-FFF2-40B4-BE49-F238E27FC236}">
-                <a16:creationId xmlns:a16="http://schemas.microsoft.com/office/drawing/2014/main" id="{E6272396-592C-8B93-0CCE-527989429757}"/>
-              </a:ext>
-            </a:extLst>
-          </p:cNvPr>
-          <p:cNvPicPr>
-            <a:picLocks noChangeAspect="1"/>
-          </p:cNvPicPr>
-          <p:nvPr/>
-        </p:nvPicPr>
-        <p:blipFill>
-          <a:blip r:embed="rId2"/>
-          <a:stretch>
-            <a:fillRect/>
-          </a:stretch>
-        </p:blipFill>
-        <p:spPr>
-          <a:xfrm>
-            <a:off x="4613413" y="365125"/>
-            <a:ext cx="6896100" cy="1473200"/>
-          </a:xfrm>
-          <a:prstGeom prst="rect">
-            <a:avLst/>
-          </a:prstGeom>
-        </p:spPr>
-      </p:pic>
-      <mc:AlternateContent xmlns:mc="http://schemas.openxmlformats.org/markup-compatibility/2006" xmlns:a14="http://schemas.microsoft.com/office/drawing/2010/main">
-        <mc:Choice Requires="a14">
-          <p:sp>
-            <p:nvSpPr>
-              <p:cNvPr id="6" name="TextBox 5">
-                <a:extLst>
-                  <a:ext uri="{FF2B5EF4-FFF2-40B4-BE49-F238E27FC236}">
-                    <a16:creationId xmlns:a16="http://schemas.microsoft.com/office/drawing/2014/main" id="{C35D7462-B86A-4DC2-564A-CB042B8F6283}"/>
-                  </a:ext>
-                </a:extLst>
-              </p:cNvPr>
-              <p:cNvSpPr txBox="1"/>
-              <p:nvPr/>
-            </p:nvSpPr>
-            <p:spPr>
-              <a:xfrm>
-                <a:off x="5261941" y="1506022"/>
-                <a:ext cx="1488385" cy="461665"/>
-              </a:xfrm>
-              <a:prstGeom prst="rect">
-                <a:avLst/>
-              </a:prstGeom>
-              <a:noFill/>
-            </p:spPr>
-            <p:txBody>
-              <a:bodyPr wrap="square">
-                <a:spAutoFit/>
-              </a:bodyPr>
-              <a:lstStyle/>
-              <a:p>
-                <a:pPr/>
-                <a14:m>
-                  <m:oMathPara xmlns:m="http://schemas.openxmlformats.org/officeDocument/2006/math">
-                    <m:oMathParaPr>
-                      <m:jc m:val="centerGroup"/>
-                    </m:oMathParaPr>
-                    <m:oMath xmlns:m="http://schemas.openxmlformats.org/officeDocument/2006/math">
-                      <m:r>
-                        <a:rPr lang="de-DE" sz="2400" b="0" i="1" smtClean="0">
-                          <a:latin typeface="Cambria Math" panose="02040503050406030204" pitchFamily="18" charset="0"/>
-                        </a:rPr>
-                        <m:t>𝑚</m:t>
-                      </m:r>
-                      <m:r>
-                        <a:rPr lang="de-DE" sz="2400" b="0" i="1" smtClean="0">
-                          <a:latin typeface="Cambria Math" panose="02040503050406030204" pitchFamily="18" charset="0"/>
-                        </a:rPr>
-                        <m:t>=1</m:t>
-                      </m:r>
-                    </m:oMath>
-                  </m:oMathPara>
-                </a14:m>
-                <a:endParaRPr lang="en-CH" sz="2400" dirty="0"/>
-              </a:p>
-            </p:txBody>
-          </p:sp>
-        </mc:Choice>
-        <mc:Fallback xmlns="">
-          <p:sp>
-            <p:nvSpPr>
-              <p:cNvPr id="6" name="TextBox 5">
-                <a:extLst>
-                  <a:ext uri="{FF2B5EF4-FFF2-40B4-BE49-F238E27FC236}">
-                    <a16:creationId xmlns:a16="http://schemas.microsoft.com/office/drawing/2014/main" id="{C35D7462-B86A-4DC2-564A-CB042B8F6283}"/>
-                  </a:ext>
-                </a:extLst>
-              </p:cNvPr>
-              <p:cNvSpPr txBox="1">
-                <a:spLocks noRot="1" noChangeAspect="1" noMove="1" noResize="1" noEditPoints="1" noAdjustHandles="1" noChangeArrowheads="1" noChangeShapeType="1" noTextEdit="1"/>
-              </p:cNvSpPr>
-              <p:nvPr/>
-            </p:nvSpPr>
-            <p:spPr>
-              <a:xfrm>
-                <a:off x="5261941" y="1506022"/>
-                <a:ext cx="1488385" cy="461665"/>
-              </a:xfrm>
-              <a:prstGeom prst="rect">
-                <a:avLst/>
-              </a:prstGeom>
-              <a:blipFill>
-                <a:blip r:embed="rId3"/>
-                <a:stretch>
-                  <a:fillRect/>
-                </a:stretch>
-              </a:blipFill>
-            </p:spPr>
-            <p:txBody>
-              <a:bodyPr/>
-              <a:lstStyle/>
-              <a:p>
-                <a:r>
-                  <a:rPr lang="en-CH">
-                    <a:noFill/>
-                  </a:rPr>
-                  <a:t> </a:t>
-                </a:r>
-              </a:p>
-            </p:txBody>
-          </p:sp>
-        </mc:Fallback>
-      </mc:AlternateContent>
-      <p:pic>
-        <p:nvPicPr>
-          <p:cNvPr id="7" name="Picture 6">
-            <a:extLst>
-              <a:ext uri="{FF2B5EF4-FFF2-40B4-BE49-F238E27FC236}">
-                <a16:creationId xmlns:a16="http://schemas.microsoft.com/office/drawing/2014/main" id="{2E6EFF1E-DF80-B720-2AE5-F46E1657E871}"/>
-              </a:ext>
-            </a:extLst>
-          </p:cNvPr>
-          <p:cNvPicPr>
-            <a:picLocks noChangeAspect="1"/>
-          </p:cNvPicPr>
-          <p:nvPr/>
-        </p:nvPicPr>
-        <p:blipFill>
-          <a:blip r:embed="rId4"/>
-          <a:stretch>
-            <a:fillRect/>
-          </a:stretch>
-        </p:blipFill>
-        <p:spPr>
-          <a:xfrm>
-            <a:off x="1891747" y="1967687"/>
-            <a:ext cx="7772400" cy="4918128"/>
-          </a:xfrm>
-          <a:prstGeom prst="rect">
-            <a:avLst/>
-          </a:prstGeom>
-        </p:spPr>
-      </p:pic>
-    </p:spTree>
-    <p:extLst>
-      <p:ext uri="{BB962C8B-B14F-4D97-AF65-F5344CB8AC3E}">
-        <p14:creationId xmlns:p14="http://schemas.microsoft.com/office/powerpoint/2010/main" val="3933558213"/>
-      </p:ext>
-    </p:extLst>
-  </p:cSld>
-  <p:clrMapOvr>
-    <a:masterClrMapping/>
-  </p:clrMapOvr>
-</p:sld>
-</file>
-
-<file path=ppt/slides/slide19.xml><?xml version="1.0" encoding="utf-8"?>
-<p:sld xmlns:a="http://schemas.openxmlformats.org/drawingml/2006/main" xmlns:r="http://schemas.openxmlformats.org/officeDocument/2006/relationships" xmlns:p="http://schemas.openxmlformats.org/presentationml/2006/main">
-  <p:cSld>
-    <p:spTree>
-      <p:nvGrpSpPr>
-        <p:cNvPr id="1" name=""/>
-        <p:cNvGrpSpPr/>
-        <p:nvPr/>
-      </p:nvGrpSpPr>
-      <p:grpSpPr>
-        <a:xfrm>
-          <a:off x="0" y="0"/>
-          <a:ext cx="0" cy="0"/>
-          <a:chOff x="0" y="0"/>
-          <a:chExt cx="0" cy="0"/>
-        </a:xfrm>
-      </p:grpSpPr>
-      <p:sp>
-        <p:nvSpPr>
-          <p:cNvPr id="2" name="Title 1">
-            <a:extLst>
-              <a:ext uri="{FF2B5EF4-FFF2-40B4-BE49-F238E27FC236}">
-                <a16:creationId xmlns:a16="http://schemas.microsoft.com/office/drawing/2014/main" id="{939CBA74-E3A0-C3A5-AE69-6A15EB6959C9}"/>
-              </a:ext>
-            </a:extLst>
-          </p:cNvPr>
-          <p:cNvSpPr>
-            <a:spLocks noGrp="1"/>
-          </p:cNvSpPr>
-          <p:nvPr>
-            <p:ph type="title"/>
-          </p:nvPr>
-        </p:nvSpPr>
-        <p:spPr/>
-        <p:txBody>
-          <a:bodyPr/>
-          <a:lstStyle/>
-          <a:p>
-            <a:r>
-              <a:rPr lang="en-CH" dirty="0"/>
-              <a:t>The right mini-batch size</a:t>
-            </a:r>
-          </a:p>
-        </p:txBody>
-      </p:sp>
-      <p:pic>
-        <p:nvPicPr>
-          <p:cNvPr id="4" name="Picture 3">
-            <a:extLst>
-              <a:ext uri="{FF2B5EF4-FFF2-40B4-BE49-F238E27FC236}">
-                <a16:creationId xmlns:a16="http://schemas.microsoft.com/office/drawing/2014/main" id="{1FD79795-2C5A-13DE-8A70-5A160CA06183}"/>
-              </a:ext>
-            </a:extLst>
-          </p:cNvPr>
-          <p:cNvPicPr>
-            <a:picLocks noChangeAspect="1"/>
-          </p:cNvPicPr>
-          <p:nvPr/>
-        </p:nvPicPr>
-        <p:blipFill>
-          <a:blip r:embed="rId2"/>
-          <a:stretch>
-            <a:fillRect/>
-          </a:stretch>
-        </p:blipFill>
-        <p:spPr>
-          <a:xfrm>
-            <a:off x="1376569" y="1480551"/>
-            <a:ext cx="9438861" cy="5377449"/>
-          </a:xfrm>
-          <a:prstGeom prst="rect">
-            <a:avLst/>
-          </a:prstGeom>
-        </p:spPr>
-      </p:pic>
-    </p:spTree>
-    <p:extLst>
-      <p:ext uri="{BB962C8B-B14F-4D97-AF65-F5344CB8AC3E}">
-        <p14:creationId xmlns:p14="http://schemas.microsoft.com/office/powerpoint/2010/main" val="1972168193"/>
-      </p:ext>
-    </p:extLst>
-  </p:cSld>
-  <p:clrMapOvr>
-    <a:masterClrMapping/>
-  </p:clrMapOvr>
-</p:sld>
-</file>
-
-<file path=ppt/slides/slide2.xml><?xml version="1.0" encoding="utf-8"?>
 <p:sld xmlns:a="http://schemas.openxmlformats.org/drawingml/2006/main" xmlns:r="http://schemas.openxmlformats.org/officeDocument/2006/relationships" xmlns:p="http://schemas.openxmlformats.org/presentationml/2006/main">
   <p:cSld>
     <p:spTree>
@@ -6231,7 +4463,7 @@
 </p:sld>
 </file>
 
-<file path=ppt/slides/slide3.xml><?xml version="1.0" encoding="utf-8"?>
+<file path=ppt/slides/slide11.xml><?xml version="1.0" encoding="utf-8"?>
 <p:sld xmlns:a="http://schemas.openxmlformats.org/drawingml/2006/main" xmlns:r="http://schemas.openxmlformats.org/officeDocument/2006/relationships" xmlns:p="http://schemas.openxmlformats.org/presentationml/2006/main">
   <p:cSld>
     <p:spTree>
@@ -6355,7 +4587,7 @@
 </p:sld>
 </file>
 
-<file path=ppt/slides/slide4.xml><?xml version="1.0" encoding="utf-8"?>
+<file path=ppt/slides/slide12.xml><?xml version="1.0" encoding="utf-8"?>
 <p:sld xmlns:a="http://schemas.openxmlformats.org/drawingml/2006/main" xmlns:r="http://schemas.openxmlformats.org/officeDocument/2006/relationships" xmlns:p="http://schemas.openxmlformats.org/presentationml/2006/main">
   <p:cSld>
     <p:spTree>
@@ -7414,7 +5646,7 @@
 </p:sld>
 </file>
 
-<file path=ppt/slides/slide5.xml><?xml version="1.0" encoding="utf-8"?>
+<file path=ppt/slides/slide13.xml><?xml version="1.0" encoding="utf-8"?>
 <p:sld xmlns:a="http://schemas.openxmlformats.org/drawingml/2006/main" xmlns:r="http://schemas.openxmlformats.org/officeDocument/2006/relationships" xmlns:p="http://schemas.openxmlformats.org/presentationml/2006/main">
   <p:cSld>
     <p:spTree>
@@ -8636,7 +6868,7 @@
 </p:sld>
 </file>
 
-<file path=ppt/slides/slide6.xml><?xml version="1.0" encoding="utf-8"?>
+<file path=ppt/slides/slide14.xml><?xml version="1.0" encoding="utf-8"?>
 <p:sld xmlns:a="http://schemas.openxmlformats.org/drawingml/2006/main" xmlns:r="http://schemas.openxmlformats.org/officeDocument/2006/relationships" xmlns:p="http://schemas.openxmlformats.org/presentationml/2006/main">
   <p:cSld>
     <p:spTree>
@@ -9039,7 +7271,7 @@
 </p:sld>
 </file>
 
-<file path=ppt/slides/slide7.xml><?xml version="1.0" encoding="utf-8"?>
+<file path=ppt/slides/slide15.xml><?xml version="1.0" encoding="utf-8"?>
 <p:sld xmlns:a="http://schemas.openxmlformats.org/drawingml/2006/main" xmlns:r="http://schemas.openxmlformats.org/officeDocument/2006/relationships" xmlns:p="http://schemas.openxmlformats.org/presentationml/2006/main">
   <p:cSld>
     <p:spTree>
@@ -9441,7 +7673,7 @@
 </p:sld>
 </file>
 
-<file path=ppt/slides/slide8.xml><?xml version="1.0" encoding="utf-8"?>
+<file path=ppt/slides/slide16.xml><?xml version="1.0" encoding="utf-8"?>
 <p:sld xmlns:a="http://schemas.openxmlformats.org/drawingml/2006/main" xmlns:r="http://schemas.openxmlformats.org/officeDocument/2006/relationships" xmlns:p="http://schemas.openxmlformats.org/presentationml/2006/main">
   <p:cSld>
     <p:spTree>
@@ -9843,6 +8075,3323 @@
 </p:sld>
 </file>
 
+<file path=ppt/slides/slide17.xml><?xml version="1.0" encoding="utf-8"?>
+<p:sld xmlns:a="http://schemas.openxmlformats.org/drawingml/2006/main" xmlns:r="http://schemas.openxmlformats.org/officeDocument/2006/relationships" xmlns:p="http://schemas.openxmlformats.org/presentationml/2006/main">
+  <p:cSld>
+    <p:spTree>
+      <p:nvGrpSpPr>
+        <p:cNvPr id="1" name=""/>
+        <p:cNvGrpSpPr/>
+        <p:nvPr/>
+      </p:nvGrpSpPr>
+      <p:grpSpPr>
+        <a:xfrm>
+          <a:off x="0" y="0"/>
+          <a:ext cx="0" cy="0"/>
+          <a:chOff x="0" y="0"/>
+          <a:chExt cx="0" cy="0"/>
+        </a:xfrm>
+      </p:grpSpPr>
+      <p:sp>
+        <p:nvSpPr>
+          <p:cNvPr id="2" name="Title 1">
+            <a:extLst>
+              <a:ext uri="{FF2B5EF4-FFF2-40B4-BE49-F238E27FC236}">
+                <a16:creationId xmlns:a16="http://schemas.microsoft.com/office/drawing/2014/main" id="{1E936CCA-7881-F3B0-E8D0-A51894F91FE6}"/>
+              </a:ext>
+            </a:extLst>
+          </p:cNvPr>
+          <p:cNvSpPr>
+            <a:spLocks noGrp="1"/>
+          </p:cNvSpPr>
+          <p:nvPr>
+            <p:ph type="title"/>
+          </p:nvPr>
+        </p:nvSpPr>
+        <p:spPr/>
+        <p:txBody>
+          <a:bodyPr/>
+          <a:lstStyle/>
+          <a:p>
+            <a:r>
+              <a:rPr lang="en-CH"/>
+              <a:t>Some remarks about gradient descent</a:t>
+            </a:r>
+          </a:p>
+        </p:txBody>
+      </p:sp>
+      <p:sp>
+        <p:nvSpPr>
+          <p:cNvPr id="3" name="Content Placeholder 2">
+            <a:extLst>
+              <a:ext uri="{FF2B5EF4-FFF2-40B4-BE49-F238E27FC236}">
+                <a16:creationId xmlns:a16="http://schemas.microsoft.com/office/drawing/2014/main" id="{BA58C0E1-64E8-64B1-EC50-96383A45C356}"/>
+              </a:ext>
+            </a:extLst>
+          </p:cNvPr>
+          <p:cNvSpPr>
+            <a:spLocks noGrp="1"/>
+          </p:cNvSpPr>
+          <p:nvPr>
+            <p:ph idx="1"/>
+          </p:nvPr>
+        </p:nvSpPr>
+        <p:spPr>
+          <a:xfrm>
+            <a:off x="838200" y="1690689"/>
+            <a:ext cx="10515600" cy="4486275"/>
+          </a:xfrm>
+        </p:spPr>
+        <p:txBody>
+          <a:bodyPr>
+            <a:normAutofit/>
+          </a:bodyPr>
+          <a:lstStyle/>
+          <a:p>
+            <a:pPr marL="0" indent="0">
+              <a:buNone/>
+            </a:pPr>
+            <a:r>
+              <a:rPr lang="en-CH" dirty="0"/>
+              <a:t>To use gradient descent you will need the derivative (or gradient in multiple dimensions) of the function you want to minimize.</a:t>
+            </a:r>
+          </a:p>
+          <a:p>
+            <a:pPr marL="0" indent="0">
+              <a:buNone/>
+            </a:pPr>
+            <a:endParaRPr lang="en-CH" dirty="0"/>
+          </a:p>
+          <a:p>
+            <a:pPr marL="0" indent="0">
+              <a:buNone/>
+            </a:pPr>
+            <a:r>
+              <a:rPr lang="en-CH" dirty="0">
+                <a:sym typeface="Wingdings" pitchFamily="2" charset="2"/>
+              </a:rPr>
+              <a:t> Gradient descent is not the most efficient way of finding minima. It gets easily stuck in local minima. More advanced optimisers have been developed and are typically used (see </a:t>
+            </a:r>
+            <a:r>
+              <a:rPr lang="en-CH" i="1" dirty="0">
+                <a:sym typeface="Wingdings" pitchFamily="2" charset="2"/>
+              </a:rPr>
+              <a:t>Adam</a:t>
+            </a:r>
+            <a:r>
+              <a:rPr lang="en-CH" dirty="0">
+                <a:sym typeface="Wingdings" pitchFamily="2" charset="2"/>
+              </a:rPr>
+              <a:t>).</a:t>
+            </a:r>
+            <a:endParaRPr lang="en-CH" dirty="0"/>
+          </a:p>
+        </p:txBody>
+      </p:sp>
+    </p:spTree>
+    <p:extLst>
+      <p:ext uri="{BB962C8B-B14F-4D97-AF65-F5344CB8AC3E}">
+        <p14:creationId xmlns:p14="http://schemas.microsoft.com/office/powerpoint/2010/main" val="867603643"/>
+      </p:ext>
+    </p:extLst>
+  </p:cSld>
+  <p:clrMapOvr>
+    <a:masterClrMapping/>
+  </p:clrMapOvr>
+</p:sld>
+</file>
+
+<file path=ppt/slides/slide18.xml><?xml version="1.0" encoding="utf-8"?>
+<p:sld xmlns:a="http://schemas.openxmlformats.org/drawingml/2006/main" xmlns:r="http://schemas.openxmlformats.org/officeDocument/2006/relationships" xmlns:p="http://schemas.openxmlformats.org/presentationml/2006/main">
+  <p:cSld>
+    <p:spTree>
+      <p:nvGrpSpPr>
+        <p:cNvPr id="1" name=""/>
+        <p:cNvGrpSpPr/>
+        <p:nvPr/>
+      </p:nvGrpSpPr>
+      <p:grpSpPr>
+        <a:xfrm>
+          <a:off x="0" y="0"/>
+          <a:ext cx="0" cy="0"/>
+          <a:chOff x="0" y="0"/>
+          <a:chExt cx="0" cy="0"/>
+        </a:xfrm>
+      </p:grpSpPr>
+      <p:sp>
+        <p:nvSpPr>
+          <p:cNvPr id="2" name="Title 1">
+            <a:extLst>
+              <a:ext uri="{FF2B5EF4-FFF2-40B4-BE49-F238E27FC236}">
+                <a16:creationId xmlns:a16="http://schemas.microsoft.com/office/drawing/2014/main" id="{91222101-83B8-B241-74DF-69367053884E}"/>
+              </a:ext>
+            </a:extLst>
+          </p:cNvPr>
+          <p:cNvSpPr>
+            <a:spLocks noGrp="1"/>
+          </p:cNvSpPr>
+          <p:nvPr>
+            <p:ph type="title"/>
+          </p:nvPr>
+        </p:nvSpPr>
+        <p:spPr/>
+        <p:txBody>
+          <a:bodyPr/>
+          <a:lstStyle/>
+          <a:p>
+            <a:r>
+              <a:rPr lang="en-CH" dirty="0"/>
+              <a:t>Vanishing Gradient Problem</a:t>
+            </a:r>
+          </a:p>
+        </p:txBody>
+      </p:sp>
+      <p:sp>
+        <p:nvSpPr>
+          <p:cNvPr id="3" name="Content Placeholder 2">
+            <a:extLst>
+              <a:ext uri="{FF2B5EF4-FFF2-40B4-BE49-F238E27FC236}">
+                <a16:creationId xmlns:a16="http://schemas.microsoft.com/office/drawing/2014/main" id="{22A83E57-3A45-8C5F-88B3-1292DCE6EADF}"/>
+              </a:ext>
+            </a:extLst>
+          </p:cNvPr>
+          <p:cNvSpPr>
+            <a:spLocks noGrp="1"/>
+          </p:cNvSpPr>
+          <p:nvPr>
+            <p:ph idx="1"/>
+          </p:nvPr>
+        </p:nvSpPr>
+        <p:spPr/>
+        <p:txBody>
+          <a:bodyPr/>
+          <a:lstStyle/>
+          <a:p>
+            <a:r>
+              <a:rPr lang="en-GB" b="1" dirty="0"/>
+              <a:t>Cause</a:t>
+            </a:r>
+            <a:r>
+              <a:rPr lang="en-GB" dirty="0"/>
+              <a:t>: The issue arises when the gradients of the network's loss function become increasingly small as the backpropagation algorithm progresses through the layers. This phenomenon is particularly pronounced in deep networks with many layers.</a:t>
+            </a:r>
+          </a:p>
+          <a:p>
+            <a:r>
+              <a:rPr lang="en-GB" b="1" dirty="0"/>
+              <a:t>Effect on Learning</a:t>
+            </a:r>
+            <a:r>
+              <a:rPr lang="en-GB" dirty="0"/>
+              <a:t>: When the gradients become very small, the updates to the weights in the earlier layers of the network (closer to the input) become negligible. This means that these layers learn very slowly, if at all, impeding the overall training process of the network.</a:t>
+            </a:r>
+            <a:endParaRPr lang="en-CH" dirty="0"/>
+          </a:p>
+        </p:txBody>
+      </p:sp>
+    </p:spTree>
+    <p:extLst>
+      <p:ext uri="{BB962C8B-B14F-4D97-AF65-F5344CB8AC3E}">
+        <p14:creationId xmlns:p14="http://schemas.microsoft.com/office/powerpoint/2010/main" val="1461722409"/>
+      </p:ext>
+    </p:extLst>
+  </p:cSld>
+  <p:clrMapOvr>
+    <a:masterClrMapping/>
+  </p:clrMapOvr>
+</p:sld>
+</file>
+
+<file path=ppt/slides/slide19.xml><?xml version="1.0" encoding="utf-8"?>
+<p:sld xmlns:a="http://schemas.openxmlformats.org/drawingml/2006/main" xmlns:r="http://schemas.openxmlformats.org/officeDocument/2006/relationships" xmlns:p="http://schemas.openxmlformats.org/presentationml/2006/main">
+  <p:cSld>
+    <p:spTree>
+      <p:nvGrpSpPr>
+        <p:cNvPr id="1" name=""/>
+        <p:cNvGrpSpPr/>
+        <p:nvPr/>
+      </p:nvGrpSpPr>
+      <p:grpSpPr>
+        <a:xfrm>
+          <a:off x="0" y="0"/>
+          <a:ext cx="0" cy="0"/>
+          <a:chOff x="0" y="0"/>
+          <a:chExt cx="0" cy="0"/>
+        </a:xfrm>
+      </p:grpSpPr>
+      <p:sp>
+        <p:nvSpPr>
+          <p:cNvPr id="2" name="Title 1">
+            <a:extLst>
+              <a:ext uri="{FF2B5EF4-FFF2-40B4-BE49-F238E27FC236}">
+                <a16:creationId xmlns:a16="http://schemas.microsoft.com/office/drawing/2014/main" id="{40E25C83-55CC-EC93-CDD6-1EE9C8199E20}"/>
+              </a:ext>
+            </a:extLst>
+          </p:cNvPr>
+          <p:cNvSpPr>
+            <a:spLocks noGrp="1"/>
+          </p:cNvSpPr>
+          <p:nvPr>
+            <p:ph type="title"/>
+          </p:nvPr>
+        </p:nvSpPr>
+        <p:spPr/>
+        <p:txBody>
+          <a:bodyPr/>
+          <a:lstStyle/>
+          <a:p>
+            <a:r>
+              <a:rPr lang="en-CH" dirty="0"/>
+              <a:t>Gradient Descent - Example</a:t>
+            </a:r>
+          </a:p>
+        </p:txBody>
+      </p:sp>
+      <p:sp>
+        <p:nvSpPr>
+          <p:cNvPr id="3" name="Content Placeholder 2">
+            <a:extLst>
+              <a:ext uri="{FF2B5EF4-FFF2-40B4-BE49-F238E27FC236}">
+                <a16:creationId xmlns:a16="http://schemas.microsoft.com/office/drawing/2014/main" id="{35997C8A-611E-2E27-67C2-4818B0CAC580}"/>
+              </a:ext>
+            </a:extLst>
+          </p:cNvPr>
+          <p:cNvSpPr>
+            <a:spLocks noGrp="1"/>
+          </p:cNvSpPr>
+          <p:nvPr>
+            <p:ph idx="1"/>
+          </p:nvPr>
+        </p:nvSpPr>
+        <p:spPr/>
+        <p:txBody>
+          <a:bodyPr/>
+          <a:lstStyle/>
+          <a:p>
+            <a:r>
+              <a:rPr lang="en-CH" dirty="0"/>
+              <a:t>We want to minimize the function</a:t>
+            </a:r>
+          </a:p>
+          <a:p>
+            <a:endParaRPr lang="en-CH" dirty="0"/>
+          </a:p>
+          <a:p>
+            <a:endParaRPr lang="en-CH" dirty="0"/>
+          </a:p>
+          <a:p>
+            <a:r>
+              <a:rPr lang="en-CH" dirty="0"/>
+              <a:t>Gradient Descent Formula</a:t>
+            </a:r>
+          </a:p>
+        </p:txBody>
+      </p:sp>
+      <p:pic>
+        <p:nvPicPr>
+          <p:cNvPr id="5" name="Picture 4">
+            <a:extLst>
+              <a:ext uri="{FF2B5EF4-FFF2-40B4-BE49-F238E27FC236}">
+                <a16:creationId xmlns:a16="http://schemas.microsoft.com/office/drawing/2014/main" id="{5F1E2E3D-4118-7AB9-8E9C-901C5C9B6579}"/>
+              </a:ext>
+            </a:extLst>
+          </p:cNvPr>
+          <p:cNvPicPr>
+            <a:picLocks noChangeAspect="1"/>
+          </p:cNvPicPr>
+          <p:nvPr/>
+        </p:nvPicPr>
+        <p:blipFill>
+          <a:blip r:embed="rId2"/>
+          <a:stretch>
+            <a:fillRect/>
+          </a:stretch>
+        </p:blipFill>
+        <p:spPr>
+          <a:xfrm>
+            <a:off x="5086350" y="2422939"/>
+            <a:ext cx="2019300" cy="660400"/>
+          </a:xfrm>
+          <a:prstGeom prst="rect">
+            <a:avLst/>
+          </a:prstGeom>
+        </p:spPr>
+      </p:pic>
+      <p:pic>
+        <p:nvPicPr>
+          <p:cNvPr id="6" name="Picture 5">
+            <a:extLst>
+              <a:ext uri="{FF2B5EF4-FFF2-40B4-BE49-F238E27FC236}">
+                <a16:creationId xmlns:a16="http://schemas.microsoft.com/office/drawing/2014/main" id="{4E29EB06-76E9-1585-0A4F-7AD78EABE80C}"/>
+              </a:ext>
+            </a:extLst>
+          </p:cNvPr>
+          <p:cNvPicPr>
+            <a:picLocks noChangeAspect="1"/>
+          </p:cNvPicPr>
+          <p:nvPr/>
+        </p:nvPicPr>
+        <p:blipFill>
+          <a:blip r:embed="rId3"/>
+          <a:stretch>
+            <a:fillRect/>
+          </a:stretch>
+        </p:blipFill>
+        <p:spPr>
+          <a:xfrm>
+            <a:off x="3397250" y="5213868"/>
+            <a:ext cx="5397500" cy="774700"/>
+          </a:xfrm>
+          <a:prstGeom prst="rect">
+            <a:avLst/>
+          </a:prstGeom>
+        </p:spPr>
+      </p:pic>
+      <p:pic>
+        <p:nvPicPr>
+          <p:cNvPr id="7" name="Picture 6">
+            <a:extLst>
+              <a:ext uri="{FF2B5EF4-FFF2-40B4-BE49-F238E27FC236}">
+                <a16:creationId xmlns:a16="http://schemas.microsoft.com/office/drawing/2014/main" id="{6852B7F9-AEEF-1572-57E0-08D2173A0AB2}"/>
+              </a:ext>
+            </a:extLst>
+          </p:cNvPr>
+          <p:cNvPicPr>
+            <a:picLocks noChangeAspect="1"/>
+          </p:cNvPicPr>
+          <p:nvPr/>
+        </p:nvPicPr>
+        <p:blipFill>
+          <a:blip r:embed="rId4"/>
+          <a:stretch>
+            <a:fillRect/>
+          </a:stretch>
+        </p:blipFill>
+        <p:spPr>
+          <a:xfrm>
+            <a:off x="4076700" y="4155800"/>
+            <a:ext cx="4038600" cy="990600"/>
+          </a:xfrm>
+          <a:prstGeom prst="rect">
+            <a:avLst/>
+          </a:prstGeom>
+        </p:spPr>
+      </p:pic>
+    </p:spTree>
+    <p:extLst>
+      <p:ext uri="{BB962C8B-B14F-4D97-AF65-F5344CB8AC3E}">
+        <p14:creationId xmlns:p14="http://schemas.microsoft.com/office/powerpoint/2010/main" val="1000436304"/>
+      </p:ext>
+    </p:extLst>
+  </p:cSld>
+  <p:clrMapOvr>
+    <a:masterClrMapping/>
+  </p:clrMapOvr>
+</p:sld>
+</file>
+
+<file path=ppt/slides/slide2.xml><?xml version="1.0" encoding="utf-8"?>
+<p:sld xmlns:a="http://schemas.openxmlformats.org/drawingml/2006/main" xmlns:r="http://schemas.openxmlformats.org/officeDocument/2006/relationships" xmlns:p="http://schemas.openxmlformats.org/presentationml/2006/main">
+  <p:cSld>
+    <p:spTree>
+      <p:nvGrpSpPr>
+        <p:cNvPr id="1" name=""/>
+        <p:cNvGrpSpPr/>
+        <p:nvPr/>
+      </p:nvGrpSpPr>
+      <p:grpSpPr>
+        <a:xfrm>
+          <a:off x="0" y="0"/>
+          <a:ext cx="0" cy="0"/>
+          <a:chOff x="0" y="0"/>
+          <a:chExt cx="0" cy="0"/>
+        </a:xfrm>
+      </p:grpSpPr>
+      <p:sp>
+        <p:nvSpPr>
+          <p:cNvPr id="2" name="Title 1">
+            <a:extLst>
+              <a:ext uri="{FF2B5EF4-FFF2-40B4-BE49-F238E27FC236}">
+                <a16:creationId xmlns:a16="http://schemas.microsoft.com/office/drawing/2014/main" id="{1A4557FC-56DE-C5F5-B66D-773BB1CC4F14}"/>
+              </a:ext>
+            </a:extLst>
+          </p:cNvPr>
+          <p:cNvSpPr>
+            <a:spLocks noGrp="1"/>
+          </p:cNvSpPr>
+          <p:nvPr>
+            <p:ph type="title"/>
+          </p:nvPr>
+        </p:nvSpPr>
+        <p:spPr/>
+        <p:txBody>
+          <a:bodyPr/>
+          <a:lstStyle/>
+          <a:p>
+            <a:r>
+              <a:rPr lang="en-CH" dirty="0"/>
+              <a:t>Optimisers</a:t>
+            </a:r>
+          </a:p>
+        </p:txBody>
+      </p:sp>
+      <p:sp>
+        <p:nvSpPr>
+          <p:cNvPr id="3" name="Text Placeholder 2">
+            <a:extLst>
+              <a:ext uri="{FF2B5EF4-FFF2-40B4-BE49-F238E27FC236}">
+                <a16:creationId xmlns:a16="http://schemas.microsoft.com/office/drawing/2014/main" id="{4E7EEF82-50D9-F8D0-251E-4CB46108EF1D}"/>
+              </a:ext>
+            </a:extLst>
+          </p:cNvPr>
+          <p:cNvSpPr>
+            <a:spLocks noGrp="1"/>
+          </p:cNvSpPr>
+          <p:nvPr>
+            <p:ph type="body" idx="1"/>
+          </p:nvPr>
+        </p:nvSpPr>
+        <p:spPr/>
+        <p:txBody>
+          <a:bodyPr/>
+          <a:lstStyle/>
+          <a:p>
+            <a:r>
+              <a:rPr lang="en-GB" dirty="0"/>
+              <a:t>Premature optimization is the root of all evil.</a:t>
+            </a:r>
+          </a:p>
+          <a:p>
+            <a:pPr algn="r"/>
+            <a:r>
+              <a:rPr lang="en-GB" dirty="0"/>
+              <a:t>― Donald Ervin Knuth, The Art of Computer Programming, Volume 1</a:t>
+            </a:r>
+            <a:endParaRPr lang="en-CH" dirty="0"/>
+          </a:p>
+        </p:txBody>
+      </p:sp>
+    </p:spTree>
+    <p:extLst>
+      <p:ext uri="{BB962C8B-B14F-4D97-AF65-F5344CB8AC3E}">
+        <p14:creationId xmlns:p14="http://schemas.microsoft.com/office/powerpoint/2010/main" val="6444098"/>
+      </p:ext>
+    </p:extLst>
+  </p:cSld>
+  <p:clrMapOvr>
+    <a:masterClrMapping/>
+  </p:clrMapOvr>
+</p:sld>
+</file>
+
+<file path=ppt/slides/slide20.xml><?xml version="1.0" encoding="utf-8"?>
+<p:sld xmlns:a="http://schemas.openxmlformats.org/drawingml/2006/main" xmlns:r="http://schemas.openxmlformats.org/officeDocument/2006/relationships" xmlns:p="http://schemas.openxmlformats.org/presentationml/2006/main">
+  <p:cSld>
+    <p:spTree>
+      <p:nvGrpSpPr>
+        <p:cNvPr id="1" name=""/>
+        <p:cNvGrpSpPr/>
+        <p:nvPr/>
+      </p:nvGrpSpPr>
+      <p:grpSpPr>
+        <a:xfrm>
+          <a:off x="0" y="0"/>
+          <a:ext cx="0" cy="0"/>
+          <a:chOff x="0" y="0"/>
+          <a:chExt cx="0" cy="0"/>
+        </a:xfrm>
+      </p:grpSpPr>
+      <p:sp>
+        <p:nvSpPr>
+          <p:cNvPr id="2" name="Title 1">
+            <a:extLst>
+              <a:ext uri="{FF2B5EF4-FFF2-40B4-BE49-F238E27FC236}">
+                <a16:creationId xmlns:a16="http://schemas.microsoft.com/office/drawing/2014/main" id="{40E25C83-55CC-EC93-CDD6-1EE9C8199E20}"/>
+              </a:ext>
+            </a:extLst>
+          </p:cNvPr>
+          <p:cNvSpPr>
+            <a:spLocks noGrp="1"/>
+          </p:cNvSpPr>
+          <p:nvPr>
+            <p:ph type="title"/>
+          </p:nvPr>
+        </p:nvSpPr>
+        <p:spPr/>
+        <p:txBody>
+          <a:bodyPr/>
+          <a:lstStyle/>
+          <a:p>
+            <a:r>
+              <a:rPr lang="en-CH" dirty="0"/>
+              <a:t>Gradient Descent - Example</a:t>
+            </a:r>
+          </a:p>
+        </p:txBody>
+      </p:sp>
+      <p:pic>
+        <p:nvPicPr>
+          <p:cNvPr id="9" name="Picture 8">
+            <a:extLst>
+              <a:ext uri="{FF2B5EF4-FFF2-40B4-BE49-F238E27FC236}">
+                <a16:creationId xmlns:a16="http://schemas.microsoft.com/office/drawing/2014/main" id="{4C6C94C2-F62B-EF4D-2DE1-A1DC3D34957F}"/>
+              </a:ext>
+            </a:extLst>
+          </p:cNvPr>
+          <p:cNvPicPr>
+            <a:picLocks noChangeAspect="1"/>
+          </p:cNvPicPr>
+          <p:nvPr/>
+        </p:nvPicPr>
+        <p:blipFill>
+          <a:blip r:embed="rId2"/>
+          <a:stretch>
+            <a:fillRect/>
+          </a:stretch>
+        </p:blipFill>
+        <p:spPr>
+          <a:xfrm>
+            <a:off x="1772478" y="2101431"/>
+            <a:ext cx="7772400" cy="3867711"/>
+          </a:xfrm>
+          <a:prstGeom prst="rect">
+            <a:avLst/>
+          </a:prstGeom>
+        </p:spPr>
+      </p:pic>
+    </p:spTree>
+    <p:extLst>
+      <p:ext uri="{BB962C8B-B14F-4D97-AF65-F5344CB8AC3E}">
+        <p14:creationId xmlns:p14="http://schemas.microsoft.com/office/powerpoint/2010/main" val="1524383994"/>
+      </p:ext>
+    </p:extLst>
+  </p:cSld>
+  <p:clrMapOvr>
+    <a:masterClrMapping/>
+  </p:clrMapOvr>
+</p:sld>
+</file>
+
+<file path=ppt/slides/slide21.xml><?xml version="1.0" encoding="utf-8"?>
+<p:sld xmlns:a="http://schemas.openxmlformats.org/drawingml/2006/main" xmlns:r="http://schemas.openxmlformats.org/officeDocument/2006/relationships" xmlns:p="http://schemas.openxmlformats.org/presentationml/2006/main">
+  <p:cSld>
+    <p:spTree>
+      <p:nvGrpSpPr>
+        <p:cNvPr id="1" name=""/>
+        <p:cNvGrpSpPr/>
+        <p:nvPr/>
+      </p:nvGrpSpPr>
+      <p:grpSpPr>
+        <a:xfrm>
+          <a:off x="0" y="0"/>
+          <a:ext cx="0" cy="0"/>
+          <a:chOff x="0" y="0"/>
+          <a:chExt cx="0" cy="0"/>
+        </a:xfrm>
+      </p:grpSpPr>
+      <p:sp>
+        <p:nvSpPr>
+          <p:cNvPr id="2" name="Title 1">
+            <a:extLst>
+              <a:ext uri="{FF2B5EF4-FFF2-40B4-BE49-F238E27FC236}">
+                <a16:creationId xmlns:a16="http://schemas.microsoft.com/office/drawing/2014/main" id="{40E25C83-55CC-EC93-CDD6-1EE9C8199E20}"/>
+              </a:ext>
+            </a:extLst>
+          </p:cNvPr>
+          <p:cNvSpPr>
+            <a:spLocks noGrp="1"/>
+          </p:cNvSpPr>
+          <p:nvPr>
+            <p:ph type="title"/>
+          </p:nvPr>
+        </p:nvSpPr>
+        <p:spPr/>
+        <p:txBody>
+          <a:bodyPr/>
+          <a:lstStyle/>
+          <a:p>
+            <a:r>
+              <a:rPr lang="en-CH" dirty="0"/>
+              <a:t>Gradient Descent - Example</a:t>
+            </a:r>
+          </a:p>
+        </p:txBody>
+      </p:sp>
+      <p:pic>
+        <p:nvPicPr>
+          <p:cNvPr id="5" name="Picture 4">
+            <a:extLst>
+              <a:ext uri="{FF2B5EF4-FFF2-40B4-BE49-F238E27FC236}">
+                <a16:creationId xmlns:a16="http://schemas.microsoft.com/office/drawing/2014/main" id="{4405793C-EE98-4159-F210-ED26FCB48010}"/>
+              </a:ext>
+            </a:extLst>
+          </p:cNvPr>
+          <p:cNvPicPr>
+            <a:picLocks noChangeAspect="1"/>
+          </p:cNvPicPr>
+          <p:nvPr/>
+        </p:nvPicPr>
+        <p:blipFill>
+          <a:blip r:embed="rId2"/>
+          <a:stretch>
+            <a:fillRect/>
+          </a:stretch>
+        </p:blipFill>
+        <p:spPr>
+          <a:xfrm>
+            <a:off x="626241" y="2043009"/>
+            <a:ext cx="10727559" cy="3288816"/>
+          </a:xfrm>
+          <a:prstGeom prst="rect">
+            <a:avLst/>
+          </a:prstGeom>
+        </p:spPr>
+      </p:pic>
+    </p:spTree>
+    <p:extLst>
+      <p:ext uri="{BB962C8B-B14F-4D97-AF65-F5344CB8AC3E}">
+        <p14:creationId xmlns:p14="http://schemas.microsoft.com/office/powerpoint/2010/main" val="1906576540"/>
+      </p:ext>
+    </p:extLst>
+  </p:cSld>
+  <p:clrMapOvr>
+    <a:masterClrMapping/>
+  </p:clrMapOvr>
+</p:sld>
+</file>
+
+<file path=ppt/slides/slide22.xml><?xml version="1.0" encoding="utf-8"?>
+<p:sld xmlns:a="http://schemas.openxmlformats.org/drawingml/2006/main" xmlns:r="http://schemas.openxmlformats.org/officeDocument/2006/relationships" xmlns:p="http://schemas.openxmlformats.org/presentationml/2006/main">
+  <p:cSld>
+    <p:spTree>
+      <p:nvGrpSpPr>
+        <p:cNvPr id="1" name=""/>
+        <p:cNvGrpSpPr/>
+        <p:nvPr/>
+      </p:nvGrpSpPr>
+      <p:grpSpPr>
+        <a:xfrm>
+          <a:off x="0" y="0"/>
+          <a:ext cx="0" cy="0"/>
+          <a:chOff x="0" y="0"/>
+          <a:chExt cx="0" cy="0"/>
+        </a:xfrm>
+      </p:grpSpPr>
+      <p:sp>
+        <p:nvSpPr>
+          <p:cNvPr id="2" name="Title 1">
+            <a:extLst>
+              <a:ext uri="{FF2B5EF4-FFF2-40B4-BE49-F238E27FC236}">
+                <a16:creationId xmlns:a16="http://schemas.microsoft.com/office/drawing/2014/main" id="{40E25C83-55CC-EC93-CDD6-1EE9C8199E20}"/>
+              </a:ext>
+            </a:extLst>
+          </p:cNvPr>
+          <p:cNvSpPr>
+            <a:spLocks noGrp="1"/>
+          </p:cNvSpPr>
+          <p:nvPr>
+            <p:ph type="title"/>
+          </p:nvPr>
+        </p:nvSpPr>
+        <p:spPr/>
+        <p:txBody>
+          <a:bodyPr/>
+          <a:lstStyle/>
+          <a:p>
+            <a:r>
+              <a:rPr lang="en-CH" dirty="0"/>
+              <a:t>Choosing the right learning rate</a:t>
+            </a:r>
+          </a:p>
+        </p:txBody>
+      </p:sp>
+      <p:pic>
+        <p:nvPicPr>
+          <p:cNvPr id="3" name="Picture 2">
+            <a:extLst>
+              <a:ext uri="{FF2B5EF4-FFF2-40B4-BE49-F238E27FC236}">
+                <a16:creationId xmlns:a16="http://schemas.microsoft.com/office/drawing/2014/main" id="{C5C3715F-7F3C-C07E-3493-41E7716EF422}"/>
+              </a:ext>
+            </a:extLst>
+          </p:cNvPr>
+          <p:cNvPicPr>
+            <a:picLocks noChangeAspect="1"/>
+          </p:cNvPicPr>
+          <p:nvPr/>
+        </p:nvPicPr>
+        <p:blipFill>
+          <a:blip r:embed="rId2"/>
+          <a:stretch>
+            <a:fillRect/>
+          </a:stretch>
+        </p:blipFill>
+        <p:spPr>
+          <a:xfrm>
+            <a:off x="620275" y="1687028"/>
+            <a:ext cx="10951450" cy="4436955"/>
+          </a:xfrm>
+          <a:prstGeom prst="rect">
+            <a:avLst/>
+          </a:prstGeom>
+        </p:spPr>
+      </p:pic>
+    </p:spTree>
+    <p:extLst>
+      <p:ext uri="{BB962C8B-B14F-4D97-AF65-F5344CB8AC3E}">
+        <p14:creationId xmlns:p14="http://schemas.microsoft.com/office/powerpoint/2010/main" val="481004079"/>
+      </p:ext>
+    </p:extLst>
+  </p:cSld>
+  <p:clrMapOvr>
+    <a:masterClrMapping/>
+  </p:clrMapOvr>
+</p:sld>
+</file>
+
+<file path=ppt/slides/slide23.xml><?xml version="1.0" encoding="utf-8"?>
+<p:sld xmlns:a="http://schemas.openxmlformats.org/drawingml/2006/main" xmlns:r="http://schemas.openxmlformats.org/officeDocument/2006/relationships" xmlns:p="http://schemas.openxmlformats.org/presentationml/2006/main">
+  <p:cSld>
+    <p:spTree>
+      <p:nvGrpSpPr>
+        <p:cNvPr id="1" name=""/>
+        <p:cNvGrpSpPr/>
+        <p:nvPr/>
+      </p:nvGrpSpPr>
+      <p:grpSpPr>
+        <a:xfrm>
+          <a:off x="0" y="0"/>
+          <a:ext cx="0" cy="0"/>
+          <a:chOff x="0" y="0"/>
+          <a:chExt cx="0" cy="0"/>
+        </a:xfrm>
+      </p:grpSpPr>
+      <p:sp>
+        <p:nvSpPr>
+          <p:cNvPr id="2" name="Title 1">
+            <a:extLst>
+              <a:ext uri="{FF2B5EF4-FFF2-40B4-BE49-F238E27FC236}">
+                <a16:creationId xmlns:a16="http://schemas.microsoft.com/office/drawing/2014/main" id="{40E25C83-55CC-EC93-CDD6-1EE9C8199E20}"/>
+              </a:ext>
+            </a:extLst>
+          </p:cNvPr>
+          <p:cNvSpPr>
+            <a:spLocks noGrp="1"/>
+          </p:cNvSpPr>
+          <p:nvPr>
+            <p:ph type="title"/>
+          </p:nvPr>
+        </p:nvSpPr>
+        <p:spPr/>
+        <p:txBody>
+          <a:bodyPr/>
+          <a:lstStyle/>
+          <a:p>
+            <a:r>
+              <a:rPr lang="en-CH" dirty="0"/>
+              <a:t>Choosing the right learning rate</a:t>
+            </a:r>
+          </a:p>
+        </p:txBody>
+      </p:sp>
+      <p:pic>
+        <p:nvPicPr>
+          <p:cNvPr id="4" name="Picture 3">
+            <a:extLst>
+              <a:ext uri="{FF2B5EF4-FFF2-40B4-BE49-F238E27FC236}">
+                <a16:creationId xmlns:a16="http://schemas.microsoft.com/office/drawing/2014/main" id="{DE815D3B-CEE5-A82D-94BE-E6F4B7A8F0E2}"/>
+              </a:ext>
+            </a:extLst>
+          </p:cNvPr>
+          <p:cNvPicPr>
+            <a:picLocks noChangeAspect="1"/>
+          </p:cNvPicPr>
+          <p:nvPr/>
+        </p:nvPicPr>
+        <p:blipFill>
+          <a:blip r:embed="rId2"/>
+          <a:stretch>
+            <a:fillRect/>
+          </a:stretch>
+        </p:blipFill>
+        <p:spPr>
+          <a:xfrm>
+            <a:off x="1027043" y="1480944"/>
+            <a:ext cx="9766852" cy="5377056"/>
+          </a:xfrm>
+          <a:prstGeom prst="rect">
+            <a:avLst/>
+          </a:prstGeom>
+        </p:spPr>
+      </p:pic>
+    </p:spTree>
+    <p:extLst>
+      <p:ext uri="{BB962C8B-B14F-4D97-AF65-F5344CB8AC3E}">
+        <p14:creationId xmlns:p14="http://schemas.microsoft.com/office/powerpoint/2010/main" val="3216007215"/>
+      </p:ext>
+    </p:extLst>
+  </p:cSld>
+  <p:clrMapOvr>
+    <a:masterClrMapping/>
+  </p:clrMapOvr>
+</p:sld>
+</file>
+
+<file path=ppt/slides/slide24.xml><?xml version="1.0" encoding="utf-8"?>
+<p:sld xmlns:a="http://schemas.openxmlformats.org/drawingml/2006/main" xmlns:r="http://schemas.openxmlformats.org/officeDocument/2006/relationships" xmlns:p="http://schemas.openxmlformats.org/presentationml/2006/main">
+  <p:cSld>
+    <p:spTree>
+      <p:nvGrpSpPr>
+        <p:cNvPr id="1" name=""/>
+        <p:cNvGrpSpPr/>
+        <p:nvPr/>
+      </p:nvGrpSpPr>
+      <p:grpSpPr>
+        <a:xfrm>
+          <a:off x="0" y="0"/>
+          <a:ext cx="0" cy="0"/>
+          <a:chOff x="0" y="0"/>
+          <a:chExt cx="0" cy="0"/>
+        </a:xfrm>
+      </p:grpSpPr>
+      <p:sp>
+        <p:nvSpPr>
+          <p:cNvPr id="2" name="Title 1">
+            <a:extLst>
+              <a:ext uri="{FF2B5EF4-FFF2-40B4-BE49-F238E27FC236}">
+                <a16:creationId xmlns:a16="http://schemas.microsoft.com/office/drawing/2014/main" id="{8C988C6B-0FAB-A3F2-D0E5-D7668B0D1EBC}"/>
+              </a:ext>
+            </a:extLst>
+          </p:cNvPr>
+          <p:cNvSpPr>
+            <a:spLocks noGrp="1"/>
+          </p:cNvSpPr>
+          <p:nvPr>
+            <p:ph type="title"/>
+          </p:nvPr>
+        </p:nvSpPr>
+        <p:spPr/>
+        <p:txBody>
+          <a:bodyPr/>
+          <a:lstStyle/>
+          <a:p>
+            <a:r>
+              <a:rPr lang="en-CH" dirty="0"/>
+              <a:t>Variations of Gradient Descent</a:t>
+            </a:r>
+          </a:p>
+        </p:txBody>
+      </p:sp>
+    </p:spTree>
+    <p:extLst>
+      <p:ext uri="{BB962C8B-B14F-4D97-AF65-F5344CB8AC3E}">
+        <p14:creationId xmlns:p14="http://schemas.microsoft.com/office/powerpoint/2010/main" val="3711696340"/>
+      </p:ext>
+    </p:extLst>
+  </p:cSld>
+  <p:clrMapOvr>
+    <a:masterClrMapping/>
+  </p:clrMapOvr>
+</p:sld>
+</file>
+
+<file path=ppt/slides/slide25.xml><?xml version="1.0" encoding="utf-8"?>
+<p:sld xmlns:a="http://schemas.openxmlformats.org/drawingml/2006/main" xmlns:r="http://schemas.openxmlformats.org/officeDocument/2006/relationships" xmlns:p="http://schemas.openxmlformats.org/presentationml/2006/main">
+  <p:cSld>
+    <p:spTree>
+      <p:nvGrpSpPr>
+        <p:cNvPr id="1" name=""/>
+        <p:cNvGrpSpPr/>
+        <p:nvPr/>
+      </p:nvGrpSpPr>
+      <p:grpSpPr>
+        <a:xfrm>
+          <a:off x="0" y="0"/>
+          <a:ext cx="0" cy="0"/>
+          <a:chOff x="0" y="0"/>
+          <a:chExt cx="0" cy="0"/>
+        </a:xfrm>
+      </p:grpSpPr>
+      <p:sp>
+        <p:nvSpPr>
+          <p:cNvPr id="2" name="Title 1">
+            <a:extLst>
+              <a:ext uri="{FF2B5EF4-FFF2-40B4-BE49-F238E27FC236}">
+                <a16:creationId xmlns:a16="http://schemas.microsoft.com/office/drawing/2014/main" id="{D2B09521-F730-E300-822B-74B25C7E11BF}"/>
+              </a:ext>
+            </a:extLst>
+          </p:cNvPr>
+          <p:cNvSpPr>
+            <a:spLocks noGrp="1"/>
+          </p:cNvSpPr>
+          <p:nvPr>
+            <p:ph type="title"/>
+          </p:nvPr>
+        </p:nvSpPr>
+        <p:spPr/>
+        <p:txBody>
+          <a:bodyPr/>
+          <a:lstStyle/>
+          <a:p>
+            <a:r>
+              <a:rPr lang="en-CH" dirty="0"/>
+              <a:t>Plain GD</a:t>
+            </a:r>
+          </a:p>
+        </p:txBody>
+      </p:sp>
+      <p:pic>
+        <p:nvPicPr>
+          <p:cNvPr id="4" name="Picture 3">
+            <a:extLst>
+              <a:ext uri="{FF2B5EF4-FFF2-40B4-BE49-F238E27FC236}">
+                <a16:creationId xmlns:a16="http://schemas.microsoft.com/office/drawing/2014/main" id="{53975F8F-B1AD-4A24-CAD0-C3037935635F}"/>
+              </a:ext>
+            </a:extLst>
+          </p:cNvPr>
+          <p:cNvPicPr>
+            <a:picLocks noChangeAspect="1"/>
+          </p:cNvPicPr>
+          <p:nvPr/>
+        </p:nvPicPr>
+        <p:blipFill>
+          <a:blip r:embed="rId2"/>
+          <a:stretch>
+            <a:fillRect/>
+          </a:stretch>
+        </p:blipFill>
+        <p:spPr>
+          <a:xfrm>
+            <a:off x="4726885" y="215072"/>
+            <a:ext cx="6972300" cy="1816100"/>
+          </a:xfrm>
+          <a:prstGeom prst="rect">
+            <a:avLst/>
+          </a:prstGeom>
+        </p:spPr>
+      </p:pic>
+      <p:pic>
+        <p:nvPicPr>
+          <p:cNvPr id="5" name="Picture 4">
+            <a:extLst>
+              <a:ext uri="{FF2B5EF4-FFF2-40B4-BE49-F238E27FC236}">
+                <a16:creationId xmlns:a16="http://schemas.microsoft.com/office/drawing/2014/main" id="{9C646F1B-A6E2-DE7B-9845-7043CC31FDBC}"/>
+              </a:ext>
+            </a:extLst>
+          </p:cNvPr>
+          <p:cNvPicPr>
+            <a:picLocks noChangeAspect="1"/>
+          </p:cNvPicPr>
+          <p:nvPr/>
+        </p:nvPicPr>
+        <p:blipFill>
+          <a:blip r:embed="rId3"/>
+          <a:stretch>
+            <a:fillRect/>
+          </a:stretch>
+        </p:blipFill>
+        <p:spPr>
+          <a:xfrm>
+            <a:off x="838200" y="2181225"/>
+            <a:ext cx="10671313" cy="4150529"/>
+          </a:xfrm>
+          <a:prstGeom prst="rect">
+            <a:avLst/>
+          </a:prstGeom>
+        </p:spPr>
+      </p:pic>
+      <p:sp>
+        <p:nvSpPr>
+          <p:cNvPr id="3" name="TextBox 2">
+            <a:extLst>
+              <a:ext uri="{FF2B5EF4-FFF2-40B4-BE49-F238E27FC236}">
+                <a16:creationId xmlns:a16="http://schemas.microsoft.com/office/drawing/2014/main" id="{6E68ECC1-1640-ABEF-2DE4-D3B1FDFEFF00}"/>
+              </a:ext>
+            </a:extLst>
+          </p:cNvPr>
+          <p:cNvSpPr txBox="1"/>
+          <p:nvPr/>
+        </p:nvSpPr>
+        <p:spPr>
+          <a:xfrm>
+            <a:off x="9481931" y="1811893"/>
+            <a:ext cx="1798982" cy="338554"/>
+          </a:xfrm>
+          <a:prstGeom prst="rect">
+            <a:avLst/>
+          </a:prstGeom>
+          <a:noFill/>
+        </p:spPr>
+        <p:txBody>
+          <a:bodyPr wrap="square" rtlCol="0">
+            <a:spAutoFit/>
+          </a:bodyPr>
+          <a:lstStyle/>
+          <a:p>
+            <a:r>
+              <a:rPr lang="en-CH" sz="1600" dirty="0">
+                <a:latin typeface="Arial" panose="020B0604020202020204" pitchFamily="34" charset="0"/>
+                <a:cs typeface="Arial" panose="020B0604020202020204" pitchFamily="34" charset="0"/>
+              </a:rPr>
+              <a:t>Model output</a:t>
+            </a:r>
+          </a:p>
+        </p:txBody>
+      </p:sp>
+      <p:cxnSp>
+        <p:nvCxnSpPr>
+          <p:cNvPr id="7" name="Straight Arrow Connector 6">
+            <a:extLst>
+              <a:ext uri="{FF2B5EF4-FFF2-40B4-BE49-F238E27FC236}">
+                <a16:creationId xmlns:a16="http://schemas.microsoft.com/office/drawing/2014/main" id="{97772D4B-EDFA-7A9D-3663-9ED2C4F25569}"/>
+              </a:ext>
+            </a:extLst>
+          </p:cNvPr>
+          <p:cNvCxnSpPr>
+            <a:cxnSpLocks/>
+          </p:cNvCxnSpPr>
+          <p:nvPr/>
+        </p:nvCxnSpPr>
+        <p:spPr>
+          <a:xfrm flipH="1" flipV="1">
+            <a:off x="9352722" y="1282148"/>
+            <a:ext cx="576469" cy="529745"/>
+          </a:xfrm>
+          <a:prstGeom prst="straightConnector1">
+            <a:avLst/>
+          </a:prstGeom>
+          <a:ln w="28575">
+            <a:solidFill>
+              <a:schemeClr val="tx1"/>
+            </a:solidFill>
+            <a:tailEnd type="triangle"/>
+          </a:ln>
+        </p:spPr>
+        <p:style>
+          <a:lnRef idx="1">
+            <a:schemeClr val="accent1"/>
+          </a:lnRef>
+          <a:fillRef idx="0">
+            <a:schemeClr val="accent1"/>
+          </a:fillRef>
+          <a:effectRef idx="0">
+            <a:schemeClr val="accent1"/>
+          </a:effectRef>
+          <a:fontRef idx="minor">
+            <a:schemeClr val="tx1"/>
+          </a:fontRef>
+        </p:style>
+      </p:cxnSp>
+      <p:sp>
+        <p:nvSpPr>
+          <p:cNvPr id="9" name="TextBox 8">
+            <a:extLst>
+              <a:ext uri="{FF2B5EF4-FFF2-40B4-BE49-F238E27FC236}">
+                <a16:creationId xmlns:a16="http://schemas.microsoft.com/office/drawing/2014/main" id="{92EC0F55-68C9-7DFA-3D39-26471D801596}"/>
+              </a:ext>
+            </a:extLst>
+          </p:cNvPr>
+          <p:cNvSpPr txBox="1"/>
+          <p:nvPr/>
+        </p:nvSpPr>
+        <p:spPr>
+          <a:xfrm>
+            <a:off x="10982739" y="1521411"/>
+            <a:ext cx="964096" cy="338554"/>
+          </a:xfrm>
+          <a:prstGeom prst="rect">
+            <a:avLst/>
+          </a:prstGeom>
+          <a:noFill/>
+        </p:spPr>
+        <p:txBody>
+          <a:bodyPr wrap="square" rtlCol="0">
+            <a:spAutoFit/>
+          </a:bodyPr>
+          <a:lstStyle/>
+          <a:p>
+            <a:r>
+              <a:rPr lang="en-CH" sz="1600" dirty="0">
+                <a:latin typeface="Arial" panose="020B0604020202020204" pitchFamily="34" charset="0"/>
+                <a:cs typeface="Arial" panose="020B0604020202020204" pitchFamily="34" charset="0"/>
+              </a:rPr>
+              <a:t>Label</a:t>
+            </a:r>
+          </a:p>
+        </p:txBody>
+      </p:sp>
+      <p:cxnSp>
+        <p:nvCxnSpPr>
+          <p:cNvPr id="10" name="Straight Arrow Connector 9">
+            <a:extLst>
+              <a:ext uri="{FF2B5EF4-FFF2-40B4-BE49-F238E27FC236}">
+                <a16:creationId xmlns:a16="http://schemas.microsoft.com/office/drawing/2014/main" id="{B6143B51-FE72-B2E1-9196-66613B087F92}"/>
+              </a:ext>
+            </a:extLst>
+          </p:cNvPr>
+          <p:cNvCxnSpPr>
+            <a:cxnSpLocks/>
+            <a:stCxn id="9" idx="1"/>
+          </p:cNvCxnSpPr>
+          <p:nvPr/>
+        </p:nvCxnSpPr>
+        <p:spPr>
+          <a:xfrm flipH="1" flipV="1">
+            <a:off x="10714383" y="1282148"/>
+            <a:ext cx="268356" cy="408540"/>
+          </a:xfrm>
+          <a:prstGeom prst="straightConnector1">
+            <a:avLst/>
+          </a:prstGeom>
+          <a:ln w="28575">
+            <a:solidFill>
+              <a:schemeClr val="tx1"/>
+            </a:solidFill>
+            <a:tailEnd type="triangle"/>
+          </a:ln>
+        </p:spPr>
+        <p:style>
+          <a:lnRef idx="1">
+            <a:schemeClr val="accent1"/>
+          </a:lnRef>
+          <a:fillRef idx="0">
+            <a:schemeClr val="accent1"/>
+          </a:fillRef>
+          <a:effectRef idx="0">
+            <a:schemeClr val="accent1"/>
+          </a:effectRef>
+          <a:fontRef idx="minor">
+            <a:schemeClr val="tx1"/>
+          </a:fontRef>
+        </p:style>
+      </p:cxnSp>
+      <p:sp>
+        <p:nvSpPr>
+          <p:cNvPr id="13" name="TextBox 12">
+            <a:extLst>
+              <a:ext uri="{FF2B5EF4-FFF2-40B4-BE49-F238E27FC236}">
+                <a16:creationId xmlns:a16="http://schemas.microsoft.com/office/drawing/2014/main" id="{5E4F9469-8199-CF11-6D51-6143955F499D}"/>
+              </a:ext>
+            </a:extLst>
+          </p:cNvPr>
+          <p:cNvSpPr txBox="1"/>
+          <p:nvPr/>
+        </p:nvSpPr>
+        <p:spPr>
+          <a:xfrm>
+            <a:off x="5824330" y="127730"/>
+            <a:ext cx="2352262" cy="338554"/>
+          </a:xfrm>
+          <a:prstGeom prst="rect">
+            <a:avLst/>
+          </a:prstGeom>
+          <a:noFill/>
+        </p:spPr>
+        <p:txBody>
+          <a:bodyPr wrap="square" rtlCol="0">
+            <a:spAutoFit/>
+          </a:bodyPr>
+          <a:lstStyle/>
+          <a:p>
+            <a:r>
+              <a:rPr lang="en-CH" sz="1600" dirty="0">
+                <a:latin typeface="Arial" panose="020B0604020202020204" pitchFamily="34" charset="0"/>
+                <a:cs typeface="Arial" panose="020B0604020202020204" pitchFamily="34" charset="0"/>
+              </a:rPr>
+              <a:t>Number of sampes</a:t>
+            </a:r>
+          </a:p>
+        </p:txBody>
+      </p:sp>
+      <p:cxnSp>
+        <p:nvCxnSpPr>
+          <p:cNvPr id="14" name="Straight Arrow Connector 13">
+            <a:extLst>
+              <a:ext uri="{FF2B5EF4-FFF2-40B4-BE49-F238E27FC236}">
+                <a16:creationId xmlns:a16="http://schemas.microsoft.com/office/drawing/2014/main" id="{3B79C47D-6AB3-3B41-91AA-003F3C815AA0}"/>
+              </a:ext>
+            </a:extLst>
+          </p:cNvPr>
+          <p:cNvCxnSpPr>
+            <a:cxnSpLocks/>
+          </p:cNvCxnSpPr>
+          <p:nvPr/>
+        </p:nvCxnSpPr>
+        <p:spPr>
+          <a:xfrm>
+            <a:off x="7702826" y="365125"/>
+            <a:ext cx="576469" cy="241162"/>
+          </a:xfrm>
+          <a:prstGeom prst="straightConnector1">
+            <a:avLst/>
+          </a:prstGeom>
+          <a:ln w="28575">
+            <a:solidFill>
+              <a:schemeClr val="tx1"/>
+            </a:solidFill>
+            <a:tailEnd type="triangle"/>
+          </a:ln>
+        </p:spPr>
+        <p:style>
+          <a:lnRef idx="1">
+            <a:schemeClr val="accent1"/>
+          </a:lnRef>
+          <a:fillRef idx="0">
+            <a:schemeClr val="accent1"/>
+          </a:fillRef>
+          <a:effectRef idx="0">
+            <a:schemeClr val="accent1"/>
+          </a:effectRef>
+          <a:fontRef idx="minor">
+            <a:schemeClr val="tx1"/>
+          </a:fontRef>
+        </p:style>
+      </p:cxnSp>
+      <p:sp>
+        <p:nvSpPr>
+          <p:cNvPr id="17" name="TextBox 16">
+            <a:extLst>
+              <a:ext uri="{FF2B5EF4-FFF2-40B4-BE49-F238E27FC236}">
+                <a16:creationId xmlns:a16="http://schemas.microsoft.com/office/drawing/2014/main" id="{A6E9AE77-EE20-A548-8123-EB411E1D3E06}"/>
+              </a:ext>
+            </a:extLst>
+          </p:cNvPr>
+          <p:cNvSpPr txBox="1"/>
+          <p:nvPr/>
+        </p:nvSpPr>
+        <p:spPr>
+          <a:xfrm>
+            <a:off x="4118113" y="1574081"/>
+            <a:ext cx="1388165" cy="338554"/>
+          </a:xfrm>
+          <a:prstGeom prst="rect">
+            <a:avLst/>
+          </a:prstGeom>
+          <a:noFill/>
+        </p:spPr>
+        <p:txBody>
+          <a:bodyPr wrap="square" rtlCol="0">
+            <a:spAutoFit/>
+          </a:bodyPr>
+          <a:lstStyle/>
+          <a:p>
+            <a:r>
+              <a:rPr lang="en-CH" sz="1600" dirty="0">
+                <a:latin typeface="Arial" panose="020B0604020202020204" pitchFamily="34" charset="0"/>
+                <a:cs typeface="Arial" panose="020B0604020202020204" pitchFamily="34" charset="0"/>
+              </a:rPr>
+              <a:t>Loss function</a:t>
+            </a:r>
+          </a:p>
+        </p:txBody>
+      </p:sp>
+      <p:cxnSp>
+        <p:nvCxnSpPr>
+          <p:cNvPr id="18" name="Straight Arrow Connector 17">
+            <a:extLst>
+              <a:ext uri="{FF2B5EF4-FFF2-40B4-BE49-F238E27FC236}">
+                <a16:creationId xmlns:a16="http://schemas.microsoft.com/office/drawing/2014/main" id="{C83A2B1E-1679-3276-D8B4-5E2D910418D0}"/>
+              </a:ext>
+            </a:extLst>
+          </p:cNvPr>
+          <p:cNvCxnSpPr>
+            <a:cxnSpLocks/>
+          </p:cNvCxnSpPr>
+          <p:nvPr/>
+        </p:nvCxnSpPr>
+        <p:spPr>
+          <a:xfrm flipV="1">
+            <a:off x="5029200" y="1252330"/>
+            <a:ext cx="238539" cy="377415"/>
+          </a:xfrm>
+          <a:prstGeom prst="straightConnector1">
+            <a:avLst/>
+          </a:prstGeom>
+          <a:ln w="28575">
+            <a:solidFill>
+              <a:schemeClr val="tx1"/>
+            </a:solidFill>
+            <a:tailEnd type="triangle"/>
+          </a:ln>
+        </p:spPr>
+        <p:style>
+          <a:lnRef idx="1">
+            <a:schemeClr val="accent1"/>
+          </a:lnRef>
+          <a:fillRef idx="0">
+            <a:schemeClr val="accent1"/>
+          </a:fillRef>
+          <a:effectRef idx="0">
+            <a:schemeClr val="accent1"/>
+          </a:effectRef>
+          <a:fontRef idx="minor">
+            <a:schemeClr val="tx1"/>
+          </a:fontRef>
+        </p:style>
+      </p:cxnSp>
+      <p:sp>
+        <p:nvSpPr>
+          <p:cNvPr id="21" name="TextBox 20">
+            <a:extLst>
+              <a:ext uri="{FF2B5EF4-FFF2-40B4-BE49-F238E27FC236}">
+                <a16:creationId xmlns:a16="http://schemas.microsoft.com/office/drawing/2014/main" id="{C479DE24-C176-6E35-8037-E69213F362EF}"/>
+              </a:ext>
+            </a:extLst>
+          </p:cNvPr>
+          <p:cNvSpPr txBox="1"/>
+          <p:nvPr/>
+        </p:nvSpPr>
+        <p:spPr>
+          <a:xfrm>
+            <a:off x="5944223" y="1827282"/>
+            <a:ext cx="2155548" cy="338554"/>
+          </a:xfrm>
+          <a:prstGeom prst="rect">
+            <a:avLst/>
+          </a:prstGeom>
+          <a:noFill/>
+        </p:spPr>
+        <p:txBody>
+          <a:bodyPr wrap="square" rtlCol="0">
+            <a:spAutoFit/>
+          </a:bodyPr>
+          <a:lstStyle/>
+          <a:p>
+            <a:r>
+              <a:rPr lang="en-CH" sz="1600" dirty="0">
+                <a:latin typeface="Arial" panose="020B0604020202020204" pitchFamily="34" charset="0"/>
+                <a:cs typeface="Arial" panose="020B0604020202020204" pitchFamily="34" charset="0"/>
+              </a:rPr>
+              <a:t>Model Parameters</a:t>
+            </a:r>
+          </a:p>
+        </p:txBody>
+      </p:sp>
+      <p:cxnSp>
+        <p:nvCxnSpPr>
+          <p:cNvPr id="22" name="Straight Arrow Connector 21">
+            <a:extLst>
+              <a:ext uri="{FF2B5EF4-FFF2-40B4-BE49-F238E27FC236}">
+                <a16:creationId xmlns:a16="http://schemas.microsoft.com/office/drawing/2014/main" id="{BEF65B9A-897D-6981-2213-855F9331EAAA}"/>
+              </a:ext>
+            </a:extLst>
+          </p:cNvPr>
+          <p:cNvCxnSpPr>
+            <a:cxnSpLocks/>
+          </p:cNvCxnSpPr>
+          <p:nvPr/>
+        </p:nvCxnSpPr>
+        <p:spPr>
+          <a:xfrm flipH="1" flipV="1">
+            <a:off x="6115050" y="1252330"/>
+            <a:ext cx="653497" cy="620606"/>
+          </a:xfrm>
+          <a:prstGeom prst="straightConnector1">
+            <a:avLst/>
+          </a:prstGeom>
+          <a:ln w="28575">
+            <a:solidFill>
+              <a:schemeClr val="tx1"/>
+            </a:solidFill>
+            <a:tailEnd type="triangle"/>
+          </a:ln>
+        </p:spPr>
+        <p:style>
+          <a:lnRef idx="1">
+            <a:schemeClr val="accent1"/>
+          </a:lnRef>
+          <a:fillRef idx="0">
+            <a:schemeClr val="accent1"/>
+          </a:fillRef>
+          <a:effectRef idx="0">
+            <a:schemeClr val="accent1"/>
+          </a:effectRef>
+          <a:fontRef idx="minor">
+            <a:schemeClr val="tx1"/>
+          </a:fontRef>
+        </p:style>
+      </p:cxnSp>
+    </p:spTree>
+    <p:extLst>
+      <p:ext uri="{BB962C8B-B14F-4D97-AF65-F5344CB8AC3E}">
+        <p14:creationId xmlns:p14="http://schemas.microsoft.com/office/powerpoint/2010/main" val="1463132618"/>
+      </p:ext>
+    </p:extLst>
+  </p:cSld>
+  <p:clrMapOvr>
+    <a:masterClrMapping/>
+  </p:clrMapOvr>
+</p:sld>
+</file>
+
+<file path=ppt/slides/slide26.xml><?xml version="1.0" encoding="utf-8"?>
+<p:sld xmlns:a="http://schemas.openxmlformats.org/drawingml/2006/main" xmlns:r="http://schemas.openxmlformats.org/officeDocument/2006/relationships" xmlns:p="http://schemas.openxmlformats.org/presentationml/2006/main">
+  <p:cSld>
+    <p:spTree>
+      <p:nvGrpSpPr>
+        <p:cNvPr id="1" name=""/>
+        <p:cNvGrpSpPr/>
+        <p:nvPr/>
+      </p:nvGrpSpPr>
+      <p:grpSpPr>
+        <a:xfrm>
+          <a:off x="0" y="0"/>
+          <a:ext cx="0" cy="0"/>
+          <a:chOff x="0" y="0"/>
+          <a:chExt cx="0" cy="0"/>
+        </a:xfrm>
+      </p:grpSpPr>
+      <p:sp>
+        <p:nvSpPr>
+          <p:cNvPr id="2" name="Title 1">
+            <a:extLst>
+              <a:ext uri="{FF2B5EF4-FFF2-40B4-BE49-F238E27FC236}">
+                <a16:creationId xmlns:a16="http://schemas.microsoft.com/office/drawing/2014/main" id="{D2B09521-F730-E300-822B-74B25C7E11BF}"/>
+              </a:ext>
+            </a:extLst>
+          </p:cNvPr>
+          <p:cNvSpPr>
+            <a:spLocks noGrp="1"/>
+          </p:cNvSpPr>
+          <p:nvPr>
+            <p:ph type="title"/>
+          </p:nvPr>
+        </p:nvSpPr>
+        <p:spPr/>
+        <p:txBody>
+          <a:bodyPr/>
+          <a:lstStyle/>
+          <a:p>
+            <a:r>
+              <a:rPr lang="en-GB" dirty="0"/>
+              <a:t>M</a:t>
+            </a:r>
+            <a:r>
+              <a:rPr lang="en-CH" dirty="0"/>
+              <a:t>ini-Batch GD</a:t>
+            </a:r>
+          </a:p>
+        </p:txBody>
+      </p:sp>
+      <p:pic>
+        <p:nvPicPr>
+          <p:cNvPr id="3" name="Picture 2">
+            <a:extLst>
+              <a:ext uri="{FF2B5EF4-FFF2-40B4-BE49-F238E27FC236}">
+                <a16:creationId xmlns:a16="http://schemas.microsoft.com/office/drawing/2014/main" id="{843F815D-6BA4-9772-F3BE-E09B4257B009}"/>
+              </a:ext>
+            </a:extLst>
+          </p:cNvPr>
+          <p:cNvPicPr>
+            <a:picLocks noChangeAspect="1"/>
+          </p:cNvPicPr>
+          <p:nvPr/>
+        </p:nvPicPr>
+        <p:blipFill>
+          <a:blip r:embed="rId2"/>
+          <a:stretch>
+            <a:fillRect/>
+          </a:stretch>
+        </p:blipFill>
+        <p:spPr>
+          <a:xfrm>
+            <a:off x="4613413" y="365125"/>
+            <a:ext cx="6896100" cy="1473200"/>
+          </a:xfrm>
+          <a:prstGeom prst="rect">
+            <a:avLst/>
+          </a:prstGeom>
+        </p:spPr>
+      </p:pic>
+      <mc:AlternateContent xmlns:mc="http://schemas.openxmlformats.org/markup-compatibility/2006" xmlns:a14="http://schemas.microsoft.com/office/drawing/2010/main">
+        <mc:Choice Requires="a14">
+          <p:sp>
+            <p:nvSpPr>
+              <p:cNvPr id="8" name="TextBox 7">
+                <a:extLst>
+                  <a:ext uri="{FF2B5EF4-FFF2-40B4-BE49-F238E27FC236}">
+                    <a16:creationId xmlns:a16="http://schemas.microsoft.com/office/drawing/2014/main" id="{F1A53650-5B68-AA14-4682-9B72C7BCC13B}"/>
+                  </a:ext>
+                </a:extLst>
+              </p:cNvPr>
+              <p:cNvSpPr txBox="1"/>
+              <p:nvPr/>
+            </p:nvSpPr>
+            <p:spPr>
+              <a:xfrm>
+                <a:off x="5261941" y="1506022"/>
+                <a:ext cx="1488385" cy="461665"/>
+              </a:xfrm>
+              <a:prstGeom prst="rect">
+                <a:avLst/>
+              </a:prstGeom>
+              <a:noFill/>
+            </p:spPr>
+            <p:txBody>
+              <a:bodyPr wrap="square">
+                <a:spAutoFit/>
+              </a:bodyPr>
+              <a:lstStyle/>
+              <a:p>
+                <a:pPr/>
+                <a14:m>
+                  <m:oMathPara xmlns:m="http://schemas.openxmlformats.org/officeDocument/2006/math">
+                    <m:oMathParaPr>
+                      <m:jc m:val="centerGroup"/>
+                    </m:oMathParaPr>
+                    <m:oMath xmlns:m="http://schemas.openxmlformats.org/officeDocument/2006/math">
+                      <m:r>
+                        <a:rPr lang="de-DE" sz="2400" b="0" i="1" smtClean="0">
+                          <a:latin typeface="Cambria Math" panose="02040503050406030204" pitchFamily="18" charset="0"/>
+                        </a:rPr>
+                        <m:t>𝑚</m:t>
+                      </m:r>
+                      <m:r>
+                        <a:rPr lang="de-DE" sz="2400" b="0" i="1" smtClean="0">
+                          <a:latin typeface="Cambria Math" panose="02040503050406030204" pitchFamily="18" charset="0"/>
+                        </a:rPr>
+                        <m:t>&lt;</m:t>
+                      </m:r>
+                      <m:r>
+                        <a:rPr lang="de-DE" sz="2400" b="0" i="1" smtClean="0">
+                          <a:latin typeface="Cambria Math" panose="02040503050406030204" pitchFamily="18" charset="0"/>
+                        </a:rPr>
+                        <m:t>𝑀</m:t>
+                      </m:r>
+                    </m:oMath>
+                  </m:oMathPara>
+                </a14:m>
+                <a:endParaRPr lang="en-CH" sz="2400" dirty="0"/>
+              </a:p>
+            </p:txBody>
+          </p:sp>
+        </mc:Choice>
+        <mc:Fallback xmlns="">
+          <p:sp>
+            <p:nvSpPr>
+              <p:cNvPr id="8" name="TextBox 7">
+                <a:extLst>
+                  <a:ext uri="{FF2B5EF4-FFF2-40B4-BE49-F238E27FC236}">
+                    <a16:creationId xmlns:a16="http://schemas.microsoft.com/office/drawing/2014/main" id="{F1A53650-5B68-AA14-4682-9B72C7BCC13B}"/>
+                  </a:ext>
+                </a:extLst>
+              </p:cNvPr>
+              <p:cNvSpPr txBox="1">
+                <a:spLocks noRot="1" noChangeAspect="1" noMove="1" noResize="1" noEditPoints="1" noAdjustHandles="1" noChangeArrowheads="1" noChangeShapeType="1" noTextEdit="1"/>
+              </p:cNvSpPr>
+              <p:nvPr/>
+            </p:nvSpPr>
+            <p:spPr>
+              <a:xfrm>
+                <a:off x="5261941" y="1506022"/>
+                <a:ext cx="1488385" cy="461665"/>
+              </a:xfrm>
+              <a:prstGeom prst="rect">
+                <a:avLst/>
+              </a:prstGeom>
+              <a:blipFill>
+                <a:blip r:embed="rId3"/>
+                <a:stretch>
+                  <a:fillRect/>
+                </a:stretch>
+              </a:blipFill>
+            </p:spPr>
+            <p:txBody>
+              <a:bodyPr/>
+              <a:lstStyle/>
+              <a:p>
+                <a:r>
+                  <a:rPr lang="en-CH">
+                    <a:noFill/>
+                  </a:rPr>
+                  <a:t> </a:t>
+                </a:r>
+              </a:p>
+            </p:txBody>
+          </p:sp>
+        </mc:Fallback>
+      </mc:AlternateContent>
+      <p:grpSp>
+        <p:nvGrpSpPr>
+          <p:cNvPr id="11" name="Group 10">
+            <a:extLst>
+              <a:ext uri="{FF2B5EF4-FFF2-40B4-BE49-F238E27FC236}">
+                <a16:creationId xmlns:a16="http://schemas.microsoft.com/office/drawing/2014/main" id="{35C2DD48-2832-B3FC-CC27-4D2DD39785C8}"/>
+              </a:ext>
+            </a:extLst>
+          </p:cNvPr>
+          <p:cNvGrpSpPr/>
+          <p:nvPr/>
+        </p:nvGrpSpPr>
+        <p:grpSpPr>
+          <a:xfrm>
+            <a:off x="2030480" y="1967687"/>
+            <a:ext cx="7772400" cy="4877237"/>
+            <a:chOff x="2119933" y="2185416"/>
+            <a:chExt cx="7772400" cy="4877237"/>
+          </a:xfrm>
+        </p:grpSpPr>
+        <p:pic>
+          <p:nvPicPr>
+            <p:cNvPr id="9" name="Picture 8">
+              <a:extLst>
+                <a:ext uri="{FF2B5EF4-FFF2-40B4-BE49-F238E27FC236}">
+                  <a16:creationId xmlns:a16="http://schemas.microsoft.com/office/drawing/2014/main" id="{DBBC85CD-B88F-730A-EE46-F4BFAFAC0340}"/>
+                </a:ext>
+              </a:extLst>
+            </p:cNvPr>
+            <p:cNvPicPr>
+              <a:picLocks noChangeAspect="1"/>
+            </p:cNvPicPr>
+            <p:nvPr/>
+          </p:nvPicPr>
+          <p:blipFill>
+            <a:blip r:embed="rId4"/>
+            <a:stretch>
+              <a:fillRect/>
+            </a:stretch>
+          </p:blipFill>
+          <p:spPr>
+            <a:xfrm>
+              <a:off x="2119933" y="2185416"/>
+              <a:ext cx="7772400" cy="1243584"/>
+            </a:xfrm>
+            <a:prstGeom prst="rect">
+              <a:avLst/>
+            </a:prstGeom>
+          </p:spPr>
+        </p:pic>
+        <p:pic>
+          <p:nvPicPr>
+            <p:cNvPr id="10" name="Picture 9">
+              <a:extLst>
+                <a:ext uri="{FF2B5EF4-FFF2-40B4-BE49-F238E27FC236}">
+                  <a16:creationId xmlns:a16="http://schemas.microsoft.com/office/drawing/2014/main" id="{DB0E9B8B-002A-C797-54CD-2727553D300C}"/>
+                </a:ext>
+              </a:extLst>
+            </p:cNvPr>
+            <p:cNvPicPr>
+              <a:picLocks noChangeAspect="1"/>
+            </p:cNvPicPr>
+            <p:nvPr/>
+          </p:nvPicPr>
+          <p:blipFill>
+            <a:blip r:embed="rId5"/>
+            <a:stretch>
+              <a:fillRect/>
+            </a:stretch>
+          </p:blipFill>
+          <p:spPr>
+            <a:xfrm>
+              <a:off x="2209800" y="3429000"/>
+              <a:ext cx="7600122" cy="3633653"/>
+            </a:xfrm>
+            <a:prstGeom prst="rect">
+              <a:avLst/>
+            </a:prstGeom>
+          </p:spPr>
+        </p:pic>
+      </p:grpSp>
+    </p:spTree>
+    <p:extLst>
+      <p:ext uri="{BB962C8B-B14F-4D97-AF65-F5344CB8AC3E}">
+        <p14:creationId xmlns:p14="http://schemas.microsoft.com/office/powerpoint/2010/main" val="2907046738"/>
+      </p:ext>
+    </p:extLst>
+  </p:cSld>
+  <p:clrMapOvr>
+    <a:masterClrMapping/>
+  </p:clrMapOvr>
+</p:sld>
+</file>
+
+<file path=ppt/slides/slide27.xml><?xml version="1.0" encoding="utf-8"?>
+<p:sld xmlns:a="http://schemas.openxmlformats.org/drawingml/2006/main" xmlns:r="http://schemas.openxmlformats.org/officeDocument/2006/relationships" xmlns:p="http://schemas.openxmlformats.org/presentationml/2006/main">
+  <p:cSld>
+    <p:spTree>
+      <p:nvGrpSpPr>
+        <p:cNvPr id="1" name=""/>
+        <p:cNvGrpSpPr/>
+        <p:nvPr/>
+      </p:nvGrpSpPr>
+      <p:grpSpPr>
+        <a:xfrm>
+          <a:off x="0" y="0"/>
+          <a:ext cx="0" cy="0"/>
+          <a:chOff x="0" y="0"/>
+          <a:chExt cx="0" cy="0"/>
+        </a:xfrm>
+      </p:grpSpPr>
+      <p:sp>
+        <p:nvSpPr>
+          <p:cNvPr id="2" name="Title 1">
+            <a:extLst>
+              <a:ext uri="{FF2B5EF4-FFF2-40B4-BE49-F238E27FC236}">
+                <a16:creationId xmlns:a16="http://schemas.microsoft.com/office/drawing/2014/main" id="{D2B09521-F730-E300-822B-74B25C7E11BF}"/>
+              </a:ext>
+            </a:extLst>
+          </p:cNvPr>
+          <p:cNvSpPr>
+            <a:spLocks noGrp="1"/>
+          </p:cNvSpPr>
+          <p:nvPr>
+            <p:ph type="title"/>
+          </p:nvPr>
+        </p:nvSpPr>
+        <p:spPr/>
+        <p:txBody>
+          <a:bodyPr/>
+          <a:lstStyle/>
+          <a:p>
+            <a:r>
+              <a:rPr lang="en-CH" dirty="0"/>
+              <a:t>Stochastic GD</a:t>
+            </a:r>
+          </a:p>
+        </p:txBody>
+      </p:sp>
+      <p:pic>
+        <p:nvPicPr>
+          <p:cNvPr id="3" name="Picture 2">
+            <a:extLst>
+              <a:ext uri="{FF2B5EF4-FFF2-40B4-BE49-F238E27FC236}">
+                <a16:creationId xmlns:a16="http://schemas.microsoft.com/office/drawing/2014/main" id="{E6272396-592C-8B93-0CCE-527989429757}"/>
+              </a:ext>
+            </a:extLst>
+          </p:cNvPr>
+          <p:cNvPicPr>
+            <a:picLocks noChangeAspect="1"/>
+          </p:cNvPicPr>
+          <p:nvPr/>
+        </p:nvPicPr>
+        <p:blipFill>
+          <a:blip r:embed="rId2"/>
+          <a:stretch>
+            <a:fillRect/>
+          </a:stretch>
+        </p:blipFill>
+        <p:spPr>
+          <a:xfrm>
+            <a:off x="4613413" y="365125"/>
+            <a:ext cx="6896100" cy="1473200"/>
+          </a:xfrm>
+          <a:prstGeom prst="rect">
+            <a:avLst/>
+          </a:prstGeom>
+        </p:spPr>
+      </p:pic>
+      <mc:AlternateContent xmlns:mc="http://schemas.openxmlformats.org/markup-compatibility/2006" xmlns:a14="http://schemas.microsoft.com/office/drawing/2010/main">
+        <mc:Choice Requires="a14">
+          <p:sp>
+            <p:nvSpPr>
+              <p:cNvPr id="6" name="TextBox 5">
+                <a:extLst>
+                  <a:ext uri="{FF2B5EF4-FFF2-40B4-BE49-F238E27FC236}">
+                    <a16:creationId xmlns:a16="http://schemas.microsoft.com/office/drawing/2014/main" id="{C35D7462-B86A-4DC2-564A-CB042B8F6283}"/>
+                  </a:ext>
+                </a:extLst>
+              </p:cNvPr>
+              <p:cNvSpPr txBox="1"/>
+              <p:nvPr/>
+            </p:nvSpPr>
+            <p:spPr>
+              <a:xfrm>
+                <a:off x="5261941" y="1506022"/>
+                <a:ext cx="1488385" cy="461665"/>
+              </a:xfrm>
+              <a:prstGeom prst="rect">
+                <a:avLst/>
+              </a:prstGeom>
+              <a:noFill/>
+            </p:spPr>
+            <p:txBody>
+              <a:bodyPr wrap="square">
+                <a:spAutoFit/>
+              </a:bodyPr>
+              <a:lstStyle/>
+              <a:p>
+                <a:pPr/>
+                <a14:m>
+                  <m:oMathPara xmlns:m="http://schemas.openxmlformats.org/officeDocument/2006/math">
+                    <m:oMathParaPr>
+                      <m:jc m:val="centerGroup"/>
+                    </m:oMathParaPr>
+                    <m:oMath xmlns:m="http://schemas.openxmlformats.org/officeDocument/2006/math">
+                      <m:r>
+                        <a:rPr lang="de-DE" sz="2400" b="0" i="1" smtClean="0">
+                          <a:latin typeface="Cambria Math" panose="02040503050406030204" pitchFamily="18" charset="0"/>
+                        </a:rPr>
+                        <m:t>𝑚</m:t>
+                      </m:r>
+                      <m:r>
+                        <a:rPr lang="de-DE" sz="2400" b="0" i="1" smtClean="0">
+                          <a:latin typeface="Cambria Math" panose="02040503050406030204" pitchFamily="18" charset="0"/>
+                        </a:rPr>
+                        <m:t>=1</m:t>
+                      </m:r>
+                    </m:oMath>
+                  </m:oMathPara>
+                </a14:m>
+                <a:endParaRPr lang="en-CH" sz="2400" dirty="0"/>
+              </a:p>
+            </p:txBody>
+          </p:sp>
+        </mc:Choice>
+        <mc:Fallback xmlns="">
+          <p:sp>
+            <p:nvSpPr>
+              <p:cNvPr id="6" name="TextBox 5">
+                <a:extLst>
+                  <a:ext uri="{FF2B5EF4-FFF2-40B4-BE49-F238E27FC236}">
+                    <a16:creationId xmlns:a16="http://schemas.microsoft.com/office/drawing/2014/main" id="{C35D7462-B86A-4DC2-564A-CB042B8F6283}"/>
+                  </a:ext>
+                </a:extLst>
+              </p:cNvPr>
+              <p:cNvSpPr txBox="1">
+                <a:spLocks noRot="1" noChangeAspect="1" noMove="1" noResize="1" noEditPoints="1" noAdjustHandles="1" noChangeArrowheads="1" noChangeShapeType="1" noTextEdit="1"/>
+              </p:cNvSpPr>
+              <p:nvPr/>
+            </p:nvSpPr>
+            <p:spPr>
+              <a:xfrm>
+                <a:off x="5261941" y="1506022"/>
+                <a:ext cx="1488385" cy="461665"/>
+              </a:xfrm>
+              <a:prstGeom prst="rect">
+                <a:avLst/>
+              </a:prstGeom>
+              <a:blipFill>
+                <a:blip r:embed="rId3"/>
+                <a:stretch>
+                  <a:fillRect/>
+                </a:stretch>
+              </a:blipFill>
+            </p:spPr>
+            <p:txBody>
+              <a:bodyPr/>
+              <a:lstStyle/>
+              <a:p>
+                <a:r>
+                  <a:rPr lang="en-CH">
+                    <a:noFill/>
+                  </a:rPr>
+                  <a:t> </a:t>
+                </a:r>
+              </a:p>
+            </p:txBody>
+          </p:sp>
+        </mc:Fallback>
+      </mc:AlternateContent>
+      <p:pic>
+        <p:nvPicPr>
+          <p:cNvPr id="7" name="Picture 6">
+            <a:extLst>
+              <a:ext uri="{FF2B5EF4-FFF2-40B4-BE49-F238E27FC236}">
+                <a16:creationId xmlns:a16="http://schemas.microsoft.com/office/drawing/2014/main" id="{2E6EFF1E-DF80-B720-2AE5-F46E1657E871}"/>
+              </a:ext>
+            </a:extLst>
+          </p:cNvPr>
+          <p:cNvPicPr>
+            <a:picLocks noChangeAspect="1"/>
+          </p:cNvPicPr>
+          <p:nvPr/>
+        </p:nvPicPr>
+        <p:blipFill>
+          <a:blip r:embed="rId4"/>
+          <a:stretch>
+            <a:fillRect/>
+          </a:stretch>
+        </p:blipFill>
+        <p:spPr>
+          <a:xfrm>
+            <a:off x="1891747" y="1967687"/>
+            <a:ext cx="7772400" cy="4918128"/>
+          </a:xfrm>
+          <a:prstGeom prst="rect">
+            <a:avLst/>
+          </a:prstGeom>
+        </p:spPr>
+      </p:pic>
+    </p:spTree>
+    <p:extLst>
+      <p:ext uri="{BB962C8B-B14F-4D97-AF65-F5344CB8AC3E}">
+        <p14:creationId xmlns:p14="http://schemas.microsoft.com/office/powerpoint/2010/main" val="3933558213"/>
+      </p:ext>
+    </p:extLst>
+  </p:cSld>
+  <p:clrMapOvr>
+    <a:masterClrMapping/>
+  </p:clrMapOvr>
+</p:sld>
+</file>
+
+<file path=ppt/slides/slide28.xml><?xml version="1.0" encoding="utf-8"?>
+<p:sld xmlns:a="http://schemas.openxmlformats.org/drawingml/2006/main" xmlns:r="http://schemas.openxmlformats.org/officeDocument/2006/relationships" xmlns:p="http://schemas.openxmlformats.org/presentationml/2006/main">
+  <p:cSld>
+    <p:spTree>
+      <p:nvGrpSpPr>
+        <p:cNvPr id="1" name=""/>
+        <p:cNvGrpSpPr/>
+        <p:nvPr/>
+      </p:nvGrpSpPr>
+      <p:grpSpPr>
+        <a:xfrm>
+          <a:off x="0" y="0"/>
+          <a:ext cx="0" cy="0"/>
+          <a:chOff x="0" y="0"/>
+          <a:chExt cx="0" cy="0"/>
+        </a:xfrm>
+      </p:grpSpPr>
+      <p:sp>
+        <p:nvSpPr>
+          <p:cNvPr id="2" name="Title 1">
+            <a:extLst>
+              <a:ext uri="{FF2B5EF4-FFF2-40B4-BE49-F238E27FC236}">
+                <a16:creationId xmlns:a16="http://schemas.microsoft.com/office/drawing/2014/main" id="{939CBA74-E3A0-C3A5-AE69-6A15EB6959C9}"/>
+              </a:ext>
+            </a:extLst>
+          </p:cNvPr>
+          <p:cNvSpPr>
+            <a:spLocks noGrp="1"/>
+          </p:cNvSpPr>
+          <p:nvPr>
+            <p:ph type="title"/>
+          </p:nvPr>
+        </p:nvSpPr>
+        <p:spPr/>
+        <p:txBody>
+          <a:bodyPr/>
+          <a:lstStyle/>
+          <a:p>
+            <a:r>
+              <a:rPr lang="en-CH" dirty="0"/>
+              <a:t>The right mini-batch size</a:t>
+            </a:r>
+          </a:p>
+        </p:txBody>
+      </p:sp>
+      <p:pic>
+        <p:nvPicPr>
+          <p:cNvPr id="4" name="Picture 3">
+            <a:extLst>
+              <a:ext uri="{FF2B5EF4-FFF2-40B4-BE49-F238E27FC236}">
+                <a16:creationId xmlns:a16="http://schemas.microsoft.com/office/drawing/2014/main" id="{1FD79795-2C5A-13DE-8A70-5A160CA06183}"/>
+              </a:ext>
+            </a:extLst>
+          </p:cNvPr>
+          <p:cNvPicPr>
+            <a:picLocks noChangeAspect="1"/>
+          </p:cNvPicPr>
+          <p:nvPr/>
+        </p:nvPicPr>
+        <p:blipFill>
+          <a:blip r:embed="rId2"/>
+          <a:stretch>
+            <a:fillRect/>
+          </a:stretch>
+        </p:blipFill>
+        <p:spPr>
+          <a:xfrm>
+            <a:off x="1376569" y="1480551"/>
+            <a:ext cx="9438861" cy="5377449"/>
+          </a:xfrm>
+          <a:prstGeom prst="rect">
+            <a:avLst/>
+          </a:prstGeom>
+        </p:spPr>
+      </p:pic>
+    </p:spTree>
+    <p:extLst>
+      <p:ext uri="{BB962C8B-B14F-4D97-AF65-F5344CB8AC3E}">
+        <p14:creationId xmlns:p14="http://schemas.microsoft.com/office/powerpoint/2010/main" val="1972168193"/>
+      </p:ext>
+    </p:extLst>
+  </p:cSld>
+  <p:clrMapOvr>
+    <a:masterClrMapping/>
+  </p:clrMapOvr>
+</p:sld>
+</file>
+
+<file path=ppt/slides/slide3.xml><?xml version="1.0" encoding="utf-8"?>
+<p:sld xmlns:a="http://schemas.openxmlformats.org/drawingml/2006/main" xmlns:r="http://schemas.openxmlformats.org/officeDocument/2006/relationships" xmlns:p="http://schemas.openxmlformats.org/presentationml/2006/main">
+  <p:cSld>
+    <p:spTree>
+      <p:nvGrpSpPr>
+        <p:cNvPr id="1" name=""/>
+        <p:cNvGrpSpPr/>
+        <p:nvPr/>
+      </p:nvGrpSpPr>
+      <p:grpSpPr>
+        <a:xfrm>
+          <a:off x="0" y="0"/>
+          <a:ext cx="0" cy="0"/>
+          <a:chOff x="0" y="0"/>
+          <a:chExt cx="0" cy="0"/>
+        </a:xfrm>
+      </p:grpSpPr>
+      <p:sp>
+        <p:nvSpPr>
+          <p:cNvPr id="2" name="Title 1">
+            <a:extLst>
+              <a:ext uri="{FF2B5EF4-FFF2-40B4-BE49-F238E27FC236}">
+                <a16:creationId xmlns:a16="http://schemas.microsoft.com/office/drawing/2014/main" id="{05E2E573-52F8-95DA-B12D-D8EC2B8E1572}"/>
+              </a:ext>
+            </a:extLst>
+          </p:cNvPr>
+          <p:cNvSpPr>
+            <a:spLocks noGrp="1"/>
+          </p:cNvSpPr>
+          <p:nvPr>
+            <p:ph type="title"/>
+          </p:nvPr>
+        </p:nvSpPr>
+        <p:spPr/>
+        <p:txBody>
+          <a:bodyPr/>
+          <a:lstStyle/>
+          <a:p>
+            <a:r>
+              <a:rPr lang="en-CH" dirty="0"/>
+              <a:t>Optimiser – a definition</a:t>
+            </a:r>
+          </a:p>
+        </p:txBody>
+      </p:sp>
+      <p:sp>
+        <p:nvSpPr>
+          <p:cNvPr id="3" name="Content Placeholder 2">
+            <a:extLst>
+              <a:ext uri="{FF2B5EF4-FFF2-40B4-BE49-F238E27FC236}">
+                <a16:creationId xmlns:a16="http://schemas.microsoft.com/office/drawing/2014/main" id="{735606C8-601D-FD44-6591-4316DCB56A22}"/>
+              </a:ext>
+            </a:extLst>
+          </p:cNvPr>
+          <p:cNvSpPr>
+            <a:spLocks noGrp="1"/>
+          </p:cNvSpPr>
+          <p:nvPr>
+            <p:ph idx="1"/>
+          </p:nvPr>
+        </p:nvSpPr>
+        <p:spPr/>
+        <p:txBody>
+          <a:bodyPr/>
+          <a:lstStyle/>
+          <a:p>
+            <a:pPr marL="0" indent="0">
+              <a:buNone/>
+            </a:pPr>
+            <a:r>
+              <a:rPr lang="en-GB" dirty="0"/>
+              <a:t>In machine learning, an </a:t>
+            </a:r>
+            <a:r>
+              <a:rPr lang="en-GB" b="1" dirty="0"/>
+              <a:t>optimizer</a:t>
+            </a:r>
+            <a:r>
+              <a:rPr lang="en-GB" dirty="0"/>
+              <a:t> is an algorithm or method used to change the attributes of an algorithm (for example a neural network), such as weights, to reduce the loss function. </a:t>
+            </a:r>
+          </a:p>
+          <a:p>
+            <a:pPr marL="0" indent="0">
+              <a:buNone/>
+            </a:pPr>
+            <a:r>
+              <a:rPr lang="en-GB" dirty="0"/>
+              <a:t>Optimizers are used to solve optimization problems by minimizing (or maximizing) an objective function. </a:t>
+            </a:r>
+          </a:p>
+          <a:p>
+            <a:pPr marL="0" indent="0">
+              <a:buNone/>
+            </a:pPr>
+            <a:r>
+              <a:rPr lang="en-GB" dirty="0"/>
+              <a:t>The choice of the optimizer can significantly influence the speed and quality of the learning process.</a:t>
+            </a:r>
+            <a:br>
+              <a:rPr lang="en-GB" dirty="0"/>
+            </a:br>
+            <a:endParaRPr lang="en-CH" dirty="0"/>
+          </a:p>
+        </p:txBody>
+      </p:sp>
+    </p:spTree>
+    <p:extLst>
+      <p:ext uri="{BB962C8B-B14F-4D97-AF65-F5344CB8AC3E}">
+        <p14:creationId xmlns:p14="http://schemas.microsoft.com/office/powerpoint/2010/main" val="1729733301"/>
+      </p:ext>
+    </p:extLst>
+  </p:cSld>
+  <p:clrMapOvr>
+    <a:masterClrMapping/>
+  </p:clrMapOvr>
+</p:sld>
+</file>
+
+<file path=ppt/slides/slide4.xml><?xml version="1.0" encoding="utf-8"?>
+<p:sld xmlns:a="http://schemas.openxmlformats.org/drawingml/2006/main" xmlns:r="http://schemas.openxmlformats.org/officeDocument/2006/relationships" xmlns:p="http://schemas.openxmlformats.org/presentationml/2006/main">
+  <p:cSld>
+    <p:spTree>
+      <p:nvGrpSpPr>
+        <p:cNvPr id="1" name=""/>
+        <p:cNvGrpSpPr/>
+        <p:nvPr/>
+      </p:nvGrpSpPr>
+      <p:grpSpPr>
+        <a:xfrm>
+          <a:off x="0" y="0"/>
+          <a:ext cx="0" cy="0"/>
+          <a:chOff x="0" y="0"/>
+          <a:chExt cx="0" cy="0"/>
+        </a:xfrm>
+      </p:grpSpPr>
+      <p:sp>
+        <p:nvSpPr>
+          <p:cNvPr id="2" name="Title 1">
+            <a:extLst>
+              <a:ext uri="{FF2B5EF4-FFF2-40B4-BE49-F238E27FC236}">
+                <a16:creationId xmlns:a16="http://schemas.microsoft.com/office/drawing/2014/main" id="{AA993A83-8673-441B-B423-75DF7CFCA89F}"/>
+              </a:ext>
+            </a:extLst>
+          </p:cNvPr>
+          <p:cNvSpPr>
+            <a:spLocks noGrp="1"/>
+          </p:cNvSpPr>
+          <p:nvPr>
+            <p:ph type="title"/>
+          </p:nvPr>
+        </p:nvSpPr>
+        <p:spPr>
+          <a:xfrm>
+            <a:off x="257432" y="187043"/>
+            <a:ext cx="10515600" cy="808767"/>
+          </a:xfrm>
+        </p:spPr>
+        <p:txBody>
+          <a:bodyPr/>
+          <a:lstStyle/>
+          <a:p>
+            <a:r>
+              <a:rPr lang="en-CH" dirty="0"/>
+              <a:t>L</a:t>
+            </a:r>
+            <a:r>
+              <a:rPr lang="en-GB" dirty="0" err="1"/>
+              <a:t>i</a:t>
+            </a:r>
+            <a:r>
+              <a:rPr lang="en-CH" dirty="0"/>
+              <a:t>ne Search Algorithms</a:t>
+            </a:r>
+          </a:p>
+        </p:txBody>
+      </p:sp>
+      <mc:AlternateContent xmlns:mc="http://schemas.openxmlformats.org/markup-compatibility/2006">
+        <mc:Choice xmlns:a14="http://schemas.microsoft.com/office/drawing/2010/main" Requires="a14">
+          <p:sp>
+            <p:nvSpPr>
+              <p:cNvPr id="3" name="Content Placeholder 2">
+                <a:extLst>
+                  <a:ext uri="{FF2B5EF4-FFF2-40B4-BE49-F238E27FC236}">
+                    <a16:creationId xmlns:a16="http://schemas.microsoft.com/office/drawing/2014/main" id="{F734B5B0-E634-FFBD-55F6-BC5E6331CEC2}"/>
+                  </a:ext>
+                </a:extLst>
+              </p:cNvPr>
+              <p:cNvSpPr>
+                <a:spLocks noGrp="1"/>
+              </p:cNvSpPr>
+              <p:nvPr>
+                <p:ph idx="1"/>
+              </p:nvPr>
+            </p:nvSpPr>
+            <p:spPr>
+              <a:xfrm>
+                <a:off x="838200" y="1293362"/>
+                <a:ext cx="10515600" cy="5008047"/>
+              </a:xfrm>
+            </p:spPr>
+            <p:txBody>
+              <a:bodyPr>
+                <a:normAutofit fontScale="92500" lnSpcReduction="10000"/>
+              </a:bodyPr>
+              <a:lstStyle/>
+              <a:p>
+                <a:pPr marL="0" indent="0">
+                  <a:buNone/>
+                </a:pPr>
+                <a:r>
+                  <a:rPr lang="en-GB" dirty="0"/>
+                  <a:t>In the </a:t>
+                </a:r>
+                <a:r>
+                  <a:rPr lang="en-GB" b="1" dirty="0"/>
+                  <a:t>line search</a:t>
+                </a:r>
+                <a:r>
+                  <a:rPr lang="en-GB" dirty="0"/>
+                  <a:t> approach, the algorithm (the optimiser) chooses a direction 𝑝</a:t>
+                </a:r>
+                <a:r>
+                  <a:rPr lang="en-GB" baseline="-25000" dirty="0"/>
+                  <a:t>𝑘</a:t>
+                </a:r>
+                <a:r>
+                  <a:rPr lang="en-GB" dirty="0"/>
+                  <a:t> and searches along this direction for a new estimate of the location of the extreme value 𝑥</a:t>
+                </a:r>
+                <a:r>
+                  <a:rPr lang="en-GB" baseline="-25000" dirty="0"/>
+                  <a:t>𝑘+1</a:t>
+                </a:r>
+                <a:r>
+                  <a:rPr lang="en-GB" dirty="0"/>
+                  <a:t> when trying to minimize a generic function 𝐿(𝑥). </a:t>
+                </a:r>
+              </a:p>
+              <a:p>
+                <a:pPr marL="0" indent="0">
+                  <a:buNone/>
+                </a:pPr>
+                <a:endParaRPr lang="en-GB" dirty="0"/>
+              </a:p>
+              <a:p>
+                <a:pPr marL="0" indent="0">
+                  <a:buNone/>
+                </a:pPr>
+                <a:r>
+                  <a:rPr lang="en-GB" dirty="0"/>
+                  <a:t>Once a direction 𝑝</a:t>
+                </a:r>
+                <a:r>
+                  <a:rPr lang="en-GB" baseline="-25000" dirty="0"/>
+                  <a:t>𝑘 </a:t>
+                </a:r>
+                <a:r>
+                  <a:rPr lang="en-GB" dirty="0"/>
+                  <a:t>have been chosen , the problem consists in solving for </a:t>
+                </a:r>
+                <a14:m>
+                  <m:oMath xmlns:m="http://schemas.openxmlformats.org/officeDocument/2006/math">
+                    <m:r>
+                      <a:rPr lang="de-CH" b="0" i="1" smtClean="0">
+                        <a:latin typeface="Cambria Math" panose="02040503050406030204" pitchFamily="18" charset="0"/>
+                      </a:rPr>
+                      <m:t>𝛼</m:t>
+                    </m:r>
+                  </m:oMath>
+                </a14:m>
+                <a:endParaRPr lang="en-GB" dirty="0"/>
+              </a:p>
+              <a:p>
+                <a:pPr marL="0" indent="0">
+                  <a:buNone/>
+                </a:pPr>
+                <a:endParaRPr lang="en-GB" dirty="0"/>
+              </a:p>
+              <a:p>
+                <a:pPr marL="0" indent="0">
+                  <a:buNone/>
+                </a:pPr>
+                <a:endParaRPr lang="en-GB" dirty="0"/>
+              </a:p>
+              <a:p>
+                <a:pPr marL="0" indent="0">
+                  <a:buNone/>
+                </a:pPr>
+                <a:endParaRPr lang="en-GB" dirty="0"/>
+              </a:p>
+              <a:p>
+                <a:pPr marL="0" indent="0">
+                  <a:buNone/>
+                </a:pPr>
+                <a:r>
+                  <a:rPr lang="en-GB" dirty="0"/>
+                  <a:t>for each iteration, in other words, one would need to choose the optimal 𝛼 along the direction 𝑝</a:t>
+                </a:r>
+                <a:r>
+                  <a:rPr lang="en-GB" baseline="-25000" dirty="0"/>
+                  <a:t>𝑘</a:t>
+                </a:r>
+                <a:r>
+                  <a:rPr lang="en-GB" dirty="0"/>
+                  <a:t>. </a:t>
+                </a:r>
+              </a:p>
+              <a:p>
+                <a:pPr marL="0" indent="0">
+                  <a:buNone/>
+                </a:pPr>
+                <a:endParaRPr lang="en-GB" dirty="0"/>
+              </a:p>
+              <a:p>
+                <a:endParaRPr lang="en-CH" dirty="0"/>
+              </a:p>
+            </p:txBody>
+          </p:sp>
+        </mc:Choice>
+        <mc:Fallback>
+          <p:sp>
+            <p:nvSpPr>
+              <p:cNvPr id="3" name="Content Placeholder 2">
+                <a:extLst>
+                  <a:ext uri="{FF2B5EF4-FFF2-40B4-BE49-F238E27FC236}">
+                    <a16:creationId xmlns:a16="http://schemas.microsoft.com/office/drawing/2014/main" id="{F734B5B0-E634-FFBD-55F6-BC5E6331CEC2}"/>
+                  </a:ext>
+                </a:extLst>
+              </p:cNvPr>
+              <p:cNvSpPr>
+                <a:spLocks noGrp="1" noRot="1" noChangeAspect="1" noMove="1" noResize="1" noEditPoints="1" noAdjustHandles="1" noChangeArrowheads="1" noChangeShapeType="1" noTextEdit="1"/>
+              </p:cNvSpPr>
+              <p:nvPr>
+                <p:ph idx="1"/>
+              </p:nvPr>
+            </p:nvSpPr>
+            <p:spPr>
+              <a:xfrm>
+                <a:off x="838200" y="1293362"/>
+                <a:ext cx="10515600" cy="5008047"/>
+              </a:xfrm>
+              <a:blipFill>
+                <a:blip r:embed="rId2"/>
+                <a:stretch>
+                  <a:fillRect l="-1086" t="-2525" r="-1448"/>
+                </a:stretch>
+              </a:blipFill>
+            </p:spPr>
+            <p:txBody>
+              <a:bodyPr/>
+              <a:lstStyle/>
+              <a:p>
+                <a:r>
+                  <a:rPr lang="en-CH">
+                    <a:noFill/>
+                  </a:rPr>
+                  <a:t> </a:t>
+                </a:r>
+              </a:p>
+            </p:txBody>
+          </p:sp>
+        </mc:Fallback>
+      </mc:AlternateContent>
+      <p:pic>
+        <p:nvPicPr>
+          <p:cNvPr id="4" name="Picture 3">
+            <a:extLst>
+              <a:ext uri="{FF2B5EF4-FFF2-40B4-BE49-F238E27FC236}">
+                <a16:creationId xmlns:a16="http://schemas.microsoft.com/office/drawing/2014/main" id="{58B9FABD-39FC-DB3C-927E-1B6D54B8F967}"/>
+              </a:ext>
+            </a:extLst>
+          </p:cNvPr>
+          <p:cNvPicPr>
+            <a:picLocks noChangeAspect="1"/>
+          </p:cNvPicPr>
+          <p:nvPr/>
+        </p:nvPicPr>
+        <p:blipFill>
+          <a:blip r:embed="rId3"/>
+          <a:stretch>
+            <a:fillRect/>
+          </a:stretch>
+        </p:blipFill>
+        <p:spPr>
+          <a:xfrm>
+            <a:off x="4117791" y="3923297"/>
+            <a:ext cx="3372821" cy="1131819"/>
+          </a:xfrm>
+          <a:prstGeom prst="rect">
+            <a:avLst/>
+          </a:prstGeom>
+        </p:spPr>
+      </p:pic>
+    </p:spTree>
+    <p:extLst>
+      <p:ext uri="{BB962C8B-B14F-4D97-AF65-F5344CB8AC3E}">
+        <p14:creationId xmlns:p14="http://schemas.microsoft.com/office/powerpoint/2010/main" val="1128985823"/>
+      </p:ext>
+    </p:extLst>
+  </p:cSld>
+  <p:clrMapOvr>
+    <a:masterClrMapping/>
+  </p:clrMapOvr>
+</p:sld>
+</file>
+
+<file path=ppt/slides/slide5.xml><?xml version="1.0" encoding="utf-8"?>
+<p:sld xmlns:a="http://schemas.openxmlformats.org/drawingml/2006/main" xmlns:r="http://schemas.openxmlformats.org/officeDocument/2006/relationships" xmlns:p="http://schemas.openxmlformats.org/presentationml/2006/main">
+  <p:cSld>
+    <p:spTree>
+      <p:nvGrpSpPr>
+        <p:cNvPr id="1" name=""/>
+        <p:cNvGrpSpPr/>
+        <p:nvPr/>
+      </p:nvGrpSpPr>
+      <p:grpSpPr>
+        <a:xfrm>
+          <a:off x="0" y="0"/>
+          <a:ext cx="0" cy="0"/>
+          <a:chOff x="0" y="0"/>
+          <a:chExt cx="0" cy="0"/>
+        </a:xfrm>
+      </p:grpSpPr>
+      <p:sp>
+        <p:nvSpPr>
+          <p:cNvPr id="2" name="Title 1">
+            <a:extLst>
+              <a:ext uri="{FF2B5EF4-FFF2-40B4-BE49-F238E27FC236}">
+                <a16:creationId xmlns:a16="http://schemas.microsoft.com/office/drawing/2014/main" id="{AA993A83-8673-441B-B423-75DF7CFCA89F}"/>
+              </a:ext>
+            </a:extLst>
+          </p:cNvPr>
+          <p:cNvSpPr>
+            <a:spLocks noGrp="1"/>
+          </p:cNvSpPr>
+          <p:nvPr>
+            <p:ph type="title"/>
+          </p:nvPr>
+        </p:nvSpPr>
+        <p:spPr>
+          <a:xfrm>
+            <a:off x="257432" y="187043"/>
+            <a:ext cx="10515600" cy="808767"/>
+          </a:xfrm>
+        </p:spPr>
+        <p:txBody>
+          <a:bodyPr/>
+          <a:lstStyle/>
+          <a:p>
+            <a:r>
+              <a:rPr lang="en-CH" dirty="0"/>
+              <a:t>L</a:t>
+            </a:r>
+            <a:r>
+              <a:rPr lang="en-GB" dirty="0" err="1"/>
+              <a:t>i</a:t>
+            </a:r>
+            <a:r>
+              <a:rPr lang="en-CH" dirty="0"/>
+              <a:t>ne Search Algorithms</a:t>
+            </a:r>
+          </a:p>
+        </p:txBody>
+      </p:sp>
+      <p:sp>
+        <p:nvSpPr>
+          <p:cNvPr id="3" name="Content Placeholder 2">
+            <a:extLst>
+              <a:ext uri="{FF2B5EF4-FFF2-40B4-BE49-F238E27FC236}">
+                <a16:creationId xmlns:a16="http://schemas.microsoft.com/office/drawing/2014/main" id="{F734B5B0-E634-FFBD-55F6-BC5E6331CEC2}"/>
+              </a:ext>
+            </a:extLst>
+          </p:cNvPr>
+          <p:cNvSpPr>
+            <a:spLocks noGrp="1"/>
+          </p:cNvSpPr>
+          <p:nvPr>
+            <p:ph idx="1"/>
+          </p:nvPr>
+        </p:nvSpPr>
+        <p:spPr>
+          <a:xfrm>
+            <a:off x="838200" y="1293362"/>
+            <a:ext cx="10515600" cy="5008047"/>
+          </a:xfrm>
+        </p:spPr>
+        <p:txBody>
+          <a:bodyPr>
+            <a:normAutofit/>
+          </a:bodyPr>
+          <a:lstStyle/>
+          <a:p>
+            <a:pPr marL="0" indent="0">
+              <a:buNone/>
+            </a:pPr>
+            <a:r>
+              <a:rPr lang="de-CH" dirty="0"/>
+              <a:t>In </a:t>
+            </a:r>
+            <a:r>
+              <a:rPr lang="de-CH" dirty="0" err="1"/>
+              <a:t>general</a:t>
+            </a:r>
+            <a:r>
+              <a:rPr lang="de-CH" dirty="0"/>
+              <a:t> </a:t>
+            </a:r>
+            <a:r>
+              <a:rPr lang="de-CH" dirty="0" err="1"/>
+              <a:t>this</a:t>
+            </a:r>
+            <a:r>
+              <a:rPr lang="de-CH" dirty="0"/>
+              <a:t> </a:t>
+            </a:r>
+            <a:r>
+              <a:rPr lang="de-CH" dirty="0" err="1"/>
+              <a:t>cannot</a:t>
+            </a:r>
+            <a:r>
+              <a:rPr lang="de-CH" dirty="0"/>
+              <a:t> </a:t>
+            </a:r>
+            <a:r>
+              <a:rPr lang="de-CH" dirty="0" err="1"/>
+              <a:t>be</a:t>
+            </a:r>
+            <a:r>
+              <a:rPr lang="de-CH" dirty="0"/>
+              <a:t> </a:t>
+            </a:r>
+            <a:r>
+              <a:rPr lang="de-CH" dirty="0" err="1"/>
+              <a:t>solved</a:t>
+            </a:r>
+            <a:r>
+              <a:rPr lang="de-CH" dirty="0"/>
+              <a:t> </a:t>
+            </a:r>
+            <a:r>
+              <a:rPr lang="de-CH" dirty="0" err="1"/>
+              <a:t>exactly</a:t>
+            </a:r>
+            <a:r>
+              <a:rPr lang="de-CH" dirty="0"/>
+              <a:t>.</a:t>
+            </a:r>
+          </a:p>
+          <a:p>
+            <a:pPr marL="0" indent="0">
+              <a:buNone/>
+            </a:pPr>
+            <a:r>
+              <a:rPr lang="en-GB" dirty="0"/>
+              <a:t>This approach is used by choosing a fixed 𝛼 (that is called the </a:t>
+            </a:r>
+            <a:r>
+              <a:rPr lang="en-GB" b="1" dirty="0"/>
+              <a:t>learning rate</a:t>
+            </a:r>
+            <a:r>
+              <a:rPr lang="en-GB" dirty="0"/>
+              <a:t>). After fixing 𝛼 one uses the formula</a:t>
+            </a:r>
+          </a:p>
+          <a:p>
+            <a:pPr marL="0" indent="0">
+              <a:buNone/>
+            </a:pPr>
+            <a:endParaRPr lang="en-CH" dirty="0"/>
+          </a:p>
+        </p:txBody>
+      </p:sp>
+      <p:grpSp>
+        <p:nvGrpSpPr>
+          <p:cNvPr id="13" name="Group 12">
+            <a:extLst>
+              <a:ext uri="{FF2B5EF4-FFF2-40B4-BE49-F238E27FC236}">
+                <a16:creationId xmlns:a16="http://schemas.microsoft.com/office/drawing/2014/main" id="{534C8705-E8A8-308F-E49F-DB993212B80B}"/>
+              </a:ext>
+            </a:extLst>
+          </p:cNvPr>
+          <p:cNvGrpSpPr/>
+          <p:nvPr/>
+        </p:nvGrpSpPr>
+        <p:grpSpPr>
+          <a:xfrm>
+            <a:off x="1872987" y="3285721"/>
+            <a:ext cx="7932268" cy="1705578"/>
+            <a:chOff x="1916530" y="2697892"/>
+            <a:chExt cx="7932268" cy="1705578"/>
+          </a:xfrm>
+        </p:grpSpPr>
+        <p:pic>
+          <p:nvPicPr>
+            <p:cNvPr id="5" name="Picture 4">
+              <a:extLst>
+                <a:ext uri="{FF2B5EF4-FFF2-40B4-BE49-F238E27FC236}">
+                  <a16:creationId xmlns:a16="http://schemas.microsoft.com/office/drawing/2014/main" id="{57F15B14-60A8-B365-5FEF-D1B22DA043AA}"/>
+                </a:ext>
+              </a:extLst>
+            </p:cNvPr>
+            <p:cNvPicPr>
+              <a:picLocks noChangeAspect="1"/>
+            </p:cNvPicPr>
+            <p:nvPr/>
+          </p:nvPicPr>
+          <p:blipFill>
+            <a:blip r:embed="rId2"/>
+            <a:stretch>
+              <a:fillRect/>
+            </a:stretch>
+          </p:blipFill>
+          <p:spPr>
+            <a:xfrm>
+              <a:off x="4215436" y="2697892"/>
+              <a:ext cx="3297471" cy="1057204"/>
+            </a:xfrm>
+            <a:prstGeom prst="rect">
+              <a:avLst/>
+            </a:prstGeom>
+          </p:spPr>
+        </p:pic>
+        <p:sp>
+          <p:nvSpPr>
+            <p:cNvPr id="6" name="TextBox 5">
+              <a:extLst>
+                <a:ext uri="{FF2B5EF4-FFF2-40B4-BE49-F238E27FC236}">
+                  <a16:creationId xmlns:a16="http://schemas.microsoft.com/office/drawing/2014/main" id="{3658A685-4D9F-7E2B-C314-53854A0A35EF}"/>
+                </a:ext>
+              </a:extLst>
+            </p:cNvPr>
+            <p:cNvSpPr txBox="1"/>
+            <p:nvPr/>
+          </p:nvSpPr>
+          <p:spPr>
+            <a:xfrm>
+              <a:off x="7216346" y="3941805"/>
+              <a:ext cx="2632452" cy="461665"/>
+            </a:xfrm>
+            <a:prstGeom prst="rect">
+              <a:avLst/>
+            </a:prstGeom>
+            <a:noFill/>
+          </p:spPr>
+          <p:txBody>
+            <a:bodyPr wrap="none" rtlCol="0">
+              <a:spAutoFit/>
+            </a:bodyPr>
+            <a:lstStyle/>
+            <a:p>
+              <a:r>
+                <a:rPr lang="en-CH" sz="2400" dirty="0">
+                  <a:latin typeface="Arial" panose="020B0604020202020204" pitchFamily="34" charset="0"/>
+                  <a:cs typeface="Arial" panose="020B0604020202020204" pitchFamily="34" charset="0"/>
+                </a:rPr>
+                <a:t>Previous estimate</a:t>
+              </a:r>
+            </a:p>
+          </p:txBody>
+        </p:sp>
+        <p:sp>
+          <p:nvSpPr>
+            <p:cNvPr id="7" name="TextBox 6">
+              <a:extLst>
+                <a:ext uri="{FF2B5EF4-FFF2-40B4-BE49-F238E27FC236}">
+                  <a16:creationId xmlns:a16="http://schemas.microsoft.com/office/drawing/2014/main" id="{0B0D2B3B-B0D6-DE9D-E77D-01311B1F6282}"/>
+                </a:ext>
+              </a:extLst>
+            </p:cNvPr>
+            <p:cNvSpPr txBox="1"/>
+            <p:nvPr/>
+          </p:nvSpPr>
+          <p:spPr>
+            <a:xfrm>
+              <a:off x="1916530" y="3941804"/>
+              <a:ext cx="2050561" cy="461665"/>
+            </a:xfrm>
+            <a:prstGeom prst="rect">
+              <a:avLst/>
+            </a:prstGeom>
+            <a:noFill/>
+          </p:spPr>
+          <p:txBody>
+            <a:bodyPr wrap="none" rtlCol="0">
+              <a:spAutoFit/>
+            </a:bodyPr>
+            <a:lstStyle/>
+            <a:p>
+              <a:r>
+                <a:rPr lang="en-CH" sz="2400" dirty="0">
+                  <a:latin typeface="Arial" panose="020B0604020202020204" pitchFamily="34" charset="0"/>
+                  <a:cs typeface="Arial" panose="020B0604020202020204" pitchFamily="34" charset="0"/>
+                </a:rPr>
+                <a:t>New estimate</a:t>
+              </a:r>
+            </a:p>
+          </p:txBody>
+        </p:sp>
+        <p:cxnSp>
+          <p:nvCxnSpPr>
+            <p:cNvPr id="9" name="Straight Arrow Connector 8">
+              <a:extLst>
+                <a:ext uri="{FF2B5EF4-FFF2-40B4-BE49-F238E27FC236}">
+                  <a16:creationId xmlns:a16="http://schemas.microsoft.com/office/drawing/2014/main" id="{F1B482E0-B8F2-0230-BD9A-02158ECEBB9B}"/>
+                </a:ext>
+              </a:extLst>
+            </p:cNvPr>
+            <p:cNvCxnSpPr/>
+            <p:nvPr/>
+          </p:nvCxnSpPr>
+          <p:spPr>
+            <a:xfrm flipV="1">
+              <a:off x="3085032" y="3332860"/>
+              <a:ext cx="1230594" cy="608944"/>
+            </a:xfrm>
+            <a:prstGeom prst="straightConnector1">
+              <a:avLst/>
+            </a:prstGeom>
+            <a:ln w="38100">
+              <a:solidFill>
+                <a:schemeClr val="tx1"/>
+              </a:solidFill>
+              <a:tailEnd type="triangle"/>
+            </a:ln>
+          </p:spPr>
+          <p:style>
+            <a:lnRef idx="1">
+              <a:schemeClr val="accent1"/>
+            </a:lnRef>
+            <a:fillRef idx="0">
+              <a:schemeClr val="accent1"/>
+            </a:fillRef>
+            <a:effectRef idx="0">
+              <a:schemeClr val="accent1"/>
+            </a:effectRef>
+            <a:fontRef idx="minor">
+              <a:schemeClr val="tx1"/>
+            </a:fontRef>
+          </p:style>
+        </p:cxnSp>
+        <p:cxnSp>
+          <p:nvCxnSpPr>
+            <p:cNvPr id="10" name="Straight Arrow Connector 9">
+              <a:extLst>
+                <a:ext uri="{FF2B5EF4-FFF2-40B4-BE49-F238E27FC236}">
+                  <a16:creationId xmlns:a16="http://schemas.microsoft.com/office/drawing/2014/main" id="{1D09285D-1106-42BF-722C-44D281FD8B6B}"/>
+                </a:ext>
+              </a:extLst>
+            </p:cNvPr>
+            <p:cNvCxnSpPr>
+              <a:cxnSpLocks/>
+            </p:cNvCxnSpPr>
+            <p:nvPr/>
+          </p:nvCxnSpPr>
+          <p:spPr>
+            <a:xfrm flipH="1" flipV="1">
+              <a:off x="6096000" y="3332860"/>
+              <a:ext cx="2321607" cy="608944"/>
+            </a:xfrm>
+            <a:prstGeom prst="straightConnector1">
+              <a:avLst/>
+            </a:prstGeom>
+            <a:ln w="38100">
+              <a:solidFill>
+                <a:schemeClr val="tx1"/>
+              </a:solidFill>
+              <a:tailEnd type="triangle"/>
+            </a:ln>
+          </p:spPr>
+          <p:style>
+            <a:lnRef idx="1">
+              <a:schemeClr val="accent1"/>
+            </a:lnRef>
+            <a:fillRef idx="0">
+              <a:schemeClr val="accent1"/>
+            </a:fillRef>
+            <a:effectRef idx="0">
+              <a:schemeClr val="accent1"/>
+            </a:effectRef>
+            <a:fontRef idx="minor">
+              <a:schemeClr val="tx1"/>
+            </a:fontRef>
+          </p:style>
+        </p:cxnSp>
+      </p:grpSp>
+    </p:spTree>
+    <p:extLst>
+      <p:ext uri="{BB962C8B-B14F-4D97-AF65-F5344CB8AC3E}">
+        <p14:creationId xmlns:p14="http://schemas.microsoft.com/office/powerpoint/2010/main" val="1242000349"/>
+      </p:ext>
+    </p:extLst>
+  </p:cSld>
+  <p:clrMapOvr>
+    <a:masterClrMapping/>
+  </p:clrMapOvr>
+</p:sld>
+</file>
+
+<file path=ppt/slides/slide6.xml><?xml version="1.0" encoding="utf-8"?>
+<p:sld xmlns:a="http://schemas.openxmlformats.org/drawingml/2006/main" xmlns:r="http://schemas.openxmlformats.org/officeDocument/2006/relationships" xmlns:p="http://schemas.openxmlformats.org/presentationml/2006/main">
+  <p:cSld>
+    <p:spTree>
+      <p:nvGrpSpPr>
+        <p:cNvPr id="1" name=""/>
+        <p:cNvGrpSpPr/>
+        <p:nvPr/>
+      </p:nvGrpSpPr>
+      <p:grpSpPr>
+        <a:xfrm>
+          <a:off x="0" y="0"/>
+          <a:ext cx="0" cy="0"/>
+          <a:chOff x="0" y="0"/>
+          <a:chExt cx="0" cy="0"/>
+        </a:xfrm>
+      </p:grpSpPr>
+      <p:sp>
+        <p:nvSpPr>
+          <p:cNvPr id="2" name="Title 1">
+            <a:extLst>
+              <a:ext uri="{FF2B5EF4-FFF2-40B4-BE49-F238E27FC236}">
+                <a16:creationId xmlns:a16="http://schemas.microsoft.com/office/drawing/2014/main" id="{AA993A83-8673-441B-B423-75DF7CFCA89F}"/>
+              </a:ext>
+            </a:extLst>
+          </p:cNvPr>
+          <p:cNvSpPr>
+            <a:spLocks noGrp="1"/>
+          </p:cNvSpPr>
+          <p:nvPr>
+            <p:ph type="title"/>
+          </p:nvPr>
+        </p:nvSpPr>
+        <p:spPr>
+          <a:xfrm>
+            <a:off x="257432" y="187043"/>
+            <a:ext cx="10515600" cy="808767"/>
+          </a:xfrm>
+        </p:spPr>
+        <p:txBody>
+          <a:bodyPr/>
+          <a:lstStyle/>
+          <a:p>
+            <a:r>
+              <a:rPr lang="de-CH" dirty="0"/>
+              <a:t>Trust Region Approach </a:t>
+            </a:r>
+            <a:r>
+              <a:rPr lang="en-CH" dirty="0"/>
+              <a:t>Algorithms</a:t>
+            </a:r>
+          </a:p>
+        </p:txBody>
+      </p:sp>
+      <p:sp>
+        <p:nvSpPr>
+          <p:cNvPr id="11" name="TextBox 10">
+            <a:extLst>
+              <a:ext uri="{FF2B5EF4-FFF2-40B4-BE49-F238E27FC236}">
+                <a16:creationId xmlns:a16="http://schemas.microsoft.com/office/drawing/2014/main" id="{CA48A241-D74E-FA06-2F0D-587046A6EC1F}"/>
+              </a:ext>
+            </a:extLst>
+          </p:cNvPr>
+          <p:cNvSpPr txBox="1"/>
+          <p:nvPr/>
+        </p:nvSpPr>
+        <p:spPr>
+          <a:xfrm>
+            <a:off x="391886" y="1376810"/>
+            <a:ext cx="10961914" cy="4524315"/>
+          </a:xfrm>
+          <a:prstGeom prst="rect">
+            <a:avLst/>
+          </a:prstGeom>
+          <a:noFill/>
+        </p:spPr>
+        <p:txBody>
+          <a:bodyPr wrap="square" rtlCol="0">
+            <a:spAutoFit/>
+          </a:bodyPr>
+          <a:lstStyle/>
+          <a:p>
+            <a:r>
+              <a:rPr lang="en-GB" sz="3200" dirty="0">
+                <a:latin typeface="Arial" panose="020B0604020202020204" pitchFamily="34" charset="0"/>
+                <a:cs typeface="Arial" panose="020B0604020202020204" pitchFamily="34" charset="0"/>
+              </a:rPr>
+              <a:t>In the trust region approach, the information available on 𝐿 is used to build a model function 𝑚</a:t>
+            </a:r>
+            <a:r>
+              <a:rPr lang="en-GB" sz="3200" baseline="-25000" dirty="0">
+                <a:latin typeface="Arial" panose="020B0604020202020204" pitchFamily="34" charset="0"/>
+                <a:cs typeface="Arial" panose="020B0604020202020204" pitchFamily="34" charset="0"/>
+              </a:rPr>
+              <a:t>𝑘</a:t>
+            </a:r>
+            <a:r>
+              <a:rPr lang="en-GB" sz="3200" dirty="0">
+                <a:latin typeface="Arial" panose="020B0604020202020204" pitchFamily="34" charset="0"/>
+                <a:cs typeface="Arial" panose="020B0604020202020204" pitchFamily="34" charset="0"/>
+              </a:rPr>
+              <a:t> (typically quadratic in nature) that approximates </a:t>
+            </a:r>
+            <a:r>
+              <a:rPr lang="en-GB" sz="3200" i="1" dirty="0">
+                <a:latin typeface="Arial" panose="020B0604020202020204" pitchFamily="34" charset="0"/>
+                <a:cs typeface="Arial" panose="020B0604020202020204" pitchFamily="34" charset="0"/>
+              </a:rPr>
+              <a:t>L</a:t>
+            </a:r>
+            <a:r>
+              <a:rPr lang="en-GB" sz="3200" dirty="0">
+                <a:latin typeface="Arial" panose="020B0604020202020204" pitchFamily="34" charset="0"/>
+                <a:cs typeface="Arial" panose="020B0604020202020204" pitchFamily="34" charset="0"/>
+              </a:rPr>
+              <a:t> in a sufficiently small </a:t>
+            </a:r>
+            <a:r>
+              <a:rPr lang="en-GB" sz="3200" dirty="0">
+                <a:effectLst/>
+                <a:latin typeface="Arial" panose="020B0604020202020204" pitchFamily="34" charset="0"/>
+                <a:cs typeface="Arial" panose="020B0604020202020204" pitchFamily="34" charset="0"/>
+              </a:rPr>
+              <a:t>region around 𝑥</a:t>
+            </a:r>
+            <a:r>
+              <a:rPr lang="en-GB" sz="3200" baseline="-25000" dirty="0">
+                <a:effectLst/>
+                <a:latin typeface="Arial" panose="020B0604020202020204" pitchFamily="34" charset="0"/>
+                <a:cs typeface="Arial" panose="020B0604020202020204" pitchFamily="34" charset="0"/>
+              </a:rPr>
+              <a:t>𝑘</a:t>
+            </a:r>
+            <a:r>
+              <a:rPr lang="en-GB" sz="3200" dirty="0">
+                <a:effectLst/>
+                <a:latin typeface="Arial" panose="020B0604020202020204" pitchFamily="34" charset="0"/>
+                <a:cs typeface="Arial" panose="020B0604020202020204" pitchFamily="34" charset="0"/>
+              </a:rPr>
+              <a:t>. Then this approximation is used to choose a new 𝑥</a:t>
+            </a:r>
+            <a:r>
+              <a:rPr lang="en-GB" sz="3200" baseline="-25000" dirty="0">
+                <a:effectLst/>
+                <a:latin typeface="Arial" panose="020B0604020202020204" pitchFamily="34" charset="0"/>
+                <a:cs typeface="Arial" panose="020B0604020202020204" pitchFamily="34" charset="0"/>
+              </a:rPr>
+              <a:t>𝑘+1</a:t>
+            </a:r>
+            <a:r>
+              <a:rPr lang="en-GB" sz="3200" dirty="0">
+                <a:effectLst/>
+                <a:latin typeface="Arial" panose="020B0604020202020204" pitchFamily="34" charset="0"/>
+                <a:cs typeface="Arial" panose="020B0604020202020204" pitchFamily="34" charset="0"/>
+              </a:rPr>
+              <a:t>. </a:t>
+            </a:r>
+          </a:p>
+          <a:p>
+            <a:endParaRPr lang="en-GB" sz="3200" dirty="0">
+              <a:latin typeface="Arial" panose="020B0604020202020204" pitchFamily="34" charset="0"/>
+              <a:cs typeface="Arial" panose="020B0604020202020204" pitchFamily="34" charset="0"/>
+            </a:endParaRPr>
+          </a:p>
+          <a:p>
+            <a:r>
+              <a:rPr lang="en-GB" sz="3200" dirty="0">
+                <a:latin typeface="Arial" panose="020B0604020202020204" pitchFamily="34" charset="0"/>
+                <a:cs typeface="Arial" panose="020B0604020202020204" pitchFamily="34" charset="0"/>
+              </a:rPr>
+              <a:t>We will not discuss this approach. Is not used in machine learning.</a:t>
+            </a:r>
+          </a:p>
+          <a:p>
+            <a:endParaRPr lang="en-CH" sz="3200" dirty="0">
+              <a:latin typeface="Arial" panose="020B0604020202020204" pitchFamily="34" charset="0"/>
+              <a:cs typeface="Arial" panose="020B0604020202020204" pitchFamily="34" charset="0"/>
+            </a:endParaRPr>
+          </a:p>
+        </p:txBody>
+      </p:sp>
+    </p:spTree>
+    <p:extLst>
+      <p:ext uri="{BB962C8B-B14F-4D97-AF65-F5344CB8AC3E}">
+        <p14:creationId xmlns:p14="http://schemas.microsoft.com/office/powerpoint/2010/main" val="241163334"/>
+      </p:ext>
+    </p:extLst>
+  </p:cSld>
+  <p:clrMapOvr>
+    <a:masterClrMapping/>
+  </p:clrMapOvr>
+</p:sld>
+</file>
+
+<file path=ppt/slides/slide7.xml><?xml version="1.0" encoding="utf-8"?>
+<p:sld xmlns:a="http://schemas.openxmlformats.org/drawingml/2006/main" xmlns:r="http://schemas.openxmlformats.org/officeDocument/2006/relationships" xmlns:p="http://schemas.openxmlformats.org/presentationml/2006/main">
+  <p:cSld>
+    <p:spTree>
+      <p:nvGrpSpPr>
+        <p:cNvPr id="1" name=""/>
+        <p:cNvGrpSpPr/>
+        <p:nvPr/>
+      </p:nvGrpSpPr>
+      <p:grpSpPr>
+        <a:xfrm>
+          <a:off x="0" y="0"/>
+          <a:ext cx="0" cy="0"/>
+          <a:chOff x="0" y="0"/>
+          <a:chExt cx="0" cy="0"/>
+        </a:xfrm>
+      </p:grpSpPr>
+      <p:sp>
+        <p:nvSpPr>
+          <p:cNvPr id="2" name="Title 1">
+            <a:extLst>
+              <a:ext uri="{FF2B5EF4-FFF2-40B4-BE49-F238E27FC236}">
+                <a16:creationId xmlns:a16="http://schemas.microsoft.com/office/drawing/2014/main" id="{A3713102-582A-9EBC-237C-88F8ED2C396C}"/>
+              </a:ext>
+            </a:extLst>
+          </p:cNvPr>
+          <p:cNvSpPr>
+            <a:spLocks noGrp="1"/>
+          </p:cNvSpPr>
+          <p:nvPr>
+            <p:ph type="title"/>
+          </p:nvPr>
+        </p:nvSpPr>
+        <p:spPr/>
+        <p:txBody>
+          <a:bodyPr/>
+          <a:lstStyle/>
+          <a:p>
+            <a:r>
+              <a:rPr lang="en-CH" dirty="0"/>
+              <a:t>Steepest Descent - a.k.a. gradient descent</a:t>
+            </a:r>
+          </a:p>
+        </p:txBody>
+      </p:sp>
+      <p:sp>
+        <p:nvSpPr>
+          <p:cNvPr id="3" name="Text Placeholder 2">
+            <a:extLst>
+              <a:ext uri="{FF2B5EF4-FFF2-40B4-BE49-F238E27FC236}">
+                <a16:creationId xmlns:a16="http://schemas.microsoft.com/office/drawing/2014/main" id="{2BD1E374-FFD5-AD98-7046-8156CDE0667C}"/>
+              </a:ext>
+            </a:extLst>
+          </p:cNvPr>
+          <p:cNvSpPr>
+            <a:spLocks noGrp="1"/>
+          </p:cNvSpPr>
+          <p:nvPr>
+            <p:ph type="body" idx="1"/>
+          </p:nvPr>
+        </p:nvSpPr>
+        <p:spPr/>
+        <p:txBody>
+          <a:bodyPr/>
+          <a:lstStyle/>
+          <a:p>
+            <a:r>
+              <a:rPr lang="en-GB" dirty="0"/>
+              <a:t>Moving fast is not the same as going somewhere.</a:t>
+            </a:r>
+          </a:p>
+          <a:p>
+            <a:pPr algn="r"/>
+            <a:r>
+              <a:rPr lang="en-GB" dirty="0"/>
+              <a:t>-- Robert Anthony</a:t>
+            </a:r>
+          </a:p>
+          <a:p>
+            <a:endParaRPr lang="en-CH" dirty="0"/>
+          </a:p>
+        </p:txBody>
+      </p:sp>
+    </p:spTree>
+    <p:extLst>
+      <p:ext uri="{BB962C8B-B14F-4D97-AF65-F5344CB8AC3E}">
+        <p14:creationId xmlns:p14="http://schemas.microsoft.com/office/powerpoint/2010/main" val="2201598230"/>
+      </p:ext>
+    </p:extLst>
+  </p:cSld>
+  <p:clrMapOvr>
+    <a:masterClrMapping/>
+  </p:clrMapOvr>
+</p:sld>
+</file>
+
+<file path=ppt/slides/slide8.xml><?xml version="1.0" encoding="utf-8"?>
+<p:sld xmlns:a="http://schemas.openxmlformats.org/drawingml/2006/main" xmlns:r="http://schemas.openxmlformats.org/officeDocument/2006/relationships" xmlns:p="http://schemas.openxmlformats.org/presentationml/2006/main">
+  <p:cSld>
+    <p:spTree>
+      <p:nvGrpSpPr>
+        <p:cNvPr id="1" name=""/>
+        <p:cNvGrpSpPr/>
+        <p:nvPr/>
+      </p:nvGrpSpPr>
+      <p:grpSpPr>
+        <a:xfrm>
+          <a:off x="0" y="0"/>
+          <a:ext cx="0" cy="0"/>
+          <a:chOff x="0" y="0"/>
+          <a:chExt cx="0" cy="0"/>
+        </a:xfrm>
+      </p:grpSpPr>
+      <p:sp>
+        <p:nvSpPr>
+          <p:cNvPr id="2" name="Title 1">
+            <a:extLst>
+              <a:ext uri="{FF2B5EF4-FFF2-40B4-BE49-F238E27FC236}">
+                <a16:creationId xmlns:a16="http://schemas.microsoft.com/office/drawing/2014/main" id="{E2D7AB74-5272-BC36-1940-879A4C2C6DCF}"/>
+              </a:ext>
+            </a:extLst>
+          </p:cNvPr>
+          <p:cNvSpPr>
+            <a:spLocks noGrp="1"/>
+          </p:cNvSpPr>
+          <p:nvPr>
+            <p:ph type="title"/>
+          </p:nvPr>
+        </p:nvSpPr>
+        <p:spPr>
+          <a:xfrm>
+            <a:off x="239486" y="158296"/>
+            <a:ext cx="10515600" cy="712561"/>
+          </a:xfrm>
+        </p:spPr>
+        <p:txBody>
+          <a:bodyPr/>
+          <a:lstStyle/>
+          <a:p>
+            <a:r>
+              <a:rPr lang="en-CH" dirty="0"/>
+              <a:t>The idea</a:t>
+            </a:r>
+          </a:p>
+        </p:txBody>
+      </p:sp>
+      <mc:AlternateContent xmlns:mc="http://schemas.openxmlformats.org/markup-compatibility/2006">
+        <mc:Choice xmlns:a14="http://schemas.microsoft.com/office/drawing/2010/main" Requires="a14">
+          <p:sp>
+            <p:nvSpPr>
+              <p:cNvPr id="3" name="Content Placeholder 2">
+                <a:extLst>
+                  <a:ext uri="{FF2B5EF4-FFF2-40B4-BE49-F238E27FC236}">
+                    <a16:creationId xmlns:a16="http://schemas.microsoft.com/office/drawing/2014/main" id="{AB1A23BF-01E2-2AFF-3EB8-2B2965DDAF7D}"/>
+                  </a:ext>
+                </a:extLst>
+              </p:cNvPr>
+              <p:cNvSpPr>
+                <a:spLocks noGrp="1"/>
+              </p:cNvSpPr>
+              <p:nvPr>
+                <p:ph idx="1"/>
+              </p:nvPr>
+            </p:nvSpPr>
+            <p:spPr>
+              <a:xfrm>
+                <a:off x="838200" y="1153886"/>
+                <a:ext cx="10515600" cy="5338989"/>
+              </a:xfrm>
+            </p:spPr>
+            <p:txBody>
+              <a:bodyPr>
+                <a:normAutofit/>
+              </a:bodyPr>
+              <a:lstStyle/>
+              <a:p>
+                <a:r>
+                  <a:rPr lang="en-GB" dirty="0"/>
+                  <a:t>The goal is to minimize a function </a:t>
+                </a:r>
+                <a14:m>
+                  <m:oMath xmlns:m="http://schemas.openxmlformats.org/officeDocument/2006/math">
+                    <m:r>
+                      <a:rPr lang="de-CH" b="0" i="1" smtClean="0">
+                        <a:latin typeface="Cambria Math" panose="02040503050406030204" pitchFamily="18" charset="0"/>
+                      </a:rPr>
+                      <m:t>𝑓</m:t>
+                    </m:r>
+                    <m:r>
+                      <a:rPr lang="de-CH" b="0" i="1" smtClean="0">
+                        <a:latin typeface="Cambria Math" panose="02040503050406030204" pitchFamily="18" charset="0"/>
+                      </a:rPr>
+                      <m:t>(</m:t>
+                    </m:r>
+                    <m:r>
+                      <a:rPr lang="de-CH" b="0" i="1" smtClean="0">
+                        <a:latin typeface="Cambria Math" panose="02040503050406030204" pitchFamily="18" charset="0"/>
+                      </a:rPr>
+                      <m:t>𝑥</m:t>
+                    </m:r>
+                    <m:r>
+                      <a:rPr lang="de-CH" b="0" i="1" smtClean="0">
+                        <a:latin typeface="Cambria Math" panose="02040503050406030204" pitchFamily="18" charset="0"/>
+                      </a:rPr>
+                      <m:t>)</m:t>
+                    </m:r>
+                  </m:oMath>
+                </a14:m>
+                <a:r>
+                  <a:rPr lang="en-GB" dirty="0"/>
+                  <a:t> by iteratively moving in the direction of the steepest descent, which is the direction of the negative gradient of the function at the current point.</a:t>
+                </a:r>
+              </a:p>
+              <a:p>
+                <a:r>
+                  <a:rPr lang="en-GB" dirty="0"/>
+                  <a:t>Starting from an initial point, the algorithm calculates the gradient (the vector of partial derivatives) at this point. The gradient indicates the direction of the steepest ascent, and its negative gives the direction of the steepest descent.</a:t>
+                </a:r>
+              </a:p>
+              <a:p>
+                <a:r>
+                  <a:rPr lang="en-GB" dirty="0"/>
+                  <a:t>The algorithm then updates the current point by moving a certain step size (learning rate) in the direction of the negative gradient. This step size determines how big a step is taken towards the minimum in each iteration.</a:t>
+                </a:r>
+                <a:endParaRPr lang="en-CH" dirty="0"/>
+              </a:p>
+            </p:txBody>
+          </p:sp>
+        </mc:Choice>
+        <mc:Fallback>
+          <p:sp>
+            <p:nvSpPr>
+              <p:cNvPr id="3" name="Content Placeholder 2">
+                <a:extLst>
+                  <a:ext uri="{FF2B5EF4-FFF2-40B4-BE49-F238E27FC236}">
+                    <a16:creationId xmlns:a16="http://schemas.microsoft.com/office/drawing/2014/main" id="{AB1A23BF-01E2-2AFF-3EB8-2B2965DDAF7D}"/>
+                  </a:ext>
+                </a:extLst>
+              </p:cNvPr>
+              <p:cNvSpPr>
+                <a:spLocks noGrp="1" noRot="1" noChangeAspect="1" noMove="1" noResize="1" noEditPoints="1" noAdjustHandles="1" noChangeArrowheads="1" noChangeShapeType="1" noTextEdit="1"/>
+              </p:cNvSpPr>
+              <p:nvPr>
+                <p:ph idx="1"/>
+              </p:nvPr>
+            </p:nvSpPr>
+            <p:spPr>
+              <a:xfrm>
+                <a:off x="838200" y="1153886"/>
+                <a:ext cx="10515600" cy="5338989"/>
+              </a:xfrm>
+              <a:blipFill>
+                <a:blip r:embed="rId2"/>
+                <a:stretch>
+                  <a:fillRect l="-1086" t="-1896"/>
+                </a:stretch>
+              </a:blipFill>
+            </p:spPr>
+            <p:txBody>
+              <a:bodyPr/>
+              <a:lstStyle/>
+              <a:p>
+                <a:r>
+                  <a:rPr lang="en-CH">
+                    <a:noFill/>
+                  </a:rPr>
+                  <a:t> </a:t>
+                </a:r>
+              </a:p>
+            </p:txBody>
+          </p:sp>
+        </mc:Fallback>
+      </mc:AlternateContent>
+    </p:spTree>
+    <p:extLst>
+      <p:ext uri="{BB962C8B-B14F-4D97-AF65-F5344CB8AC3E}">
+        <p14:creationId xmlns:p14="http://schemas.microsoft.com/office/powerpoint/2010/main" val="3369811364"/>
+      </p:ext>
+    </p:extLst>
+  </p:cSld>
+  <p:clrMapOvr>
+    <a:masterClrMapping/>
+  </p:clrMapOvr>
+</p:sld>
+</file>
+
 <file path=ppt/slides/slide9.xml><?xml version="1.0" encoding="utf-8"?>
 <p:sld xmlns:a="http://schemas.openxmlformats.org/drawingml/2006/main" xmlns:r="http://schemas.openxmlformats.org/officeDocument/2006/relationships" xmlns:p="http://schemas.openxmlformats.org/presentationml/2006/main">
   <p:cSld>
@@ -9865,7 +11414,7 @@
           <p:cNvPr id="2" name="Title 1">
             <a:extLst>
               <a:ext uri="{FF2B5EF4-FFF2-40B4-BE49-F238E27FC236}">
-                <a16:creationId xmlns:a16="http://schemas.microsoft.com/office/drawing/2014/main" id="{1E936CCA-7881-F3B0-E8D0-A51894F91FE6}"/>
+                <a16:creationId xmlns:a16="http://schemas.microsoft.com/office/drawing/2014/main" id="{CC3A6574-286D-1252-D32C-5843851AEFBE}"/>
               </a:ext>
             </a:extLst>
           </p:cNvPr>
@@ -9882,84 +11431,100 @@
           <a:lstStyle/>
           <a:p>
             <a:r>
-              <a:rPr lang="en-CH"/>
-              <a:t>Some remarks about gradient descent</a:t>
-            </a:r>
-          </a:p>
-        </p:txBody>
-      </p:sp>
-      <p:sp>
-        <p:nvSpPr>
-          <p:cNvPr id="3" name="Content Placeholder 2">
-            <a:extLst>
-              <a:ext uri="{FF2B5EF4-FFF2-40B4-BE49-F238E27FC236}">
-                <a16:creationId xmlns:a16="http://schemas.microsoft.com/office/drawing/2014/main" id="{BA58C0E1-64E8-64B1-EC50-96383A45C356}"/>
-              </a:ext>
-            </a:extLst>
-          </p:cNvPr>
-          <p:cNvSpPr>
-            <a:spLocks noGrp="1"/>
-          </p:cNvSpPr>
+              <a:rPr lang="en-CH" dirty="0"/>
+              <a:t>The idea – but graphically</a:t>
+            </a:r>
+          </a:p>
+        </p:txBody>
+      </p:sp>
+      <p:pic>
+        <p:nvPicPr>
+          <p:cNvPr id="2050" name="Picture 2" descr="Gradient Descent in Machine Learning - Javatpoint">
+            <a:extLst>
+              <a:ext uri="{FF2B5EF4-FFF2-40B4-BE49-F238E27FC236}">
+                <a16:creationId xmlns:a16="http://schemas.microsoft.com/office/drawing/2014/main" id="{92B09C29-5717-7A59-46B3-14E9025A58CA}"/>
+              </a:ext>
+            </a:extLst>
+          </p:cNvPr>
+          <p:cNvPicPr>
+            <a:picLocks noGrp="1" noChangeAspect="1" noChangeArrowheads="1"/>
+          </p:cNvPicPr>
           <p:nvPr>
             <p:ph idx="1"/>
           </p:nvPr>
+        </p:nvPicPr>
+        <p:blipFill>
+          <a:blip r:embed="rId2">
+            <a:extLst>
+              <a:ext uri="{28A0092B-C50C-407E-A947-70E740481C1C}">
+                <a14:useLocalDpi xmlns:a14="http://schemas.microsoft.com/office/drawing/2010/main" val="0"/>
+              </a:ext>
+            </a:extLst>
+          </a:blip>
+          <a:srcRect/>
+          <a:stretch>
+            <a:fillRect/>
+          </a:stretch>
+        </p:blipFill>
+        <p:spPr bwMode="auto">
+          <a:xfrm>
+            <a:off x="3017157" y="1690688"/>
+            <a:ext cx="6551386" cy="3930832"/>
+          </a:xfrm>
+          <a:prstGeom prst="rect">
+            <a:avLst/>
+          </a:prstGeom>
+          <a:noFill/>
+          <a:extLst>
+            <a:ext uri="{909E8E84-426E-40DD-AFC4-6F175D3DCCD1}">
+              <a14:hiddenFill xmlns:a14="http://schemas.microsoft.com/office/drawing/2010/main">
+                <a:solidFill>
+                  <a:srgbClr val="FFFFFF"/>
+                </a:solidFill>
+              </a14:hiddenFill>
+            </a:ext>
+          </a:extLst>
+        </p:spPr>
+      </p:pic>
+      <p:sp>
+        <p:nvSpPr>
+          <p:cNvPr id="5" name="TextBox 4">
+            <a:extLst>
+              <a:ext uri="{FF2B5EF4-FFF2-40B4-BE49-F238E27FC236}">
+                <a16:creationId xmlns:a16="http://schemas.microsoft.com/office/drawing/2014/main" id="{B7651E01-424A-E1B5-B9AB-C8841258D0BF}"/>
+              </a:ext>
+            </a:extLst>
+          </p:cNvPr>
+          <p:cNvSpPr txBox="1"/>
+          <p:nvPr/>
         </p:nvSpPr>
         <p:spPr>
           <a:xfrm>
-            <a:off x="838200" y="1690689"/>
-            <a:ext cx="10515600" cy="4486275"/>
+            <a:off x="119743" y="6492875"/>
+            <a:ext cx="10874828" cy="307777"/>
           </a:xfrm>
+          <a:prstGeom prst="rect">
+            <a:avLst/>
+          </a:prstGeom>
+          <a:noFill/>
         </p:spPr>
         <p:txBody>
-          <a:bodyPr>
-            <a:normAutofit/>
+          <a:bodyPr wrap="square">
+            <a:spAutoFit/>
           </a:bodyPr>
           <a:lstStyle/>
           <a:p>
-            <a:pPr marL="0" indent="0">
-              <a:buNone/>
-            </a:pPr>
-            <a:r>
-              <a:rPr lang="en-CH" dirty="0"/>
-              <a:t>To use gradient descent you will need the derivative (or gradient in multiple dimensions) of the function you want to minimize.</a:t>
-            </a:r>
-          </a:p>
-          <a:p>
-            <a:pPr marL="0" indent="0">
-              <a:buNone/>
-            </a:pPr>
-            <a:endParaRPr lang="en-CH" dirty="0"/>
-          </a:p>
-          <a:p>
-            <a:pPr marL="0" indent="0">
-              <a:buNone/>
-            </a:pPr>
-            <a:r>
-              <a:rPr lang="en-CH" dirty="0">
-                <a:sym typeface="Wingdings" pitchFamily="2" charset="2"/>
-              </a:rPr>
-              <a:t> Gradient descent is not the most efficient way of finding minima. It gets easily stuck in local minima. More advanced optimisers have been developed and are typically used (see </a:t>
-            </a:r>
-            <a:r>
-              <a:rPr lang="en-CH" i="1" dirty="0">
-                <a:sym typeface="Wingdings" pitchFamily="2" charset="2"/>
-              </a:rPr>
-              <a:t>Adam</a:t>
-            </a:r>
-            <a:r>
-              <a:rPr lang="en-CH" dirty="0">
-                <a:sym typeface="Wingdings" pitchFamily="2" charset="2"/>
-              </a:rPr>
-              <a:t>).</a:t>
-            </a:r>
-            <a:endParaRPr lang="en-CH" dirty="0"/>
+            <a:r>
+              <a:rPr lang="en-CH" sz="1400" dirty="0"/>
+              <a:t>Image source: https://www.javatpoint.com/gradient-descent-in-machine-learning</a:t>
+            </a:r>
           </a:p>
         </p:txBody>
       </p:sp>
     </p:spTree>
     <p:extLst>
       <p:ext uri="{BB962C8B-B14F-4D97-AF65-F5344CB8AC3E}">
-        <p14:creationId xmlns:p14="http://schemas.microsoft.com/office/powerpoint/2010/main" val="867603643"/>
+        <p14:creationId xmlns:p14="http://schemas.microsoft.com/office/powerpoint/2010/main" val="1624014021"/>
       </p:ext>
     </p:extLst>
   </p:cSld>

--- a/DAY1/02 - Calculus and Gradient Descent/Gradient Descent Part I.pptx
+++ b/DAY1/02 - Calculus and Gradient Descent/Gradient Descent Part I.pptx
@@ -23,16 +23,19 @@
     <p:sldId id="335" r:id="rId17"/>
     <p:sldId id="332" r:id="rId18"/>
     <p:sldId id="364" r:id="rId19"/>
-    <p:sldId id="345" r:id="rId20"/>
-    <p:sldId id="346" r:id="rId21"/>
-    <p:sldId id="347" r:id="rId22"/>
-    <p:sldId id="348" r:id="rId23"/>
-    <p:sldId id="349" r:id="rId24"/>
-    <p:sldId id="350" r:id="rId25"/>
-    <p:sldId id="351" r:id="rId26"/>
-    <p:sldId id="352" r:id="rId27"/>
-    <p:sldId id="353" r:id="rId28"/>
-    <p:sldId id="354" r:id="rId29"/>
+    <p:sldId id="367" r:id="rId20"/>
+    <p:sldId id="365" r:id="rId21"/>
+    <p:sldId id="366" r:id="rId22"/>
+    <p:sldId id="345" r:id="rId23"/>
+    <p:sldId id="346" r:id="rId24"/>
+    <p:sldId id="347" r:id="rId25"/>
+    <p:sldId id="348" r:id="rId26"/>
+    <p:sldId id="349" r:id="rId27"/>
+    <p:sldId id="350" r:id="rId28"/>
+    <p:sldId id="351" r:id="rId29"/>
+    <p:sldId id="352" r:id="rId30"/>
+    <p:sldId id="353" r:id="rId31"/>
+    <p:sldId id="354" r:id="rId32"/>
   </p:sldIdLst>
   <p:sldSz cx="12192000" cy="6858000"/>
   <p:notesSz cx="6858000" cy="9144000"/>
@@ -8324,7 +8327,7 @@
           <p:cNvPr id="2" name="Title 1">
             <a:extLst>
               <a:ext uri="{FF2B5EF4-FFF2-40B4-BE49-F238E27FC236}">
-                <a16:creationId xmlns:a16="http://schemas.microsoft.com/office/drawing/2014/main" id="{40E25C83-55CC-EC93-CDD6-1EE9C8199E20}"/>
+                <a16:creationId xmlns:a16="http://schemas.microsoft.com/office/drawing/2014/main" id="{56B5CD90-CDD0-59A8-1B14-1D82A1C5F2F6}"/>
               </a:ext>
             </a:extLst>
           </p:cNvPr>
@@ -8335,14 +8338,19 @@
             <p:ph type="title"/>
           </p:nvPr>
         </p:nvSpPr>
-        <p:spPr/>
+        <p:spPr>
+          <a:xfrm>
+            <a:off x="265632" y="134389"/>
+            <a:ext cx="10515600" cy="805649"/>
+          </a:xfrm>
+        </p:spPr>
         <p:txBody>
           <a:bodyPr/>
           <a:lstStyle/>
           <a:p>
             <a:r>
               <a:rPr lang="en-CH" dirty="0"/>
-              <a:t>Gradient Descent - Example</a:t>
+              <a:t>Small Tip</a:t>
             </a:r>
           </a:p>
         </p:txBody>
@@ -8352,7 +8360,7 @@
           <p:cNvPr id="3" name="Content Placeholder 2">
             <a:extLst>
               <a:ext uri="{FF2B5EF4-FFF2-40B4-BE49-F238E27FC236}">
-                <a16:creationId xmlns:a16="http://schemas.microsoft.com/office/drawing/2014/main" id="{35997C8A-611E-2E27-67C2-4818B0CAC580}"/>
+                <a16:creationId xmlns:a16="http://schemas.microsoft.com/office/drawing/2014/main" id="{62398CFA-D74C-D4DE-C0A8-97FBBD6A1548}"/>
               </a:ext>
             </a:extLst>
           </p:cNvPr>
@@ -8365,122 +8373,25 @@
         </p:nvSpPr>
         <p:spPr/>
         <p:txBody>
-          <a:bodyPr/>
+          <a:bodyPr>
+            <a:normAutofit/>
+          </a:bodyPr>
           <a:lstStyle/>
           <a:p>
-            <a:r>
-              <a:rPr lang="en-CH" dirty="0"/>
-              <a:t>We want to minimize the function</a:t>
-            </a:r>
-          </a:p>
-          <a:p>
-            <a:endParaRPr lang="en-CH" dirty="0"/>
-          </a:p>
-          <a:p>
-            <a:endParaRPr lang="en-CH" dirty="0"/>
-          </a:p>
-          <a:p>
-            <a:r>
-              <a:rPr lang="en-CH" dirty="0"/>
-              <a:t>Gradient Descent Formula</a:t>
-            </a:r>
-          </a:p>
-        </p:txBody>
-      </p:sp>
-      <p:pic>
-        <p:nvPicPr>
-          <p:cNvPr id="5" name="Picture 4">
-            <a:extLst>
-              <a:ext uri="{FF2B5EF4-FFF2-40B4-BE49-F238E27FC236}">
-                <a16:creationId xmlns:a16="http://schemas.microsoft.com/office/drawing/2014/main" id="{5F1E2E3D-4118-7AB9-8E9C-901C5C9B6579}"/>
-              </a:ext>
-            </a:extLst>
-          </p:cNvPr>
-          <p:cNvPicPr>
-            <a:picLocks noChangeAspect="1"/>
-          </p:cNvPicPr>
-          <p:nvPr/>
-        </p:nvPicPr>
-        <p:blipFill>
-          <a:blip r:embed="rId2"/>
-          <a:stretch>
-            <a:fillRect/>
-          </a:stretch>
-        </p:blipFill>
-        <p:spPr>
-          <a:xfrm>
-            <a:off x="5086350" y="2422939"/>
-            <a:ext cx="2019300" cy="660400"/>
-          </a:xfrm>
-          <a:prstGeom prst="rect">
-            <a:avLst/>
-          </a:prstGeom>
-        </p:spPr>
-      </p:pic>
-      <p:pic>
-        <p:nvPicPr>
-          <p:cNvPr id="6" name="Picture 5">
-            <a:extLst>
-              <a:ext uri="{FF2B5EF4-FFF2-40B4-BE49-F238E27FC236}">
-                <a16:creationId xmlns:a16="http://schemas.microsoft.com/office/drawing/2014/main" id="{4E29EB06-76E9-1585-0A4F-7AD78EABE80C}"/>
-              </a:ext>
-            </a:extLst>
-          </p:cNvPr>
-          <p:cNvPicPr>
-            <a:picLocks noChangeAspect="1"/>
-          </p:cNvPicPr>
-          <p:nvPr/>
-        </p:nvPicPr>
-        <p:blipFill>
-          <a:blip r:embed="rId3"/>
-          <a:stretch>
-            <a:fillRect/>
-          </a:stretch>
-        </p:blipFill>
-        <p:spPr>
-          <a:xfrm>
-            <a:off x="3397250" y="5213868"/>
-            <a:ext cx="5397500" cy="774700"/>
-          </a:xfrm>
-          <a:prstGeom prst="rect">
-            <a:avLst/>
-          </a:prstGeom>
-        </p:spPr>
-      </p:pic>
-      <p:pic>
-        <p:nvPicPr>
-          <p:cNvPr id="7" name="Picture 6">
-            <a:extLst>
-              <a:ext uri="{FF2B5EF4-FFF2-40B4-BE49-F238E27FC236}">
-                <a16:creationId xmlns:a16="http://schemas.microsoft.com/office/drawing/2014/main" id="{6852B7F9-AEEF-1572-57E0-08D2173A0AB2}"/>
-              </a:ext>
-            </a:extLst>
-          </p:cNvPr>
-          <p:cNvPicPr>
-            <a:picLocks noChangeAspect="1"/>
-          </p:cNvPicPr>
-          <p:nvPr/>
-        </p:nvPicPr>
-        <p:blipFill>
-          <a:blip r:embed="rId4"/>
-          <a:stretch>
-            <a:fillRect/>
-          </a:stretch>
-        </p:blipFill>
-        <p:spPr>
-          <a:xfrm>
-            <a:off x="4076700" y="4155800"/>
-            <a:ext cx="4038600" cy="990600"/>
-          </a:xfrm>
-          <a:prstGeom prst="rect">
-            <a:avLst/>
-          </a:prstGeom>
-        </p:spPr>
-      </p:pic>
+            <a:pPr marL="0" indent="0">
+              <a:buNone/>
+            </a:pPr>
+            <a:r>
+              <a:rPr lang="en-CH" sz="3200" dirty="0"/>
+              <a:t>Slow learning due to the vanishing gradient problem can occur when the input values (typically in neural networks) are too large (more on that will come).</a:t>
+            </a:r>
+          </a:p>
+        </p:txBody>
+      </p:sp>
     </p:spTree>
     <p:extLst>
       <p:ext uri="{BB962C8B-B14F-4D97-AF65-F5344CB8AC3E}">
-        <p14:creationId xmlns:p14="http://schemas.microsoft.com/office/powerpoint/2010/main" val="1000436304"/>
+        <p14:creationId xmlns:p14="http://schemas.microsoft.com/office/powerpoint/2010/main" val="3635707663"/>
       </p:ext>
     </p:extLst>
   </p:cSld>
@@ -8606,7 +8517,7 @@
           <p:cNvPr id="2" name="Title 1">
             <a:extLst>
               <a:ext uri="{FF2B5EF4-FFF2-40B4-BE49-F238E27FC236}">
-                <a16:creationId xmlns:a16="http://schemas.microsoft.com/office/drawing/2014/main" id="{40E25C83-55CC-EC93-CDD6-1EE9C8199E20}"/>
+                <a16:creationId xmlns:a16="http://schemas.microsoft.com/office/drawing/2014/main" id="{6F0889A8-162A-A26E-3CCA-1EC13C0FC463}"/>
               </a:ext>
             </a:extLst>
           </p:cNvPr>
@@ -8624,24 +8535,26 @@
           <a:p>
             <a:r>
               <a:rPr lang="en-CH" dirty="0"/>
-              <a:t>Gradient Descent - Example</a:t>
+              <a:t>Gradient Descent – Vanishing Gradient Problem</a:t>
             </a:r>
           </a:p>
         </p:txBody>
       </p:sp>
       <p:pic>
         <p:nvPicPr>
-          <p:cNvPr id="9" name="Picture 8">
-            <a:extLst>
-              <a:ext uri="{FF2B5EF4-FFF2-40B4-BE49-F238E27FC236}">
-                <a16:creationId xmlns:a16="http://schemas.microsoft.com/office/drawing/2014/main" id="{4C6C94C2-F62B-EF4D-2DE1-A1DC3D34957F}"/>
+          <p:cNvPr id="4" name="Content Placeholder 3">
+            <a:extLst>
+              <a:ext uri="{FF2B5EF4-FFF2-40B4-BE49-F238E27FC236}">
+                <a16:creationId xmlns:a16="http://schemas.microsoft.com/office/drawing/2014/main" id="{6F9A4327-04D8-0CD2-B091-788FC24FC480}"/>
               </a:ext>
             </a:extLst>
           </p:cNvPr>
           <p:cNvPicPr>
-            <a:picLocks noChangeAspect="1"/>
+            <a:picLocks noGrp="1" noChangeAspect="1"/>
           </p:cNvPicPr>
-          <p:nvPr/>
+          <p:nvPr>
+            <p:ph idx="1"/>
+          </p:nvPr>
         </p:nvPicPr>
         <p:blipFill>
           <a:blip r:embed="rId2"/>
@@ -8651,24 +8564,1156 @@
         </p:blipFill>
         <p:spPr>
           <a:xfrm>
-            <a:off x="1772478" y="2101431"/>
-            <a:ext cx="7772400" cy="3867711"/>
+            <a:off x="2207190" y="2693795"/>
+            <a:ext cx="6975665" cy="3184783"/>
           </a:xfrm>
           <a:prstGeom prst="rect">
             <a:avLst/>
           </a:prstGeom>
         </p:spPr>
       </p:pic>
+      <p:sp>
+        <p:nvSpPr>
+          <p:cNvPr id="6" name="Oval 5">
+            <a:extLst>
+              <a:ext uri="{FF2B5EF4-FFF2-40B4-BE49-F238E27FC236}">
+                <a16:creationId xmlns:a16="http://schemas.microsoft.com/office/drawing/2014/main" id="{3BC0A1B3-179A-B203-6CB9-5D6A5EEAB02E}"/>
+              </a:ext>
+            </a:extLst>
+          </p:cNvPr>
+          <p:cNvSpPr/>
+          <p:nvPr/>
+        </p:nvSpPr>
+        <p:spPr>
+          <a:xfrm>
+            <a:off x="5793641" y="4169142"/>
+            <a:ext cx="234087" cy="234087"/>
+          </a:xfrm>
+          <a:prstGeom prst="ellipse">
+            <a:avLst/>
+          </a:prstGeom>
+          <a:solidFill>
+            <a:srgbClr val="FF0000"/>
+          </a:solidFill>
+          <a:ln>
+            <a:solidFill>
+              <a:srgbClr val="FF0000"/>
+            </a:solidFill>
+          </a:ln>
+        </p:spPr>
+        <p:style>
+          <a:lnRef idx="2">
+            <a:schemeClr val="accent1">
+              <a:shade val="50000"/>
+            </a:schemeClr>
+          </a:lnRef>
+          <a:fillRef idx="1">
+            <a:schemeClr val="accent1"/>
+          </a:fillRef>
+          <a:effectRef idx="0">
+            <a:schemeClr val="accent1"/>
+          </a:effectRef>
+          <a:fontRef idx="minor">
+            <a:schemeClr val="lt1"/>
+          </a:fontRef>
+        </p:style>
+        <p:txBody>
+          <a:bodyPr rtlCol="0" anchor="ctr"/>
+          <a:lstStyle/>
+          <a:p>
+            <a:pPr algn="ctr"/>
+            <a:endParaRPr lang="en-CH" sz="2400" dirty="0">
+              <a:latin typeface="Arial" panose="020B0604020202020204" pitchFamily="34" charset="0"/>
+            </a:endParaRPr>
+          </a:p>
+        </p:txBody>
+      </p:sp>
+      <p:sp>
+        <p:nvSpPr>
+          <p:cNvPr id="7" name="Oval 6">
+            <a:extLst>
+              <a:ext uri="{FF2B5EF4-FFF2-40B4-BE49-F238E27FC236}">
+                <a16:creationId xmlns:a16="http://schemas.microsoft.com/office/drawing/2014/main" id="{FA260DB6-B328-9A81-6B57-BE5EAC763A9E}"/>
+              </a:ext>
+            </a:extLst>
+          </p:cNvPr>
+          <p:cNvSpPr/>
+          <p:nvPr/>
+        </p:nvSpPr>
+        <p:spPr>
+          <a:xfrm>
+            <a:off x="8053709" y="3819143"/>
+            <a:ext cx="234087" cy="234087"/>
+          </a:xfrm>
+          <a:prstGeom prst="ellipse">
+            <a:avLst/>
+          </a:prstGeom>
+          <a:solidFill>
+            <a:srgbClr val="FF0000"/>
+          </a:solidFill>
+          <a:ln>
+            <a:solidFill>
+              <a:srgbClr val="FF0000"/>
+            </a:solidFill>
+          </a:ln>
+        </p:spPr>
+        <p:style>
+          <a:lnRef idx="2">
+            <a:schemeClr val="accent1">
+              <a:shade val="50000"/>
+            </a:schemeClr>
+          </a:lnRef>
+          <a:fillRef idx="1">
+            <a:schemeClr val="accent1"/>
+          </a:fillRef>
+          <a:effectRef idx="0">
+            <a:schemeClr val="accent1"/>
+          </a:effectRef>
+          <a:fontRef idx="minor">
+            <a:schemeClr val="lt1"/>
+          </a:fontRef>
+        </p:style>
+        <p:txBody>
+          <a:bodyPr rtlCol="0" anchor="ctr"/>
+          <a:lstStyle/>
+          <a:p>
+            <a:pPr algn="ctr"/>
+            <a:endParaRPr lang="en-CH" sz="2400" dirty="0">
+              <a:latin typeface="Arial" panose="020B0604020202020204" pitchFamily="34" charset="0"/>
+            </a:endParaRPr>
+          </a:p>
+        </p:txBody>
+      </p:sp>
+      <p:sp>
+        <p:nvSpPr>
+          <p:cNvPr id="8" name="TextBox 7">
+            <a:extLst>
+              <a:ext uri="{FF2B5EF4-FFF2-40B4-BE49-F238E27FC236}">
+                <a16:creationId xmlns:a16="http://schemas.microsoft.com/office/drawing/2014/main" id="{0EB13B53-787E-D2AB-A994-46E771FCF349}"/>
+              </a:ext>
+            </a:extLst>
+          </p:cNvPr>
+          <p:cNvSpPr txBox="1"/>
+          <p:nvPr/>
+        </p:nvSpPr>
+        <p:spPr>
+          <a:xfrm>
+            <a:off x="6291073" y="1570437"/>
+            <a:ext cx="4602542" cy="461665"/>
+          </a:xfrm>
+          <a:prstGeom prst="rect">
+            <a:avLst/>
+          </a:prstGeom>
+          <a:noFill/>
+        </p:spPr>
+        <p:txBody>
+          <a:bodyPr wrap="none" rtlCol="0">
+            <a:spAutoFit/>
+          </a:bodyPr>
+          <a:lstStyle/>
+          <a:p>
+            <a:r>
+              <a:rPr lang="en-CH" sz="2400">
+                <a:solidFill>
+                  <a:srgbClr val="FF0000"/>
+                </a:solidFill>
+                <a:latin typeface="Arial" panose="020B0604020202020204" pitchFamily="34" charset="0"/>
+                <a:cs typeface="Arial" panose="020B0604020202020204" pitchFamily="34" charset="0"/>
+              </a:rPr>
+              <a:t>Update slow (slope is near zero)</a:t>
+            </a:r>
+          </a:p>
+        </p:txBody>
+      </p:sp>
+      <p:sp>
+        <p:nvSpPr>
+          <p:cNvPr id="9" name="TextBox 8">
+            <a:extLst>
+              <a:ext uri="{FF2B5EF4-FFF2-40B4-BE49-F238E27FC236}">
+                <a16:creationId xmlns:a16="http://schemas.microsoft.com/office/drawing/2014/main" id="{A2682A8B-8D36-BE36-9F84-7335B20B261A}"/>
+              </a:ext>
+            </a:extLst>
+          </p:cNvPr>
+          <p:cNvSpPr txBox="1"/>
+          <p:nvPr/>
+        </p:nvSpPr>
+        <p:spPr>
+          <a:xfrm>
+            <a:off x="9045150" y="3061002"/>
+            <a:ext cx="2408673" cy="461665"/>
+          </a:xfrm>
+          <a:prstGeom prst="rect">
+            <a:avLst/>
+          </a:prstGeom>
+          <a:noFill/>
+        </p:spPr>
+        <p:txBody>
+          <a:bodyPr wrap="none" rtlCol="0">
+            <a:spAutoFit/>
+          </a:bodyPr>
+          <a:lstStyle/>
+          <a:p>
+            <a:r>
+              <a:rPr lang="en-CH" sz="2400">
+                <a:solidFill>
+                  <a:srgbClr val="FF0000"/>
+                </a:solidFill>
+                <a:latin typeface="Arial" panose="020B0604020202020204" pitchFamily="34" charset="0"/>
+                <a:cs typeface="Arial" panose="020B0604020202020204" pitchFamily="34" charset="0"/>
+              </a:rPr>
+              <a:t>Very fast update</a:t>
+            </a:r>
+          </a:p>
+        </p:txBody>
+      </p:sp>
+      <p:cxnSp>
+        <p:nvCxnSpPr>
+          <p:cNvPr id="11" name="Straight Arrow Connector 10">
+            <a:extLst>
+              <a:ext uri="{FF2B5EF4-FFF2-40B4-BE49-F238E27FC236}">
+                <a16:creationId xmlns:a16="http://schemas.microsoft.com/office/drawing/2014/main" id="{CAC1CD09-F785-9EB8-AC30-89CC0D9CFF02}"/>
+              </a:ext>
+            </a:extLst>
+          </p:cNvPr>
+          <p:cNvCxnSpPr>
+            <a:cxnSpLocks/>
+            <a:stCxn id="8" idx="2"/>
+          </p:cNvCxnSpPr>
+          <p:nvPr/>
+        </p:nvCxnSpPr>
+        <p:spPr>
+          <a:xfrm flipH="1">
+            <a:off x="5954306" y="2032102"/>
+            <a:ext cx="2638038" cy="2100879"/>
+          </a:xfrm>
+          <a:prstGeom prst="straightConnector1">
+            <a:avLst/>
+          </a:prstGeom>
+          <a:ln>
+            <a:solidFill>
+              <a:srgbClr val="FF0000"/>
+            </a:solidFill>
+            <a:tailEnd type="triangle"/>
+          </a:ln>
+        </p:spPr>
+        <p:style>
+          <a:lnRef idx="1">
+            <a:schemeClr val="accent1"/>
+          </a:lnRef>
+          <a:fillRef idx="0">
+            <a:schemeClr val="accent1"/>
+          </a:fillRef>
+          <a:effectRef idx="0">
+            <a:schemeClr val="accent1"/>
+          </a:effectRef>
+          <a:fontRef idx="minor">
+            <a:schemeClr val="tx1"/>
+          </a:fontRef>
+        </p:style>
+      </p:cxnSp>
+      <p:cxnSp>
+        <p:nvCxnSpPr>
+          <p:cNvPr id="12" name="Straight Arrow Connector 11">
+            <a:extLst>
+              <a:ext uri="{FF2B5EF4-FFF2-40B4-BE49-F238E27FC236}">
+                <a16:creationId xmlns:a16="http://schemas.microsoft.com/office/drawing/2014/main" id="{F96E2122-FBAF-0AE8-EBEF-A1DD41AC42FB}"/>
+              </a:ext>
+            </a:extLst>
+          </p:cNvPr>
+          <p:cNvCxnSpPr>
+            <a:cxnSpLocks/>
+          </p:cNvCxnSpPr>
+          <p:nvPr/>
+        </p:nvCxnSpPr>
+        <p:spPr>
+          <a:xfrm flipH="1">
+            <a:off x="8287796" y="3657599"/>
+            <a:ext cx="2052641" cy="274723"/>
+          </a:xfrm>
+          <a:prstGeom prst="straightConnector1">
+            <a:avLst/>
+          </a:prstGeom>
+          <a:ln>
+            <a:solidFill>
+              <a:srgbClr val="FF0000"/>
+            </a:solidFill>
+            <a:tailEnd type="triangle"/>
+          </a:ln>
+        </p:spPr>
+        <p:style>
+          <a:lnRef idx="1">
+            <a:schemeClr val="accent1"/>
+          </a:lnRef>
+          <a:fillRef idx="0">
+            <a:schemeClr val="accent1"/>
+          </a:fillRef>
+          <a:effectRef idx="0">
+            <a:schemeClr val="accent1"/>
+          </a:effectRef>
+          <a:fontRef idx="minor">
+            <a:schemeClr val="tx1"/>
+          </a:fontRef>
+        </p:style>
+      </p:cxnSp>
+      <mc:AlternateContent xmlns:mc="http://schemas.openxmlformats.org/markup-compatibility/2006" xmlns:a14="http://schemas.microsoft.com/office/drawing/2010/main">
+        <mc:Choice Requires="a14">
+          <p:sp>
+            <p:nvSpPr>
+              <p:cNvPr id="14" name="TextBox 13">
+                <a:extLst>
+                  <a:ext uri="{FF2B5EF4-FFF2-40B4-BE49-F238E27FC236}">
+                    <a16:creationId xmlns:a16="http://schemas.microsoft.com/office/drawing/2014/main" id="{B222D22B-D8F9-8930-D37A-3330F3C7251C}"/>
+                  </a:ext>
+                </a:extLst>
+              </p:cNvPr>
+              <p:cNvSpPr txBox="1"/>
+              <p:nvPr/>
+            </p:nvSpPr>
+            <p:spPr>
+              <a:xfrm>
+                <a:off x="3086855" y="5845046"/>
+                <a:ext cx="6096000" cy="794513"/>
+              </a:xfrm>
+              <a:prstGeom prst="rect">
+                <a:avLst/>
+              </a:prstGeom>
+              <a:noFill/>
+            </p:spPr>
+            <p:txBody>
+              <a:bodyPr wrap="square">
+                <a:spAutoFit/>
+              </a:bodyPr>
+              <a:lstStyle/>
+              <a:p>
+                <a:pPr/>
+                <a14:m>
+                  <m:oMathPara xmlns:m="http://schemas.openxmlformats.org/officeDocument/2006/math">
+                    <m:oMathParaPr>
+                      <m:jc m:val="centerGroup"/>
+                    </m:oMathParaPr>
+                    <m:oMath xmlns:m="http://schemas.openxmlformats.org/officeDocument/2006/math">
+                      <m:sSub>
+                        <m:sSubPr>
+                          <m:ctrlPr>
+                            <a:rPr lang="de-CH" sz="2400" i="1">
+                              <a:latin typeface="Cambria Math" panose="02040503050406030204" pitchFamily="18" charset="0"/>
+                            </a:rPr>
+                          </m:ctrlPr>
+                        </m:sSubPr>
+                        <m:e>
+                          <m:r>
+                            <a:rPr lang="de-CH" sz="2400">
+                              <a:latin typeface="Cambria Math" panose="02040503050406030204" pitchFamily="18" charset="0"/>
+                            </a:rPr>
+                            <m:t>𝑥</m:t>
+                          </m:r>
+                        </m:e>
+                        <m:sub>
+                          <m:r>
+                            <a:rPr lang="de-CH" sz="2400">
+                              <a:latin typeface="Cambria Math" panose="02040503050406030204" pitchFamily="18" charset="0"/>
+                            </a:rPr>
+                            <m:t>𝑛</m:t>
+                          </m:r>
+                          <m:r>
+                            <a:rPr lang="de-CH" sz="2400">
+                              <a:latin typeface="Cambria Math" panose="02040503050406030204" pitchFamily="18" charset="0"/>
+                            </a:rPr>
+                            <m:t>+1</m:t>
+                          </m:r>
+                        </m:sub>
+                      </m:sSub>
+                      <m:r>
+                        <a:rPr lang="de-CH" sz="2400">
+                          <a:latin typeface="Cambria Math" panose="02040503050406030204" pitchFamily="18" charset="0"/>
+                        </a:rPr>
+                        <m:t>→</m:t>
+                      </m:r>
+                      <m:sSub>
+                        <m:sSubPr>
+                          <m:ctrlPr>
+                            <a:rPr lang="de-CH" sz="2400" i="1">
+                              <a:latin typeface="Cambria Math" panose="02040503050406030204" pitchFamily="18" charset="0"/>
+                            </a:rPr>
+                          </m:ctrlPr>
+                        </m:sSubPr>
+                        <m:e>
+                          <m:r>
+                            <a:rPr lang="de-CH" sz="2400">
+                              <a:latin typeface="Cambria Math" panose="02040503050406030204" pitchFamily="18" charset="0"/>
+                            </a:rPr>
+                            <m:t>𝑥</m:t>
+                          </m:r>
+                        </m:e>
+                        <m:sub>
+                          <m:r>
+                            <a:rPr lang="de-CH" sz="2400">
+                              <a:latin typeface="Cambria Math" panose="02040503050406030204" pitchFamily="18" charset="0"/>
+                            </a:rPr>
+                            <m:t>𝑛</m:t>
+                          </m:r>
+                        </m:sub>
+                      </m:sSub>
+                      <m:r>
+                        <a:rPr lang="de-CH" sz="2400">
+                          <a:latin typeface="Cambria Math" panose="02040503050406030204" pitchFamily="18" charset="0"/>
+                        </a:rPr>
+                        <m:t>−</m:t>
+                      </m:r>
+                      <m:r>
+                        <a:rPr lang="de-CH" sz="2400">
+                          <a:latin typeface="Cambria Math" panose="02040503050406030204" pitchFamily="18" charset="0"/>
+                        </a:rPr>
+                        <m:t>𝛾</m:t>
+                      </m:r>
+                      <m:r>
+                        <a:rPr lang="de-CH" sz="2400">
+                          <a:latin typeface="Cambria Math" panose="02040503050406030204" pitchFamily="18" charset="0"/>
+                        </a:rPr>
+                        <m:t>  </m:t>
+                      </m:r>
+                      <m:f>
+                        <m:fPr>
+                          <m:ctrlPr>
+                            <a:rPr lang="de-CH" sz="2400" i="1">
+                              <a:latin typeface="Cambria Math" panose="02040503050406030204" pitchFamily="18" charset="0"/>
+                            </a:rPr>
+                          </m:ctrlPr>
+                        </m:fPr>
+                        <m:num>
+                          <m:r>
+                            <a:rPr lang="de-CH" sz="2400">
+                              <a:latin typeface="Cambria Math" panose="02040503050406030204" pitchFamily="18" charset="0"/>
+                            </a:rPr>
+                            <m:t>𝑑𝑓</m:t>
+                          </m:r>
+                        </m:num>
+                        <m:den>
+                          <m:r>
+                            <a:rPr lang="de-CH" sz="2400">
+                              <a:latin typeface="Cambria Math" panose="02040503050406030204" pitchFamily="18" charset="0"/>
+                            </a:rPr>
+                            <m:t>𝑑𝑥</m:t>
+                          </m:r>
+                        </m:den>
+                      </m:f>
+                      <m:r>
+                        <a:rPr lang="de-CH" sz="2400">
+                          <a:latin typeface="Cambria Math" panose="02040503050406030204" pitchFamily="18" charset="0"/>
+                        </a:rPr>
+                        <m:t>(</m:t>
+                      </m:r>
+                      <m:sSub>
+                        <m:sSubPr>
+                          <m:ctrlPr>
+                            <a:rPr lang="de-CH" sz="2400" i="1">
+                              <a:latin typeface="Cambria Math" panose="02040503050406030204" pitchFamily="18" charset="0"/>
+                            </a:rPr>
+                          </m:ctrlPr>
+                        </m:sSubPr>
+                        <m:e>
+                          <m:r>
+                            <a:rPr lang="de-CH" sz="2400">
+                              <a:latin typeface="Cambria Math" panose="02040503050406030204" pitchFamily="18" charset="0"/>
+                            </a:rPr>
+                            <m:t>𝑥</m:t>
+                          </m:r>
+                        </m:e>
+                        <m:sub>
+                          <m:r>
+                            <a:rPr lang="de-CH" sz="2400">
+                              <a:latin typeface="Cambria Math" panose="02040503050406030204" pitchFamily="18" charset="0"/>
+                            </a:rPr>
+                            <m:t>𝑛</m:t>
+                          </m:r>
+                        </m:sub>
+                      </m:sSub>
+                      <m:r>
+                        <a:rPr lang="de-CH" sz="2400">
+                          <a:latin typeface="Cambria Math" panose="02040503050406030204" pitchFamily="18" charset="0"/>
+                        </a:rPr>
+                        <m:t>)</m:t>
+                      </m:r>
+                    </m:oMath>
+                  </m:oMathPara>
+                </a14:m>
+                <a:endParaRPr lang="en-CH" sz="2400" dirty="0">
+                  <a:latin typeface="Arial" panose="020B0604020202020204" pitchFamily="34" charset="0"/>
+                </a:endParaRPr>
+              </a:p>
+            </p:txBody>
+          </p:sp>
+        </mc:Choice>
+        <mc:Fallback xmlns="">
+          <p:sp>
+            <p:nvSpPr>
+              <p:cNvPr id="14" name="TextBox 13">
+                <a:extLst>
+                  <a:ext uri="{FF2B5EF4-FFF2-40B4-BE49-F238E27FC236}">
+                    <a16:creationId xmlns:a16="http://schemas.microsoft.com/office/drawing/2014/main" id="{B222D22B-D8F9-8930-D37A-3330F3C7251C}"/>
+                  </a:ext>
+                </a:extLst>
+              </p:cNvPr>
+              <p:cNvSpPr txBox="1">
+                <a:spLocks noRot="1" noChangeAspect="1" noMove="1" noResize="1" noEditPoints="1" noAdjustHandles="1" noChangeArrowheads="1" noChangeShapeType="1" noTextEdit="1"/>
+              </p:cNvSpPr>
+              <p:nvPr/>
+            </p:nvSpPr>
+            <p:spPr>
+              <a:xfrm>
+                <a:off x="3086855" y="5845046"/>
+                <a:ext cx="6096000" cy="794513"/>
+              </a:xfrm>
+              <a:prstGeom prst="rect">
+                <a:avLst/>
+              </a:prstGeom>
+              <a:blipFill>
+                <a:blip r:embed="rId3"/>
+                <a:stretch>
+                  <a:fillRect b="-7937"/>
+                </a:stretch>
+              </a:blipFill>
+            </p:spPr>
+            <p:txBody>
+              <a:bodyPr/>
+              <a:lstStyle/>
+              <a:p>
+                <a:r>
+                  <a:rPr lang="en-CH">
+                    <a:noFill/>
+                  </a:rPr>
+                  <a:t> </a:t>
+                </a:r>
+              </a:p>
+            </p:txBody>
+          </p:sp>
+        </mc:Fallback>
+      </mc:AlternateContent>
+      <p:cxnSp>
+        <p:nvCxnSpPr>
+          <p:cNvPr id="18" name="Straight Connector 17">
+            <a:extLst>
+              <a:ext uri="{FF2B5EF4-FFF2-40B4-BE49-F238E27FC236}">
+                <a16:creationId xmlns:a16="http://schemas.microsoft.com/office/drawing/2014/main" id="{3A66CFAC-D3B2-C6C7-9B76-7E14511FB2A2}"/>
+              </a:ext>
+            </a:extLst>
+          </p:cNvPr>
+          <p:cNvCxnSpPr>
+            <a:cxnSpLocks/>
+          </p:cNvCxnSpPr>
+          <p:nvPr/>
+        </p:nvCxnSpPr>
+        <p:spPr>
+          <a:xfrm flipH="1">
+            <a:off x="7805436" y="2325151"/>
+            <a:ext cx="704025" cy="3553427"/>
+          </a:xfrm>
+          <a:prstGeom prst="line">
+            <a:avLst/>
+          </a:prstGeom>
+          <a:ln w="12700">
+            <a:solidFill>
+              <a:srgbClr val="FF0000"/>
+            </a:solidFill>
+            <a:prstDash val="dash"/>
+          </a:ln>
+        </p:spPr>
+        <p:style>
+          <a:lnRef idx="1">
+            <a:schemeClr val="accent1"/>
+          </a:lnRef>
+          <a:fillRef idx="0">
+            <a:schemeClr val="accent1"/>
+          </a:fillRef>
+          <a:effectRef idx="0">
+            <a:schemeClr val="accent1"/>
+          </a:effectRef>
+          <a:fontRef idx="minor">
+            <a:schemeClr val="tx1"/>
+          </a:fontRef>
+        </p:style>
+      </p:cxnSp>
+      <p:cxnSp>
+        <p:nvCxnSpPr>
+          <p:cNvPr id="22" name="Straight Connector 21">
+            <a:extLst>
+              <a:ext uri="{FF2B5EF4-FFF2-40B4-BE49-F238E27FC236}">
+                <a16:creationId xmlns:a16="http://schemas.microsoft.com/office/drawing/2014/main" id="{01FAA85D-20D1-3B28-5CC1-E7DCAF110C38}"/>
+              </a:ext>
+            </a:extLst>
+          </p:cNvPr>
+          <p:cNvCxnSpPr>
+            <a:cxnSpLocks/>
+          </p:cNvCxnSpPr>
+          <p:nvPr/>
+        </p:nvCxnSpPr>
+        <p:spPr>
+          <a:xfrm flipH="1" flipV="1">
+            <a:off x="4975254" y="4262570"/>
+            <a:ext cx="1636773" cy="47229"/>
+          </a:xfrm>
+          <a:prstGeom prst="line">
+            <a:avLst/>
+          </a:prstGeom>
+          <a:ln w="12700">
+            <a:solidFill>
+              <a:srgbClr val="FF0000"/>
+            </a:solidFill>
+            <a:prstDash val="dash"/>
+          </a:ln>
+        </p:spPr>
+        <p:style>
+          <a:lnRef idx="1">
+            <a:schemeClr val="accent1"/>
+          </a:lnRef>
+          <a:fillRef idx="0">
+            <a:schemeClr val="accent1"/>
+          </a:fillRef>
+          <a:effectRef idx="0">
+            <a:schemeClr val="accent1"/>
+          </a:effectRef>
+          <a:fontRef idx="minor">
+            <a:schemeClr val="tx1"/>
+          </a:fontRef>
+        </p:style>
+      </p:cxnSp>
+      <p:sp>
+        <p:nvSpPr>
+          <p:cNvPr id="25" name="Rectangle 24">
+            <a:extLst>
+              <a:ext uri="{FF2B5EF4-FFF2-40B4-BE49-F238E27FC236}">
+                <a16:creationId xmlns:a16="http://schemas.microsoft.com/office/drawing/2014/main" id="{AA26A82F-4B2A-AB13-660B-B5338D7EA37E}"/>
+              </a:ext>
+            </a:extLst>
+          </p:cNvPr>
+          <p:cNvSpPr/>
+          <p:nvPr/>
+        </p:nvSpPr>
+        <p:spPr>
+          <a:xfrm>
+            <a:off x="6536538" y="5845046"/>
+            <a:ext cx="1158441" cy="825183"/>
+          </a:xfrm>
+          <a:prstGeom prst="rect">
+            <a:avLst/>
+          </a:prstGeom>
+          <a:noFill/>
+          <a:ln w="38100">
+            <a:solidFill>
+              <a:srgbClr val="FF0000"/>
+            </a:solidFill>
+          </a:ln>
+        </p:spPr>
+        <p:style>
+          <a:lnRef idx="2">
+            <a:schemeClr val="accent1">
+              <a:shade val="50000"/>
+            </a:schemeClr>
+          </a:lnRef>
+          <a:fillRef idx="1">
+            <a:schemeClr val="accent1"/>
+          </a:fillRef>
+          <a:effectRef idx="0">
+            <a:schemeClr val="accent1"/>
+          </a:effectRef>
+          <a:fontRef idx="minor">
+            <a:schemeClr val="lt1"/>
+          </a:fontRef>
+        </p:style>
+        <p:txBody>
+          <a:bodyPr rtlCol="0" anchor="ctr"/>
+          <a:lstStyle/>
+          <a:p>
+            <a:pPr algn="ctr"/>
+            <a:endParaRPr lang="en-CH" sz="2400" dirty="0">
+              <a:latin typeface="Arial" panose="020B0604020202020204" pitchFamily="34" charset="0"/>
+            </a:endParaRPr>
+          </a:p>
+        </p:txBody>
+      </p:sp>
+      <p:cxnSp>
+        <p:nvCxnSpPr>
+          <p:cNvPr id="26" name="Straight Arrow Connector 25">
+            <a:extLst>
+              <a:ext uri="{FF2B5EF4-FFF2-40B4-BE49-F238E27FC236}">
+                <a16:creationId xmlns:a16="http://schemas.microsoft.com/office/drawing/2014/main" id="{7AADFD25-DEA7-85E8-0E32-1A2C88B73030}"/>
+              </a:ext>
+            </a:extLst>
+          </p:cNvPr>
+          <p:cNvCxnSpPr>
+            <a:cxnSpLocks/>
+            <a:stCxn id="27" idx="1"/>
+            <a:endCxn id="25" idx="3"/>
+          </p:cNvCxnSpPr>
+          <p:nvPr/>
+        </p:nvCxnSpPr>
+        <p:spPr>
+          <a:xfrm flipH="1">
+            <a:off x="7694979" y="6118426"/>
+            <a:ext cx="1667586" cy="139212"/>
+          </a:xfrm>
+          <a:prstGeom prst="straightConnector1">
+            <a:avLst/>
+          </a:prstGeom>
+          <a:ln w="28575">
+            <a:solidFill>
+              <a:srgbClr val="FF0000"/>
+            </a:solidFill>
+            <a:tailEnd type="triangle"/>
+          </a:ln>
+        </p:spPr>
+        <p:style>
+          <a:lnRef idx="1">
+            <a:schemeClr val="accent1"/>
+          </a:lnRef>
+          <a:fillRef idx="0">
+            <a:schemeClr val="accent1"/>
+          </a:fillRef>
+          <a:effectRef idx="0">
+            <a:schemeClr val="accent1"/>
+          </a:effectRef>
+          <a:fontRef idx="minor">
+            <a:schemeClr val="tx1"/>
+          </a:fontRef>
+        </p:style>
+      </p:cxnSp>
+      <p:sp>
+        <p:nvSpPr>
+          <p:cNvPr id="27" name="TextBox 26">
+            <a:extLst>
+              <a:ext uri="{FF2B5EF4-FFF2-40B4-BE49-F238E27FC236}">
+                <a16:creationId xmlns:a16="http://schemas.microsoft.com/office/drawing/2014/main" id="{3AAEB065-F070-0EDE-B7E2-942848682575}"/>
+              </a:ext>
+            </a:extLst>
+          </p:cNvPr>
+          <p:cNvSpPr txBox="1"/>
+          <p:nvPr/>
+        </p:nvSpPr>
+        <p:spPr>
+          <a:xfrm>
+            <a:off x="9362565" y="5518261"/>
+            <a:ext cx="2117887" cy="1200329"/>
+          </a:xfrm>
+          <a:prstGeom prst="rect">
+            <a:avLst/>
+          </a:prstGeom>
+          <a:noFill/>
+        </p:spPr>
+        <p:txBody>
+          <a:bodyPr wrap="none" rtlCol="0">
+            <a:spAutoFit/>
+          </a:bodyPr>
+          <a:lstStyle/>
+          <a:p>
+            <a:r>
+              <a:rPr lang="en-CH" sz="2400">
+                <a:solidFill>
+                  <a:srgbClr val="FF0000"/>
+                </a:solidFill>
+                <a:latin typeface="Arial" panose="020B0604020202020204" pitchFamily="34" charset="0"/>
+                <a:cs typeface="Arial" panose="020B0604020202020204" pitchFamily="34" charset="0"/>
+              </a:rPr>
+              <a:t>Slope of the</a:t>
+            </a:r>
+          </a:p>
+          <a:p>
+            <a:r>
+              <a:rPr lang="en-GB" sz="2400">
+                <a:solidFill>
+                  <a:srgbClr val="FF0000"/>
+                </a:solidFill>
+                <a:latin typeface="Arial" panose="020B0604020202020204" pitchFamily="34" charset="0"/>
+                <a:cs typeface="Arial" panose="020B0604020202020204" pitchFamily="34" charset="0"/>
+              </a:rPr>
+              <a:t>f</a:t>
+            </a:r>
+            <a:r>
+              <a:rPr lang="en-CH" sz="2400">
+                <a:solidFill>
+                  <a:srgbClr val="FF0000"/>
+                </a:solidFill>
+                <a:latin typeface="Arial" panose="020B0604020202020204" pitchFamily="34" charset="0"/>
+                <a:cs typeface="Arial" panose="020B0604020202020204" pitchFamily="34" charset="0"/>
+              </a:rPr>
+              <a:t>unction to be </a:t>
+            </a:r>
+          </a:p>
+          <a:p>
+            <a:r>
+              <a:rPr lang="en-CH" sz="2400">
+                <a:solidFill>
+                  <a:srgbClr val="FF0000"/>
+                </a:solidFill>
+                <a:latin typeface="Arial" panose="020B0604020202020204" pitchFamily="34" charset="0"/>
+                <a:cs typeface="Arial" panose="020B0604020202020204" pitchFamily="34" charset="0"/>
+              </a:rPr>
+              <a:t>minimized</a:t>
+            </a:r>
+          </a:p>
+        </p:txBody>
+      </p:sp>
     </p:spTree>
     <p:extLst>
       <p:ext uri="{BB962C8B-B14F-4D97-AF65-F5344CB8AC3E}">
-        <p14:creationId xmlns:p14="http://schemas.microsoft.com/office/powerpoint/2010/main" val="1524383994"/>
+        <p14:creationId xmlns:p14="http://schemas.microsoft.com/office/powerpoint/2010/main" val="117822681"/>
       </p:ext>
     </p:extLst>
   </p:cSld>
   <p:clrMapOvr>
     <a:masterClrMapping/>
   </p:clrMapOvr>
+  <p:timing>
+    <p:tnLst>
+      <p:par>
+        <p:cTn id="1" dur="indefinite" restart="never" nodeType="tmRoot">
+          <p:childTnLst>
+            <p:seq concurrent="1" nextAc="seek">
+              <p:cTn id="2" dur="indefinite" nodeType="mainSeq">
+                <p:childTnLst>
+                  <p:par>
+                    <p:cTn id="3" fill="hold">
+                      <p:stCondLst>
+                        <p:cond delay="indefinite"/>
+                      </p:stCondLst>
+                      <p:childTnLst>
+                        <p:par>
+                          <p:cTn id="4" fill="hold">
+                            <p:stCondLst>
+                              <p:cond delay="0"/>
+                            </p:stCondLst>
+                            <p:childTnLst>
+                              <p:par>
+                                <p:cTn id="5" presetID="10" presetClass="entr" presetSubtype="0" fill="hold" grpId="0" nodeType="clickEffect">
+                                  <p:stCondLst>
+                                    <p:cond delay="0"/>
+                                  </p:stCondLst>
+                                  <p:childTnLst>
+                                    <p:set>
+                                      <p:cBhvr>
+                                        <p:cTn id="6" dur="1" fill="hold">
+                                          <p:stCondLst>
+                                            <p:cond delay="0"/>
+                                          </p:stCondLst>
+                                        </p:cTn>
+                                        <p:tgtEl>
+                                          <p:spTgt spid="6"/>
+                                        </p:tgtEl>
+                                        <p:attrNameLst>
+                                          <p:attrName>style.visibility</p:attrName>
+                                        </p:attrNameLst>
+                                      </p:cBhvr>
+                                      <p:to>
+                                        <p:strVal val="visible"/>
+                                      </p:to>
+                                    </p:set>
+                                    <p:animEffect transition="in" filter="fade">
+                                      <p:cBhvr>
+                                        <p:cTn id="7" dur="500"/>
+                                        <p:tgtEl>
+                                          <p:spTgt spid="6"/>
+                                        </p:tgtEl>
+                                      </p:cBhvr>
+                                    </p:animEffect>
+                                  </p:childTnLst>
+                                </p:cTn>
+                              </p:par>
+                              <p:par>
+                                <p:cTn id="8" presetID="10" presetClass="entr" presetSubtype="0" fill="hold" nodeType="withEffect">
+                                  <p:stCondLst>
+                                    <p:cond delay="0"/>
+                                  </p:stCondLst>
+                                  <p:childTnLst>
+                                    <p:set>
+                                      <p:cBhvr>
+                                        <p:cTn id="9" dur="1" fill="hold">
+                                          <p:stCondLst>
+                                            <p:cond delay="0"/>
+                                          </p:stCondLst>
+                                        </p:cTn>
+                                        <p:tgtEl>
+                                          <p:spTgt spid="11"/>
+                                        </p:tgtEl>
+                                        <p:attrNameLst>
+                                          <p:attrName>style.visibility</p:attrName>
+                                        </p:attrNameLst>
+                                      </p:cBhvr>
+                                      <p:to>
+                                        <p:strVal val="visible"/>
+                                      </p:to>
+                                    </p:set>
+                                    <p:animEffect transition="in" filter="fade">
+                                      <p:cBhvr>
+                                        <p:cTn id="10" dur="500"/>
+                                        <p:tgtEl>
+                                          <p:spTgt spid="11"/>
+                                        </p:tgtEl>
+                                      </p:cBhvr>
+                                    </p:animEffect>
+                                  </p:childTnLst>
+                                </p:cTn>
+                              </p:par>
+                              <p:par>
+                                <p:cTn id="11" presetID="10" presetClass="entr" presetSubtype="0" fill="hold" grpId="0" nodeType="withEffect">
+                                  <p:stCondLst>
+                                    <p:cond delay="0"/>
+                                  </p:stCondLst>
+                                  <p:childTnLst>
+                                    <p:set>
+                                      <p:cBhvr>
+                                        <p:cTn id="12" dur="1" fill="hold">
+                                          <p:stCondLst>
+                                            <p:cond delay="0"/>
+                                          </p:stCondLst>
+                                        </p:cTn>
+                                        <p:tgtEl>
+                                          <p:spTgt spid="8"/>
+                                        </p:tgtEl>
+                                        <p:attrNameLst>
+                                          <p:attrName>style.visibility</p:attrName>
+                                        </p:attrNameLst>
+                                      </p:cBhvr>
+                                      <p:to>
+                                        <p:strVal val="visible"/>
+                                      </p:to>
+                                    </p:set>
+                                    <p:animEffect transition="in" filter="fade">
+                                      <p:cBhvr>
+                                        <p:cTn id="13" dur="500"/>
+                                        <p:tgtEl>
+                                          <p:spTgt spid="8"/>
+                                        </p:tgtEl>
+                                      </p:cBhvr>
+                                    </p:animEffect>
+                                  </p:childTnLst>
+                                </p:cTn>
+                              </p:par>
+                              <p:par>
+                                <p:cTn id="14" presetID="10" presetClass="entr" presetSubtype="0" fill="hold" nodeType="withEffect">
+                                  <p:stCondLst>
+                                    <p:cond delay="0"/>
+                                  </p:stCondLst>
+                                  <p:childTnLst>
+                                    <p:set>
+                                      <p:cBhvr>
+                                        <p:cTn id="15" dur="1" fill="hold">
+                                          <p:stCondLst>
+                                            <p:cond delay="0"/>
+                                          </p:stCondLst>
+                                        </p:cTn>
+                                        <p:tgtEl>
+                                          <p:spTgt spid="22"/>
+                                        </p:tgtEl>
+                                        <p:attrNameLst>
+                                          <p:attrName>style.visibility</p:attrName>
+                                        </p:attrNameLst>
+                                      </p:cBhvr>
+                                      <p:to>
+                                        <p:strVal val="visible"/>
+                                      </p:to>
+                                    </p:set>
+                                    <p:animEffect transition="in" filter="fade">
+                                      <p:cBhvr>
+                                        <p:cTn id="16" dur="500"/>
+                                        <p:tgtEl>
+                                          <p:spTgt spid="22"/>
+                                        </p:tgtEl>
+                                      </p:cBhvr>
+                                    </p:animEffect>
+                                  </p:childTnLst>
+                                </p:cTn>
+                              </p:par>
+                            </p:childTnLst>
+                          </p:cTn>
+                        </p:par>
+                      </p:childTnLst>
+                    </p:cTn>
+                  </p:par>
+                  <p:par>
+                    <p:cTn id="17" fill="hold">
+                      <p:stCondLst>
+                        <p:cond delay="indefinite"/>
+                      </p:stCondLst>
+                      <p:childTnLst>
+                        <p:par>
+                          <p:cTn id="18" fill="hold">
+                            <p:stCondLst>
+                              <p:cond delay="0"/>
+                            </p:stCondLst>
+                            <p:childTnLst>
+                              <p:par>
+                                <p:cTn id="19" presetID="10" presetClass="entr" presetSubtype="0" fill="hold" grpId="0" nodeType="clickEffect">
+                                  <p:stCondLst>
+                                    <p:cond delay="0"/>
+                                  </p:stCondLst>
+                                  <p:childTnLst>
+                                    <p:set>
+                                      <p:cBhvr>
+                                        <p:cTn id="20" dur="1" fill="hold">
+                                          <p:stCondLst>
+                                            <p:cond delay="0"/>
+                                          </p:stCondLst>
+                                        </p:cTn>
+                                        <p:tgtEl>
+                                          <p:spTgt spid="9"/>
+                                        </p:tgtEl>
+                                        <p:attrNameLst>
+                                          <p:attrName>style.visibility</p:attrName>
+                                        </p:attrNameLst>
+                                      </p:cBhvr>
+                                      <p:to>
+                                        <p:strVal val="visible"/>
+                                      </p:to>
+                                    </p:set>
+                                    <p:animEffect transition="in" filter="fade">
+                                      <p:cBhvr>
+                                        <p:cTn id="21" dur="500"/>
+                                        <p:tgtEl>
+                                          <p:spTgt spid="9"/>
+                                        </p:tgtEl>
+                                      </p:cBhvr>
+                                    </p:animEffect>
+                                  </p:childTnLst>
+                                </p:cTn>
+                              </p:par>
+                              <p:par>
+                                <p:cTn id="22" presetID="10" presetClass="entr" presetSubtype="0" fill="hold" nodeType="withEffect">
+                                  <p:stCondLst>
+                                    <p:cond delay="0"/>
+                                  </p:stCondLst>
+                                  <p:childTnLst>
+                                    <p:set>
+                                      <p:cBhvr>
+                                        <p:cTn id="23" dur="1" fill="hold">
+                                          <p:stCondLst>
+                                            <p:cond delay="0"/>
+                                          </p:stCondLst>
+                                        </p:cTn>
+                                        <p:tgtEl>
+                                          <p:spTgt spid="12"/>
+                                        </p:tgtEl>
+                                        <p:attrNameLst>
+                                          <p:attrName>style.visibility</p:attrName>
+                                        </p:attrNameLst>
+                                      </p:cBhvr>
+                                      <p:to>
+                                        <p:strVal val="visible"/>
+                                      </p:to>
+                                    </p:set>
+                                    <p:animEffect transition="in" filter="fade">
+                                      <p:cBhvr>
+                                        <p:cTn id="24" dur="500"/>
+                                        <p:tgtEl>
+                                          <p:spTgt spid="12"/>
+                                        </p:tgtEl>
+                                      </p:cBhvr>
+                                    </p:animEffect>
+                                  </p:childTnLst>
+                                </p:cTn>
+                              </p:par>
+                              <p:par>
+                                <p:cTn id="25" presetID="10" presetClass="entr" presetSubtype="0" fill="hold" grpId="0" nodeType="withEffect">
+                                  <p:stCondLst>
+                                    <p:cond delay="0"/>
+                                  </p:stCondLst>
+                                  <p:childTnLst>
+                                    <p:set>
+                                      <p:cBhvr>
+                                        <p:cTn id="26" dur="1" fill="hold">
+                                          <p:stCondLst>
+                                            <p:cond delay="0"/>
+                                          </p:stCondLst>
+                                        </p:cTn>
+                                        <p:tgtEl>
+                                          <p:spTgt spid="7"/>
+                                        </p:tgtEl>
+                                        <p:attrNameLst>
+                                          <p:attrName>style.visibility</p:attrName>
+                                        </p:attrNameLst>
+                                      </p:cBhvr>
+                                      <p:to>
+                                        <p:strVal val="visible"/>
+                                      </p:to>
+                                    </p:set>
+                                    <p:animEffect transition="in" filter="fade">
+                                      <p:cBhvr>
+                                        <p:cTn id="27" dur="500"/>
+                                        <p:tgtEl>
+                                          <p:spTgt spid="7"/>
+                                        </p:tgtEl>
+                                      </p:cBhvr>
+                                    </p:animEffect>
+                                  </p:childTnLst>
+                                </p:cTn>
+                              </p:par>
+                              <p:par>
+                                <p:cTn id="28" presetID="10" presetClass="entr" presetSubtype="0" fill="hold" nodeType="withEffect">
+                                  <p:stCondLst>
+                                    <p:cond delay="0"/>
+                                  </p:stCondLst>
+                                  <p:childTnLst>
+                                    <p:set>
+                                      <p:cBhvr>
+                                        <p:cTn id="29" dur="1" fill="hold">
+                                          <p:stCondLst>
+                                            <p:cond delay="0"/>
+                                          </p:stCondLst>
+                                        </p:cTn>
+                                        <p:tgtEl>
+                                          <p:spTgt spid="18"/>
+                                        </p:tgtEl>
+                                        <p:attrNameLst>
+                                          <p:attrName>style.visibility</p:attrName>
+                                        </p:attrNameLst>
+                                      </p:cBhvr>
+                                      <p:to>
+                                        <p:strVal val="visible"/>
+                                      </p:to>
+                                    </p:set>
+                                    <p:animEffect transition="in" filter="fade">
+                                      <p:cBhvr>
+                                        <p:cTn id="30" dur="500"/>
+                                        <p:tgtEl>
+                                          <p:spTgt spid="18"/>
+                                        </p:tgtEl>
+                                      </p:cBhvr>
+                                    </p:animEffect>
+                                  </p:childTnLst>
+                                </p:cTn>
+                              </p:par>
+                            </p:childTnLst>
+                          </p:cTn>
+                        </p:par>
+                      </p:childTnLst>
+                    </p:cTn>
+                  </p:par>
+                </p:childTnLst>
+              </p:cTn>
+              <p:prevCondLst>
+                <p:cond evt="onPrev" delay="0">
+                  <p:tgtEl>
+                    <p:sldTgt/>
+                  </p:tgtEl>
+                </p:cond>
+              </p:prevCondLst>
+              <p:nextCondLst>
+                <p:cond evt="onNext" delay="0">
+                  <p:tgtEl>
+                    <p:sldTgt/>
+                  </p:tgtEl>
+                </p:cond>
+              </p:nextCondLst>
+            </p:seq>
+          </p:childTnLst>
+        </p:cTn>
+      </p:par>
+    </p:tnLst>
+    <p:bldLst>
+      <p:bldP spid="6" grpId="0" animBg="1"/>
+      <p:bldP spid="7" grpId="0" animBg="1"/>
+      <p:bldP spid="8" grpId="0"/>
+      <p:bldP spid="9" grpId="0"/>
+    </p:bldLst>
+  </p:timing>
 </p:sld>
 </file>
 
@@ -8694,7 +9739,7 @@
           <p:cNvPr id="2" name="Title 1">
             <a:extLst>
               <a:ext uri="{FF2B5EF4-FFF2-40B4-BE49-F238E27FC236}">
-                <a16:creationId xmlns:a16="http://schemas.microsoft.com/office/drawing/2014/main" id="{40E25C83-55CC-EC93-CDD6-1EE9C8199E20}"/>
+                <a16:creationId xmlns:a16="http://schemas.microsoft.com/office/drawing/2014/main" id="{766F6BC9-F113-AA49-A778-DE27D51FCBB9}"/>
               </a:ext>
             </a:extLst>
           </p:cNvPr>
@@ -8712,45 +9757,81 @@
           <a:p>
             <a:r>
               <a:rPr lang="en-CH" dirty="0"/>
-              <a:t>Gradient Descent - Example</a:t>
-            </a:r>
-          </a:p>
-        </p:txBody>
-      </p:sp>
-      <p:pic>
-        <p:nvPicPr>
-          <p:cNvPr id="5" name="Picture 4">
-            <a:extLst>
-              <a:ext uri="{FF2B5EF4-FFF2-40B4-BE49-F238E27FC236}">
-                <a16:creationId xmlns:a16="http://schemas.microsoft.com/office/drawing/2014/main" id="{4405793C-EE98-4159-F210-ED26FCB48010}"/>
-              </a:ext>
-            </a:extLst>
-          </p:cNvPr>
-          <p:cNvPicPr>
-            <a:picLocks noChangeAspect="1"/>
-          </p:cNvPicPr>
-          <p:nvPr/>
-        </p:nvPicPr>
-        <p:blipFill>
-          <a:blip r:embed="rId2"/>
-          <a:stretch>
-            <a:fillRect/>
-          </a:stretch>
-        </p:blipFill>
-        <p:spPr>
-          <a:xfrm>
-            <a:off x="626241" y="2043009"/>
-            <a:ext cx="10727559" cy="3288816"/>
-          </a:xfrm>
-          <a:prstGeom prst="rect">
-            <a:avLst/>
-          </a:prstGeom>
-        </p:spPr>
-      </p:pic>
+              <a:t>Solutions to the vanishing gradient problem</a:t>
+            </a:r>
+          </a:p>
+        </p:txBody>
+      </p:sp>
+      <p:sp>
+        <p:nvSpPr>
+          <p:cNvPr id="3" name="Content Placeholder 2">
+            <a:extLst>
+              <a:ext uri="{FF2B5EF4-FFF2-40B4-BE49-F238E27FC236}">
+                <a16:creationId xmlns:a16="http://schemas.microsoft.com/office/drawing/2014/main" id="{7CF4F498-2795-14BD-12CC-7B5F8F0F5CD5}"/>
+              </a:ext>
+            </a:extLst>
+          </p:cNvPr>
+          <p:cNvSpPr>
+            <a:spLocks noGrp="1"/>
+          </p:cNvSpPr>
+          <p:nvPr>
+            <p:ph idx="1"/>
+          </p:nvPr>
+        </p:nvSpPr>
+        <p:spPr/>
+        <p:txBody>
+          <a:bodyPr/>
+          <a:lstStyle/>
+          <a:p>
+            <a:pPr marL="0" indent="0">
+              <a:buNone/>
+            </a:pPr>
+            <a:r>
+              <a:rPr lang="en-GB" dirty="0"/>
+              <a:t>Various strategies have been developed to mitigate the vanishing gradient problem:</a:t>
+            </a:r>
+          </a:p>
+          <a:p>
+            <a:r>
+              <a:rPr lang="en-GB" dirty="0"/>
+              <a:t>such as using alternative activation functions (e.g., </a:t>
+            </a:r>
+            <a:r>
+              <a:rPr lang="en-GB" dirty="0" err="1"/>
+              <a:t>ReLU</a:t>
+            </a:r>
+            <a:r>
+              <a:rPr lang="en-GB" dirty="0"/>
+              <a:t>)</a:t>
+            </a:r>
+          </a:p>
+          <a:p>
+            <a:r>
+              <a:rPr lang="en-GB" dirty="0"/>
+              <a:t>Better weight initialization techniques</a:t>
+            </a:r>
+          </a:p>
+          <a:p>
+            <a:r>
+              <a:rPr lang="en-GB" dirty="0"/>
+              <a:t>Other Optimisers (Adam, </a:t>
+            </a:r>
+            <a:r>
+              <a:rPr lang="en-GB" dirty="0" err="1"/>
+              <a:t>RMSProp</a:t>
+            </a:r>
+            <a:r>
+              <a:rPr lang="en-GB" dirty="0"/>
+              <a:t>, etc.)</a:t>
+            </a:r>
+            <a:endParaRPr lang="en-CH" dirty="0"/>
+          </a:p>
+        </p:txBody>
+      </p:sp>
     </p:spTree>
     <p:extLst>
       <p:ext uri="{BB962C8B-B14F-4D97-AF65-F5344CB8AC3E}">
-        <p14:creationId xmlns:p14="http://schemas.microsoft.com/office/powerpoint/2010/main" val="1906576540"/>
+        <p14:creationId xmlns:p14="http://schemas.microsoft.com/office/powerpoint/2010/main" val="658412316"/>
       </p:ext>
     </p:extLst>
   </p:cSld>
@@ -8800,17 +9881,57 @@
           <a:p>
             <a:r>
               <a:rPr lang="en-CH" dirty="0"/>
-              <a:t>Choosing the right learning rate</a:t>
+              <a:t>Gradient Descent - Example</a:t>
+            </a:r>
+          </a:p>
+        </p:txBody>
+      </p:sp>
+      <p:sp>
+        <p:nvSpPr>
+          <p:cNvPr id="3" name="Content Placeholder 2">
+            <a:extLst>
+              <a:ext uri="{FF2B5EF4-FFF2-40B4-BE49-F238E27FC236}">
+                <a16:creationId xmlns:a16="http://schemas.microsoft.com/office/drawing/2014/main" id="{35997C8A-611E-2E27-67C2-4818B0CAC580}"/>
+              </a:ext>
+            </a:extLst>
+          </p:cNvPr>
+          <p:cNvSpPr>
+            <a:spLocks noGrp="1"/>
+          </p:cNvSpPr>
+          <p:nvPr>
+            <p:ph idx="1"/>
+          </p:nvPr>
+        </p:nvSpPr>
+        <p:spPr/>
+        <p:txBody>
+          <a:bodyPr/>
+          <a:lstStyle/>
+          <a:p>
+            <a:r>
+              <a:rPr lang="en-CH" dirty="0"/>
+              <a:t>We want to minimize the function</a:t>
+            </a:r>
+          </a:p>
+          <a:p>
+            <a:endParaRPr lang="en-CH" dirty="0"/>
+          </a:p>
+          <a:p>
+            <a:endParaRPr lang="en-CH" dirty="0"/>
+          </a:p>
+          <a:p>
+            <a:r>
+              <a:rPr lang="en-CH" dirty="0"/>
+              <a:t>Gradient Descent Formula</a:t>
             </a:r>
           </a:p>
         </p:txBody>
       </p:sp>
       <p:pic>
         <p:nvPicPr>
-          <p:cNvPr id="3" name="Picture 2">
-            <a:extLst>
-              <a:ext uri="{FF2B5EF4-FFF2-40B4-BE49-F238E27FC236}">
-                <a16:creationId xmlns:a16="http://schemas.microsoft.com/office/drawing/2014/main" id="{C5C3715F-7F3C-C07E-3493-41E7716EF422}"/>
+          <p:cNvPr id="5" name="Picture 4">
+            <a:extLst>
+              <a:ext uri="{FF2B5EF4-FFF2-40B4-BE49-F238E27FC236}">
+                <a16:creationId xmlns:a16="http://schemas.microsoft.com/office/drawing/2014/main" id="{5F1E2E3D-4118-7AB9-8E9C-901C5C9B6579}"/>
               </a:ext>
             </a:extLst>
           </p:cNvPr>
@@ -8827,18 +9948,121 @@
         </p:blipFill>
         <p:spPr>
           <a:xfrm>
-            <a:off x="620275" y="1687028"/>
-            <a:ext cx="10951450" cy="4436955"/>
+            <a:off x="5086350" y="2422939"/>
+            <a:ext cx="2019300" cy="660400"/>
           </a:xfrm>
           <a:prstGeom prst="rect">
             <a:avLst/>
           </a:prstGeom>
         </p:spPr>
       </p:pic>
+      <p:pic>
+        <p:nvPicPr>
+          <p:cNvPr id="6" name="Picture 5">
+            <a:extLst>
+              <a:ext uri="{FF2B5EF4-FFF2-40B4-BE49-F238E27FC236}">
+                <a16:creationId xmlns:a16="http://schemas.microsoft.com/office/drawing/2014/main" id="{4E29EB06-76E9-1585-0A4F-7AD78EABE80C}"/>
+              </a:ext>
+            </a:extLst>
+          </p:cNvPr>
+          <p:cNvPicPr>
+            <a:picLocks noChangeAspect="1"/>
+          </p:cNvPicPr>
+          <p:nvPr/>
+        </p:nvPicPr>
+        <p:blipFill>
+          <a:blip r:embed="rId3"/>
+          <a:stretch>
+            <a:fillRect/>
+          </a:stretch>
+        </p:blipFill>
+        <p:spPr>
+          <a:xfrm>
+            <a:off x="3397250" y="5213868"/>
+            <a:ext cx="5397500" cy="774700"/>
+          </a:xfrm>
+          <a:prstGeom prst="rect">
+            <a:avLst/>
+          </a:prstGeom>
+        </p:spPr>
+      </p:pic>
+      <p:pic>
+        <p:nvPicPr>
+          <p:cNvPr id="7" name="Picture 6">
+            <a:extLst>
+              <a:ext uri="{FF2B5EF4-FFF2-40B4-BE49-F238E27FC236}">
+                <a16:creationId xmlns:a16="http://schemas.microsoft.com/office/drawing/2014/main" id="{6852B7F9-AEEF-1572-57E0-08D2173A0AB2}"/>
+              </a:ext>
+            </a:extLst>
+          </p:cNvPr>
+          <p:cNvPicPr>
+            <a:picLocks noChangeAspect="1"/>
+          </p:cNvPicPr>
+          <p:nvPr/>
+        </p:nvPicPr>
+        <p:blipFill>
+          <a:blip r:embed="rId4"/>
+          <a:stretch>
+            <a:fillRect/>
+          </a:stretch>
+        </p:blipFill>
+        <p:spPr>
+          <a:xfrm>
+            <a:off x="4076700" y="4155800"/>
+            <a:ext cx="4038600" cy="990600"/>
+          </a:xfrm>
+          <a:prstGeom prst="rect">
+            <a:avLst/>
+          </a:prstGeom>
+        </p:spPr>
+      </p:pic>
+      <p:sp>
+        <p:nvSpPr>
+          <p:cNvPr id="4" name="TextBox 3">
+            <a:extLst>
+              <a:ext uri="{FF2B5EF4-FFF2-40B4-BE49-F238E27FC236}">
+                <a16:creationId xmlns:a16="http://schemas.microsoft.com/office/drawing/2014/main" id="{F591AAF4-6F54-65A3-DEEA-CDEA56ED7166}"/>
+              </a:ext>
+            </a:extLst>
+          </p:cNvPr>
+          <p:cNvSpPr txBox="1"/>
+          <p:nvPr/>
+        </p:nvSpPr>
+        <p:spPr>
+          <a:xfrm>
+            <a:off x="258418" y="6492875"/>
+            <a:ext cx="11675164" cy="338554"/>
+          </a:xfrm>
+          <a:prstGeom prst="rect">
+            <a:avLst/>
+          </a:prstGeom>
+          <a:noFill/>
+        </p:spPr>
+        <p:txBody>
+          <a:bodyPr wrap="square">
+            <a:spAutoFit/>
+          </a:bodyPr>
+          <a:lstStyle/>
+          <a:p>
+            <a:r>
+              <a:rPr lang="en-CH" sz="1600" dirty="0"/>
+              <a:t>Fundamental Mathematical Concepts for Machine Learning in Science, Umberto Michelucci, S</a:t>
+            </a:r>
+            <a:r>
+              <a:rPr lang="en-GB" sz="1600" dirty="0"/>
+              <a:t>p</a:t>
+            </a:r>
+            <a:r>
+              <a:rPr lang="en-CH" sz="1600" dirty="0"/>
+              <a:t>ringer Nature (available in 2024)</a:t>
+            </a:r>
+          </a:p>
+        </p:txBody>
+      </p:sp>
     </p:spTree>
     <p:extLst>
       <p:ext uri="{BB962C8B-B14F-4D97-AF65-F5344CB8AC3E}">
-        <p14:creationId xmlns:p14="http://schemas.microsoft.com/office/powerpoint/2010/main" val="481004079"/>
+        <p14:creationId xmlns:p14="http://schemas.microsoft.com/office/powerpoint/2010/main" val="1000436304"/>
       </p:ext>
     </p:extLst>
   </p:cSld>
@@ -8888,17 +10112,17 @@
           <a:p>
             <a:r>
               <a:rPr lang="en-CH" dirty="0"/>
-              <a:t>Choosing the right learning rate</a:t>
+              <a:t>Gradient Descent - Example</a:t>
             </a:r>
           </a:p>
         </p:txBody>
       </p:sp>
       <p:pic>
         <p:nvPicPr>
-          <p:cNvPr id="4" name="Picture 3">
-            <a:extLst>
-              <a:ext uri="{FF2B5EF4-FFF2-40B4-BE49-F238E27FC236}">
-                <a16:creationId xmlns:a16="http://schemas.microsoft.com/office/drawing/2014/main" id="{DE815D3B-CEE5-A82D-94BE-E6F4B7A8F0E2}"/>
+          <p:cNvPr id="9" name="Picture 8">
+            <a:extLst>
+              <a:ext uri="{FF2B5EF4-FFF2-40B4-BE49-F238E27FC236}">
+                <a16:creationId xmlns:a16="http://schemas.microsoft.com/office/drawing/2014/main" id="{4C6C94C2-F62B-EF4D-2DE1-A1DC3D34957F}"/>
               </a:ext>
             </a:extLst>
           </p:cNvPr>
@@ -8915,18 +10139,61 @@
         </p:blipFill>
         <p:spPr>
           <a:xfrm>
-            <a:off x="1027043" y="1480944"/>
-            <a:ext cx="9766852" cy="5377056"/>
+            <a:off x="1772478" y="2101431"/>
+            <a:ext cx="7772400" cy="3867711"/>
           </a:xfrm>
           <a:prstGeom prst="rect">
             <a:avLst/>
           </a:prstGeom>
         </p:spPr>
       </p:pic>
+      <p:sp>
+        <p:nvSpPr>
+          <p:cNvPr id="3" name="TextBox 2">
+            <a:extLst>
+              <a:ext uri="{FF2B5EF4-FFF2-40B4-BE49-F238E27FC236}">
+                <a16:creationId xmlns:a16="http://schemas.microsoft.com/office/drawing/2014/main" id="{2F357205-C748-D82A-68B5-0A8D6D261DF3}"/>
+              </a:ext>
+            </a:extLst>
+          </p:cNvPr>
+          <p:cNvSpPr txBox="1"/>
+          <p:nvPr/>
+        </p:nvSpPr>
+        <p:spPr>
+          <a:xfrm>
+            <a:off x="258418" y="6492875"/>
+            <a:ext cx="11675164" cy="338554"/>
+          </a:xfrm>
+          <a:prstGeom prst="rect">
+            <a:avLst/>
+          </a:prstGeom>
+          <a:noFill/>
+        </p:spPr>
+        <p:txBody>
+          <a:bodyPr wrap="square">
+            <a:spAutoFit/>
+          </a:bodyPr>
+          <a:lstStyle/>
+          <a:p>
+            <a:r>
+              <a:rPr lang="en-CH" sz="1600" dirty="0"/>
+              <a:t>Fundamental Mathematical Concepts for Machine Learning in Science, Umberto Michelucci, S</a:t>
+            </a:r>
+            <a:r>
+              <a:rPr lang="en-GB" sz="1600" dirty="0"/>
+              <a:t>p</a:t>
+            </a:r>
+            <a:r>
+              <a:rPr lang="en-CH" sz="1600" dirty="0"/>
+              <a:t>ringer Nature (available in 2024)</a:t>
+            </a:r>
+          </a:p>
+        </p:txBody>
+      </p:sp>
     </p:spTree>
     <p:extLst>
       <p:ext uri="{BB962C8B-B14F-4D97-AF65-F5344CB8AC3E}">
-        <p14:creationId xmlns:p14="http://schemas.microsoft.com/office/powerpoint/2010/main" val="3216007215"/>
+        <p14:creationId xmlns:p14="http://schemas.microsoft.com/office/powerpoint/2010/main" val="1524383994"/>
       </p:ext>
     </p:extLst>
   </p:cSld>
@@ -8958,6 +10225,404 @@
           <p:cNvPr id="2" name="Title 1">
             <a:extLst>
               <a:ext uri="{FF2B5EF4-FFF2-40B4-BE49-F238E27FC236}">
+                <a16:creationId xmlns:a16="http://schemas.microsoft.com/office/drawing/2014/main" id="{40E25C83-55CC-EC93-CDD6-1EE9C8199E20}"/>
+              </a:ext>
+            </a:extLst>
+          </p:cNvPr>
+          <p:cNvSpPr>
+            <a:spLocks noGrp="1"/>
+          </p:cNvSpPr>
+          <p:nvPr>
+            <p:ph type="title"/>
+          </p:nvPr>
+        </p:nvSpPr>
+        <p:spPr/>
+        <p:txBody>
+          <a:bodyPr/>
+          <a:lstStyle/>
+          <a:p>
+            <a:r>
+              <a:rPr lang="en-CH" dirty="0"/>
+              <a:t>Gradient Descent - Example</a:t>
+            </a:r>
+          </a:p>
+        </p:txBody>
+      </p:sp>
+      <p:pic>
+        <p:nvPicPr>
+          <p:cNvPr id="5" name="Picture 4">
+            <a:extLst>
+              <a:ext uri="{FF2B5EF4-FFF2-40B4-BE49-F238E27FC236}">
+                <a16:creationId xmlns:a16="http://schemas.microsoft.com/office/drawing/2014/main" id="{4405793C-EE98-4159-F210-ED26FCB48010}"/>
+              </a:ext>
+            </a:extLst>
+          </p:cNvPr>
+          <p:cNvPicPr>
+            <a:picLocks noChangeAspect="1"/>
+          </p:cNvPicPr>
+          <p:nvPr/>
+        </p:nvPicPr>
+        <p:blipFill>
+          <a:blip r:embed="rId2"/>
+          <a:stretch>
+            <a:fillRect/>
+          </a:stretch>
+        </p:blipFill>
+        <p:spPr>
+          <a:xfrm>
+            <a:off x="626241" y="2043009"/>
+            <a:ext cx="10727559" cy="3288816"/>
+          </a:xfrm>
+          <a:prstGeom prst="rect">
+            <a:avLst/>
+          </a:prstGeom>
+        </p:spPr>
+      </p:pic>
+      <p:sp>
+        <p:nvSpPr>
+          <p:cNvPr id="3" name="TextBox 2">
+            <a:extLst>
+              <a:ext uri="{FF2B5EF4-FFF2-40B4-BE49-F238E27FC236}">
+                <a16:creationId xmlns:a16="http://schemas.microsoft.com/office/drawing/2014/main" id="{E7CEB79C-52B6-FB16-C083-AA4345B47C96}"/>
+              </a:ext>
+            </a:extLst>
+          </p:cNvPr>
+          <p:cNvSpPr txBox="1"/>
+          <p:nvPr/>
+        </p:nvSpPr>
+        <p:spPr>
+          <a:xfrm>
+            <a:off x="258418" y="6501421"/>
+            <a:ext cx="11675164" cy="338554"/>
+          </a:xfrm>
+          <a:prstGeom prst="rect">
+            <a:avLst/>
+          </a:prstGeom>
+          <a:noFill/>
+        </p:spPr>
+        <p:txBody>
+          <a:bodyPr wrap="square">
+            <a:spAutoFit/>
+          </a:bodyPr>
+          <a:lstStyle/>
+          <a:p>
+            <a:r>
+              <a:rPr lang="en-CH" sz="1600" dirty="0"/>
+              <a:t>Fundamental Mathematical Concepts for Machine Learning in Science, Umberto Michelucci, S</a:t>
+            </a:r>
+            <a:r>
+              <a:rPr lang="en-GB" sz="1600" dirty="0"/>
+              <a:t>p</a:t>
+            </a:r>
+            <a:r>
+              <a:rPr lang="en-CH" sz="1600" dirty="0"/>
+              <a:t>ringer Nature (available in 2024)</a:t>
+            </a:r>
+          </a:p>
+        </p:txBody>
+      </p:sp>
+    </p:spTree>
+    <p:extLst>
+      <p:ext uri="{BB962C8B-B14F-4D97-AF65-F5344CB8AC3E}">
+        <p14:creationId xmlns:p14="http://schemas.microsoft.com/office/powerpoint/2010/main" val="1906576540"/>
+      </p:ext>
+    </p:extLst>
+  </p:cSld>
+  <p:clrMapOvr>
+    <a:masterClrMapping/>
+  </p:clrMapOvr>
+</p:sld>
+</file>
+
+<file path=ppt/slides/slide25.xml><?xml version="1.0" encoding="utf-8"?>
+<p:sld xmlns:a="http://schemas.openxmlformats.org/drawingml/2006/main" xmlns:r="http://schemas.openxmlformats.org/officeDocument/2006/relationships" xmlns:p="http://schemas.openxmlformats.org/presentationml/2006/main">
+  <p:cSld>
+    <p:spTree>
+      <p:nvGrpSpPr>
+        <p:cNvPr id="1" name=""/>
+        <p:cNvGrpSpPr/>
+        <p:nvPr/>
+      </p:nvGrpSpPr>
+      <p:grpSpPr>
+        <a:xfrm>
+          <a:off x="0" y="0"/>
+          <a:ext cx="0" cy="0"/>
+          <a:chOff x="0" y="0"/>
+          <a:chExt cx="0" cy="0"/>
+        </a:xfrm>
+      </p:grpSpPr>
+      <p:sp>
+        <p:nvSpPr>
+          <p:cNvPr id="2" name="Title 1">
+            <a:extLst>
+              <a:ext uri="{FF2B5EF4-FFF2-40B4-BE49-F238E27FC236}">
+                <a16:creationId xmlns:a16="http://schemas.microsoft.com/office/drawing/2014/main" id="{40E25C83-55CC-EC93-CDD6-1EE9C8199E20}"/>
+              </a:ext>
+            </a:extLst>
+          </p:cNvPr>
+          <p:cNvSpPr>
+            <a:spLocks noGrp="1"/>
+          </p:cNvSpPr>
+          <p:nvPr>
+            <p:ph type="title"/>
+          </p:nvPr>
+        </p:nvSpPr>
+        <p:spPr/>
+        <p:txBody>
+          <a:bodyPr/>
+          <a:lstStyle/>
+          <a:p>
+            <a:r>
+              <a:rPr lang="en-CH" dirty="0"/>
+              <a:t>Choosing the right learning rate</a:t>
+            </a:r>
+          </a:p>
+        </p:txBody>
+      </p:sp>
+      <p:pic>
+        <p:nvPicPr>
+          <p:cNvPr id="3" name="Picture 2">
+            <a:extLst>
+              <a:ext uri="{FF2B5EF4-FFF2-40B4-BE49-F238E27FC236}">
+                <a16:creationId xmlns:a16="http://schemas.microsoft.com/office/drawing/2014/main" id="{C5C3715F-7F3C-C07E-3493-41E7716EF422}"/>
+              </a:ext>
+            </a:extLst>
+          </p:cNvPr>
+          <p:cNvPicPr>
+            <a:picLocks noChangeAspect="1"/>
+          </p:cNvPicPr>
+          <p:nvPr/>
+        </p:nvPicPr>
+        <p:blipFill>
+          <a:blip r:embed="rId2"/>
+          <a:stretch>
+            <a:fillRect/>
+          </a:stretch>
+        </p:blipFill>
+        <p:spPr>
+          <a:xfrm>
+            <a:off x="620275" y="1687028"/>
+            <a:ext cx="10951450" cy="4436955"/>
+          </a:xfrm>
+          <a:prstGeom prst="rect">
+            <a:avLst/>
+          </a:prstGeom>
+        </p:spPr>
+      </p:pic>
+      <p:sp>
+        <p:nvSpPr>
+          <p:cNvPr id="4" name="TextBox 3">
+            <a:extLst>
+              <a:ext uri="{FF2B5EF4-FFF2-40B4-BE49-F238E27FC236}">
+                <a16:creationId xmlns:a16="http://schemas.microsoft.com/office/drawing/2014/main" id="{D08814BD-7072-691A-8C76-5CFA4CB1CF56}"/>
+              </a:ext>
+            </a:extLst>
+          </p:cNvPr>
+          <p:cNvSpPr txBox="1"/>
+          <p:nvPr/>
+        </p:nvSpPr>
+        <p:spPr>
+          <a:xfrm>
+            <a:off x="258418" y="6492875"/>
+            <a:ext cx="11675164" cy="338554"/>
+          </a:xfrm>
+          <a:prstGeom prst="rect">
+            <a:avLst/>
+          </a:prstGeom>
+          <a:noFill/>
+        </p:spPr>
+        <p:txBody>
+          <a:bodyPr wrap="square">
+            <a:spAutoFit/>
+          </a:bodyPr>
+          <a:lstStyle/>
+          <a:p>
+            <a:r>
+              <a:rPr lang="en-CH" sz="1600" dirty="0"/>
+              <a:t>Fundamental Mathematical Concepts for Machine Learning in Science, Umberto Michelucci, S</a:t>
+            </a:r>
+            <a:r>
+              <a:rPr lang="en-GB" sz="1600" dirty="0"/>
+              <a:t>p</a:t>
+            </a:r>
+            <a:r>
+              <a:rPr lang="en-CH" sz="1600" dirty="0"/>
+              <a:t>ringer Nature (available in 2024)</a:t>
+            </a:r>
+          </a:p>
+        </p:txBody>
+      </p:sp>
+    </p:spTree>
+    <p:extLst>
+      <p:ext uri="{BB962C8B-B14F-4D97-AF65-F5344CB8AC3E}">
+        <p14:creationId xmlns:p14="http://schemas.microsoft.com/office/powerpoint/2010/main" val="481004079"/>
+      </p:ext>
+    </p:extLst>
+  </p:cSld>
+  <p:clrMapOvr>
+    <a:masterClrMapping/>
+  </p:clrMapOvr>
+</p:sld>
+</file>
+
+<file path=ppt/slides/slide26.xml><?xml version="1.0" encoding="utf-8"?>
+<p:sld xmlns:a="http://schemas.openxmlformats.org/drawingml/2006/main" xmlns:r="http://schemas.openxmlformats.org/officeDocument/2006/relationships" xmlns:p="http://schemas.openxmlformats.org/presentationml/2006/main">
+  <p:cSld>
+    <p:spTree>
+      <p:nvGrpSpPr>
+        <p:cNvPr id="1" name=""/>
+        <p:cNvGrpSpPr/>
+        <p:nvPr/>
+      </p:nvGrpSpPr>
+      <p:grpSpPr>
+        <a:xfrm>
+          <a:off x="0" y="0"/>
+          <a:ext cx="0" cy="0"/>
+          <a:chOff x="0" y="0"/>
+          <a:chExt cx="0" cy="0"/>
+        </a:xfrm>
+      </p:grpSpPr>
+      <p:sp>
+        <p:nvSpPr>
+          <p:cNvPr id="2" name="Title 1">
+            <a:extLst>
+              <a:ext uri="{FF2B5EF4-FFF2-40B4-BE49-F238E27FC236}">
+                <a16:creationId xmlns:a16="http://schemas.microsoft.com/office/drawing/2014/main" id="{40E25C83-55CC-EC93-CDD6-1EE9C8199E20}"/>
+              </a:ext>
+            </a:extLst>
+          </p:cNvPr>
+          <p:cNvSpPr>
+            <a:spLocks noGrp="1"/>
+          </p:cNvSpPr>
+          <p:nvPr>
+            <p:ph type="title"/>
+          </p:nvPr>
+        </p:nvSpPr>
+        <p:spPr>
+          <a:xfrm>
+            <a:off x="838200" y="365125"/>
+            <a:ext cx="10515600" cy="814195"/>
+          </a:xfrm>
+        </p:spPr>
+        <p:txBody>
+          <a:bodyPr/>
+          <a:lstStyle/>
+          <a:p>
+            <a:r>
+              <a:rPr lang="en-CH" dirty="0"/>
+              <a:t>Choosing the right learning rate</a:t>
+            </a:r>
+          </a:p>
+        </p:txBody>
+      </p:sp>
+      <p:pic>
+        <p:nvPicPr>
+          <p:cNvPr id="4" name="Picture 3">
+            <a:extLst>
+              <a:ext uri="{FF2B5EF4-FFF2-40B4-BE49-F238E27FC236}">
+                <a16:creationId xmlns:a16="http://schemas.microsoft.com/office/drawing/2014/main" id="{DE815D3B-CEE5-A82D-94BE-E6F4B7A8F0E2}"/>
+              </a:ext>
+            </a:extLst>
+          </p:cNvPr>
+          <p:cNvPicPr>
+            <a:picLocks noChangeAspect="1"/>
+          </p:cNvPicPr>
+          <p:nvPr/>
+        </p:nvPicPr>
+        <p:blipFill>
+          <a:blip r:embed="rId2"/>
+          <a:stretch>
+            <a:fillRect/>
+          </a:stretch>
+        </p:blipFill>
+        <p:spPr>
+          <a:xfrm>
+            <a:off x="1027043" y="1285096"/>
+            <a:ext cx="9766852" cy="5377056"/>
+          </a:xfrm>
+          <a:prstGeom prst="rect">
+            <a:avLst/>
+          </a:prstGeom>
+        </p:spPr>
+      </p:pic>
+      <p:sp>
+        <p:nvSpPr>
+          <p:cNvPr id="3" name="TextBox 2">
+            <a:extLst>
+              <a:ext uri="{FF2B5EF4-FFF2-40B4-BE49-F238E27FC236}">
+                <a16:creationId xmlns:a16="http://schemas.microsoft.com/office/drawing/2014/main" id="{77921459-B6BB-C777-13F4-E95D1726CED0}"/>
+              </a:ext>
+            </a:extLst>
+          </p:cNvPr>
+          <p:cNvSpPr txBox="1"/>
+          <p:nvPr/>
+        </p:nvSpPr>
+        <p:spPr>
+          <a:xfrm>
+            <a:off x="258418" y="6492875"/>
+            <a:ext cx="11675164" cy="338554"/>
+          </a:xfrm>
+          <a:prstGeom prst="rect">
+            <a:avLst/>
+          </a:prstGeom>
+          <a:noFill/>
+        </p:spPr>
+        <p:txBody>
+          <a:bodyPr wrap="square">
+            <a:spAutoFit/>
+          </a:bodyPr>
+          <a:lstStyle/>
+          <a:p>
+            <a:r>
+              <a:rPr lang="en-CH" sz="1600" dirty="0"/>
+              <a:t>Fundamental Mathematical Concepts for Machine Learning in Science, Umberto Michelucci, S</a:t>
+            </a:r>
+            <a:r>
+              <a:rPr lang="en-GB" sz="1600" dirty="0"/>
+              <a:t>p</a:t>
+            </a:r>
+            <a:r>
+              <a:rPr lang="en-CH" sz="1600" dirty="0"/>
+              <a:t>ringer Nature (available in 2024)</a:t>
+            </a:r>
+          </a:p>
+        </p:txBody>
+      </p:sp>
+    </p:spTree>
+    <p:extLst>
+      <p:ext uri="{BB962C8B-B14F-4D97-AF65-F5344CB8AC3E}">
+        <p14:creationId xmlns:p14="http://schemas.microsoft.com/office/powerpoint/2010/main" val="3216007215"/>
+      </p:ext>
+    </p:extLst>
+  </p:cSld>
+  <p:clrMapOvr>
+    <a:masterClrMapping/>
+  </p:clrMapOvr>
+</p:sld>
+</file>
+
+<file path=ppt/slides/slide27.xml><?xml version="1.0" encoding="utf-8"?>
+<p:sld xmlns:a="http://schemas.openxmlformats.org/drawingml/2006/main" xmlns:r="http://schemas.openxmlformats.org/officeDocument/2006/relationships" xmlns:p="http://schemas.openxmlformats.org/presentationml/2006/main">
+  <p:cSld>
+    <p:spTree>
+      <p:nvGrpSpPr>
+        <p:cNvPr id="1" name=""/>
+        <p:cNvGrpSpPr/>
+        <p:nvPr/>
+      </p:nvGrpSpPr>
+      <p:grpSpPr>
+        <a:xfrm>
+          <a:off x="0" y="0"/>
+          <a:ext cx="0" cy="0"/>
+          <a:chOff x="0" y="0"/>
+          <a:chExt cx="0" cy="0"/>
+        </a:xfrm>
+      </p:grpSpPr>
+      <p:sp>
+        <p:nvSpPr>
+          <p:cNvPr id="2" name="Title 1">
+            <a:extLst>
+              <a:ext uri="{FF2B5EF4-FFF2-40B4-BE49-F238E27FC236}">
                 <a16:creationId xmlns:a16="http://schemas.microsoft.com/office/drawing/2014/main" id="{8C988C6B-0FAB-A3F2-D0E5-D7668B0D1EBC}"/>
               </a:ext>
             </a:extLst>
@@ -8994,7 +10659,7 @@
 </p:sld>
 </file>
 
-<file path=ppt/slides/slide25.xml><?xml version="1.0" encoding="utf-8"?>
+<file path=ppt/slides/slide28.xml><?xml version="1.0" encoding="utf-8"?>
 <p:sld xmlns:a="http://schemas.openxmlformats.org/drawingml/2006/main" xmlns:r="http://schemas.openxmlformats.org/officeDocument/2006/relationships" xmlns:p="http://schemas.openxmlformats.org/presentationml/2006/main">
   <p:cSld>
     <p:spTree>
@@ -9510,6 +11175,49 @@
           </a:fontRef>
         </p:style>
       </p:cxnSp>
+      <p:sp>
+        <p:nvSpPr>
+          <p:cNvPr id="6" name="TextBox 5">
+            <a:extLst>
+              <a:ext uri="{FF2B5EF4-FFF2-40B4-BE49-F238E27FC236}">
+                <a16:creationId xmlns:a16="http://schemas.microsoft.com/office/drawing/2014/main" id="{D55333A6-28E2-E890-7216-E0CA40247E4B}"/>
+              </a:ext>
+            </a:extLst>
+          </p:cNvPr>
+          <p:cNvSpPr txBox="1"/>
+          <p:nvPr/>
+        </p:nvSpPr>
+        <p:spPr>
+          <a:xfrm>
+            <a:off x="258418" y="6492875"/>
+            <a:ext cx="11675164" cy="338554"/>
+          </a:xfrm>
+          <a:prstGeom prst="rect">
+            <a:avLst/>
+          </a:prstGeom>
+          <a:noFill/>
+        </p:spPr>
+        <p:txBody>
+          <a:bodyPr wrap="square">
+            <a:spAutoFit/>
+          </a:bodyPr>
+          <a:lstStyle/>
+          <a:p>
+            <a:r>
+              <a:rPr lang="en-CH" sz="1600" dirty="0"/>
+              <a:t>Fundamental Mathematical Concepts for Machine Learning in Science, Umberto Michelucci, S</a:t>
+            </a:r>
+            <a:r>
+              <a:rPr lang="en-GB" sz="1600" dirty="0"/>
+              <a:t>p</a:t>
+            </a:r>
+            <a:r>
+              <a:rPr lang="en-CH" sz="1600" dirty="0"/>
+              <a:t>ringer Nature (available in 2024)</a:t>
+            </a:r>
+          </a:p>
+        </p:txBody>
+      </p:sp>
     </p:spTree>
     <p:extLst>
       <p:ext uri="{BB962C8B-B14F-4D97-AF65-F5344CB8AC3E}">
@@ -9523,7 +11231,7 @@
 </p:sld>
 </file>
 
-<file path=ppt/slides/slide26.xml><?xml version="1.0" encoding="utf-8"?>
+<file path=ppt/slides/slide29.xml><?xml version="1.0" encoding="utf-8"?>
 <p:sld xmlns:a="http://schemas.openxmlformats.org/drawingml/2006/main" xmlns:r="http://schemas.openxmlformats.org/officeDocument/2006/relationships" xmlns:p="http://schemas.openxmlformats.org/presentationml/2006/main">
   <p:cSld>
     <p:spTree>
@@ -9594,7 +11302,7 @@
         </p:blipFill>
         <p:spPr>
           <a:xfrm>
-            <a:off x="4613413" y="365125"/>
+            <a:off x="5185982" y="32822"/>
             <a:ext cx="6896100" cy="1473200"/>
           </a:xfrm>
           <a:prstGeom prst="rect">
@@ -9724,8 +11432,8 @@
         </p:nvGrpSpPr>
         <p:grpSpPr>
           <a:xfrm>
-            <a:off x="2030480" y="1967687"/>
-            <a:ext cx="7772400" cy="4877237"/>
+            <a:off x="2136448" y="2012360"/>
+            <a:ext cx="7418603" cy="4553476"/>
             <a:chOff x="2119933" y="2185416"/>
             <a:chExt cx="7772400" cy="4877237"/>
           </a:xfrm>
@@ -9791,6 +11499,49 @@
           </p:spPr>
         </p:pic>
       </p:grpSp>
+      <p:sp>
+        <p:nvSpPr>
+          <p:cNvPr id="4" name="TextBox 3">
+            <a:extLst>
+              <a:ext uri="{FF2B5EF4-FFF2-40B4-BE49-F238E27FC236}">
+                <a16:creationId xmlns:a16="http://schemas.microsoft.com/office/drawing/2014/main" id="{14D2E933-33B5-D3B9-00B3-E0B26D70D43B}"/>
+              </a:ext>
+            </a:extLst>
+          </p:cNvPr>
+          <p:cNvSpPr txBox="1"/>
+          <p:nvPr/>
+        </p:nvSpPr>
+        <p:spPr>
+          <a:xfrm>
+            <a:off x="258418" y="6492875"/>
+            <a:ext cx="11675164" cy="338554"/>
+          </a:xfrm>
+          <a:prstGeom prst="rect">
+            <a:avLst/>
+          </a:prstGeom>
+          <a:noFill/>
+        </p:spPr>
+        <p:txBody>
+          <a:bodyPr wrap="square">
+            <a:spAutoFit/>
+          </a:bodyPr>
+          <a:lstStyle/>
+          <a:p>
+            <a:r>
+              <a:rPr lang="en-CH" sz="1600" dirty="0"/>
+              <a:t>Fundamental Mathematical Concepts for Machine Learning in Science, Umberto Michelucci, S</a:t>
+            </a:r>
+            <a:r>
+              <a:rPr lang="en-GB" sz="1600" dirty="0"/>
+              <a:t>p</a:t>
+            </a:r>
+            <a:r>
+              <a:rPr lang="en-CH" sz="1600" dirty="0"/>
+              <a:t>ringer Nature (available in 2024)</a:t>
+            </a:r>
+          </a:p>
+        </p:txBody>
+      </p:sp>
     </p:spTree>
     <p:extLst>
       <p:ext uri="{BB962C8B-B14F-4D97-AF65-F5344CB8AC3E}">
@@ -9804,7 +11555,126 @@
 </p:sld>
 </file>
 
-<file path=ppt/slides/slide27.xml><?xml version="1.0" encoding="utf-8"?>
+<file path=ppt/slides/slide3.xml><?xml version="1.0" encoding="utf-8"?>
+<p:sld xmlns:a="http://schemas.openxmlformats.org/drawingml/2006/main" xmlns:r="http://schemas.openxmlformats.org/officeDocument/2006/relationships" xmlns:p="http://schemas.openxmlformats.org/presentationml/2006/main">
+  <p:cSld>
+    <p:spTree>
+      <p:nvGrpSpPr>
+        <p:cNvPr id="1" name=""/>
+        <p:cNvGrpSpPr/>
+        <p:nvPr/>
+      </p:nvGrpSpPr>
+      <p:grpSpPr>
+        <a:xfrm>
+          <a:off x="0" y="0"/>
+          <a:ext cx="0" cy="0"/>
+          <a:chOff x="0" y="0"/>
+          <a:chExt cx="0" cy="0"/>
+        </a:xfrm>
+      </p:grpSpPr>
+      <p:sp>
+        <p:nvSpPr>
+          <p:cNvPr id="2" name="Title 1">
+            <a:extLst>
+              <a:ext uri="{FF2B5EF4-FFF2-40B4-BE49-F238E27FC236}">
+                <a16:creationId xmlns:a16="http://schemas.microsoft.com/office/drawing/2014/main" id="{05E2E573-52F8-95DA-B12D-D8EC2B8E1572}"/>
+              </a:ext>
+            </a:extLst>
+          </p:cNvPr>
+          <p:cNvSpPr>
+            <a:spLocks noGrp="1"/>
+          </p:cNvSpPr>
+          <p:nvPr>
+            <p:ph type="title"/>
+          </p:nvPr>
+        </p:nvSpPr>
+        <p:spPr/>
+        <p:txBody>
+          <a:bodyPr/>
+          <a:lstStyle/>
+          <a:p>
+            <a:r>
+              <a:rPr lang="en-CH" dirty="0"/>
+              <a:t>Optimiser – a definition</a:t>
+            </a:r>
+          </a:p>
+        </p:txBody>
+      </p:sp>
+      <p:sp>
+        <p:nvSpPr>
+          <p:cNvPr id="3" name="Content Placeholder 2">
+            <a:extLst>
+              <a:ext uri="{FF2B5EF4-FFF2-40B4-BE49-F238E27FC236}">
+                <a16:creationId xmlns:a16="http://schemas.microsoft.com/office/drawing/2014/main" id="{735606C8-601D-FD44-6591-4316DCB56A22}"/>
+              </a:ext>
+            </a:extLst>
+          </p:cNvPr>
+          <p:cNvSpPr>
+            <a:spLocks noGrp="1"/>
+          </p:cNvSpPr>
+          <p:nvPr>
+            <p:ph idx="1"/>
+          </p:nvPr>
+        </p:nvSpPr>
+        <p:spPr/>
+        <p:txBody>
+          <a:bodyPr/>
+          <a:lstStyle/>
+          <a:p>
+            <a:pPr marL="0" indent="0">
+              <a:buNone/>
+            </a:pPr>
+            <a:r>
+              <a:rPr lang="en-GB" dirty="0"/>
+              <a:t>In machine learning, an </a:t>
+            </a:r>
+            <a:r>
+              <a:rPr lang="en-GB" b="1" dirty="0"/>
+              <a:t>optimizer</a:t>
+            </a:r>
+            <a:r>
+              <a:rPr lang="en-GB" dirty="0"/>
+              <a:t> is an algorithm or method used to change the attributes of an algorithm (for example a neural network), such as weights, to reduce the loss function. </a:t>
+            </a:r>
+          </a:p>
+          <a:p>
+            <a:pPr marL="0" indent="0">
+              <a:buNone/>
+            </a:pPr>
+            <a:r>
+              <a:rPr lang="en-GB" dirty="0"/>
+              <a:t>Optimizers are used to solve optimization problems by minimizing (or maximizing) an objective function. </a:t>
+            </a:r>
+          </a:p>
+          <a:p>
+            <a:pPr marL="0" indent="0">
+              <a:buNone/>
+            </a:pPr>
+            <a:r>
+              <a:rPr lang="en-GB" dirty="0"/>
+              <a:t>The choice of the optimizer can significantly influence the speed and quality of the learning process.</a:t>
+            </a:r>
+            <a:br>
+              <a:rPr lang="en-GB" dirty="0"/>
+            </a:br>
+            <a:endParaRPr lang="en-CH" dirty="0"/>
+          </a:p>
+        </p:txBody>
+      </p:sp>
+    </p:spTree>
+    <p:extLst>
+      <p:ext uri="{BB962C8B-B14F-4D97-AF65-F5344CB8AC3E}">
+        <p14:creationId xmlns:p14="http://schemas.microsoft.com/office/powerpoint/2010/main" val="1729733301"/>
+      </p:ext>
+    </p:extLst>
+  </p:cSld>
+  <p:clrMapOvr>
+    <a:masterClrMapping/>
+  </p:clrMapOvr>
+</p:sld>
+</file>
+
+<file path=ppt/slides/slide30.xml><?xml version="1.0" encoding="utf-8"?>
 <p:sld xmlns:a="http://schemas.openxmlformats.org/drawingml/2006/main" xmlns:r="http://schemas.openxmlformats.org/officeDocument/2006/relationships" xmlns:p="http://schemas.openxmlformats.org/presentationml/2006/main">
   <p:cSld>
     <p:spTree>
@@ -10003,14 +11873,57 @@
         </p:blipFill>
         <p:spPr>
           <a:xfrm>
-            <a:off x="1891747" y="1967687"/>
-            <a:ext cx="7772400" cy="4918128"/>
+            <a:off x="2324455" y="1967687"/>
+            <a:ext cx="6587661" cy="4168463"/>
           </a:xfrm>
           <a:prstGeom prst="rect">
             <a:avLst/>
           </a:prstGeom>
         </p:spPr>
       </p:pic>
+      <p:sp>
+        <p:nvSpPr>
+          <p:cNvPr id="4" name="TextBox 3">
+            <a:extLst>
+              <a:ext uri="{FF2B5EF4-FFF2-40B4-BE49-F238E27FC236}">
+                <a16:creationId xmlns:a16="http://schemas.microsoft.com/office/drawing/2014/main" id="{1CC2B724-B111-496D-FF7E-F6BCBA6792EE}"/>
+              </a:ext>
+            </a:extLst>
+          </p:cNvPr>
+          <p:cNvSpPr txBox="1"/>
+          <p:nvPr/>
+        </p:nvSpPr>
+        <p:spPr>
+          <a:xfrm>
+            <a:off x="258418" y="6492875"/>
+            <a:ext cx="11675164" cy="338554"/>
+          </a:xfrm>
+          <a:prstGeom prst="rect">
+            <a:avLst/>
+          </a:prstGeom>
+          <a:noFill/>
+        </p:spPr>
+        <p:txBody>
+          <a:bodyPr wrap="square">
+            <a:spAutoFit/>
+          </a:bodyPr>
+          <a:lstStyle/>
+          <a:p>
+            <a:r>
+              <a:rPr lang="en-CH" sz="1600" dirty="0"/>
+              <a:t>Fundamental Mathematical Concepts for Machine Learning in Science, Umberto Michelucci, S</a:t>
+            </a:r>
+            <a:r>
+              <a:rPr lang="en-GB" sz="1600" dirty="0"/>
+              <a:t>p</a:t>
+            </a:r>
+            <a:r>
+              <a:rPr lang="en-CH" sz="1600" dirty="0"/>
+              <a:t>ringer Nature (available in 2024)</a:t>
+            </a:r>
+          </a:p>
+        </p:txBody>
+      </p:sp>
     </p:spTree>
     <p:extLst>
       <p:ext uri="{BB962C8B-B14F-4D97-AF65-F5344CB8AC3E}">
@@ -10024,7 +11937,7 @@
 </p:sld>
 </file>
 
-<file path=ppt/slides/slide28.xml><?xml version="1.0" encoding="utf-8"?>
+<file path=ppt/slides/slide31.xml><?xml version="1.0" encoding="utf-8"?>
 <p:sld xmlns:a="http://schemas.openxmlformats.org/drawingml/2006/main" xmlns:r="http://schemas.openxmlformats.org/officeDocument/2006/relationships" xmlns:p="http://schemas.openxmlformats.org/presentationml/2006/main">
   <p:cSld>
     <p:spTree>
@@ -10057,7 +11970,12 @@
             <p:ph type="title"/>
           </p:nvPr>
         </p:nvSpPr>
-        <p:spPr/>
+        <p:spPr>
+          <a:xfrm>
+            <a:off x="299830" y="174683"/>
+            <a:ext cx="10515600" cy="750301"/>
+          </a:xfrm>
+        </p:spPr>
         <p:txBody>
           <a:bodyPr/>
           <a:lstStyle/>
@@ -10091,7 +12009,7 @@
         </p:blipFill>
         <p:spPr>
           <a:xfrm>
-            <a:off x="1376569" y="1480551"/>
+            <a:off x="1376569" y="1284703"/>
             <a:ext cx="9438861" cy="5377449"/>
           </a:xfrm>
           <a:prstGeom prst="rect">
@@ -10099,129 +12017,318 @@
           </a:prstGeom>
         </p:spPr>
       </p:pic>
+      <p:sp>
+        <p:nvSpPr>
+          <p:cNvPr id="3" name="TextBox 2">
+            <a:extLst>
+              <a:ext uri="{FF2B5EF4-FFF2-40B4-BE49-F238E27FC236}">
+                <a16:creationId xmlns:a16="http://schemas.microsoft.com/office/drawing/2014/main" id="{8D02150F-1435-E955-D210-017F3F063DC6}"/>
+              </a:ext>
+            </a:extLst>
+          </p:cNvPr>
+          <p:cNvSpPr txBox="1"/>
+          <p:nvPr/>
+        </p:nvSpPr>
+        <p:spPr>
+          <a:xfrm>
+            <a:off x="258418" y="6492875"/>
+            <a:ext cx="11675164" cy="338554"/>
+          </a:xfrm>
+          <a:prstGeom prst="rect">
+            <a:avLst/>
+          </a:prstGeom>
+          <a:noFill/>
+        </p:spPr>
+        <p:txBody>
+          <a:bodyPr wrap="square">
+            <a:spAutoFit/>
+          </a:bodyPr>
+          <a:lstStyle/>
+          <a:p>
+            <a:r>
+              <a:rPr lang="en-CH" sz="1600" dirty="0"/>
+              <a:t>Fundamental Mathematical Concepts for Machine Learning in Science, Umberto Michelucci, S</a:t>
+            </a:r>
+            <a:r>
+              <a:rPr lang="en-GB" sz="1600" dirty="0"/>
+              <a:t>p</a:t>
+            </a:r>
+            <a:r>
+              <a:rPr lang="en-CH" sz="1600" dirty="0"/>
+              <a:t>ringer Nature (available in 2024)</a:t>
+            </a:r>
+          </a:p>
+        </p:txBody>
+      </p:sp>
+      <p:sp>
+        <p:nvSpPr>
+          <p:cNvPr id="5" name="TextBox 4">
+            <a:extLst>
+              <a:ext uri="{FF2B5EF4-FFF2-40B4-BE49-F238E27FC236}">
+                <a16:creationId xmlns:a16="http://schemas.microsoft.com/office/drawing/2014/main" id="{86FD4A48-E802-12AA-7708-855F07201A0A}"/>
+              </a:ext>
+            </a:extLst>
+          </p:cNvPr>
+          <p:cNvSpPr txBox="1"/>
+          <p:nvPr/>
+        </p:nvSpPr>
+        <p:spPr>
+          <a:xfrm>
+            <a:off x="4879648" y="1991171"/>
+            <a:ext cx="1723549" cy="369332"/>
+          </a:xfrm>
+          <a:prstGeom prst="rect">
+            <a:avLst/>
+          </a:prstGeom>
+          <a:noFill/>
+        </p:spPr>
+        <p:txBody>
+          <a:bodyPr wrap="none" rtlCol="0">
+            <a:spAutoFit/>
+          </a:bodyPr>
+          <a:lstStyle/>
+          <a:p>
+            <a:r>
+              <a:rPr lang="en-GB" dirty="0">
+                <a:latin typeface="Arial" panose="020B0604020202020204" pitchFamily="34" charset="0"/>
+                <a:cs typeface="Arial" panose="020B0604020202020204" pitchFamily="34" charset="0"/>
+              </a:rPr>
+              <a:t>M</a:t>
+            </a:r>
+            <a:r>
+              <a:rPr lang="en-CH" dirty="0">
+                <a:latin typeface="Arial" panose="020B0604020202020204" pitchFamily="34" charset="0"/>
+                <a:cs typeface="Arial" panose="020B0604020202020204" pitchFamily="34" charset="0"/>
+              </a:rPr>
+              <a:t>ini-batch size</a:t>
+            </a:r>
+          </a:p>
+        </p:txBody>
+      </p:sp>
+      <p:cxnSp>
+        <p:nvCxnSpPr>
+          <p:cNvPr id="7" name="Straight Arrow Connector 6">
+            <a:extLst>
+              <a:ext uri="{FF2B5EF4-FFF2-40B4-BE49-F238E27FC236}">
+                <a16:creationId xmlns:a16="http://schemas.microsoft.com/office/drawing/2014/main" id="{9FF3AE9D-7C2E-EAF6-A13E-21550222E303}"/>
+              </a:ext>
+            </a:extLst>
+          </p:cNvPr>
+          <p:cNvCxnSpPr>
+            <a:cxnSpLocks/>
+          </p:cNvCxnSpPr>
+          <p:nvPr/>
+        </p:nvCxnSpPr>
+        <p:spPr>
+          <a:xfrm flipH="1">
+            <a:off x="4418176" y="2360503"/>
+            <a:ext cx="1008403" cy="194690"/>
+          </a:xfrm>
+          <a:prstGeom prst="straightConnector1">
+            <a:avLst/>
+          </a:prstGeom>
+          <a:ln w="28575">
+            <a:solidFill>
+              <a:schemeClr val="tx1"/>
+            </a:solidFill>
+            <a:tailEnd type="triangle"/>
+          </a:ln>
+        </p:spPr>
+        <p:style>
+          <a:lnRef idx="1">
+            <a:schemeClr val="accent1"/>
+          </a:lnRef>
+          <a:fillRef idx="0">
+            <a:schemeClr val="accent1"/>
+          </a:fillRef>
+          <a:effectRef idx="0">
+            <a:schemeClr val="accent1"/>
+          </a:effectRef>
+          <a:fontRef idx="minor">
+            <a:schemeClr val="tx1"/>
+          </a:fontRef>
+        </p:style>
+      </p:cxnSp>
+      <p:cxnSp>
+        <p:nvCxnSpPr>
+          <p:cNvPr id="9" name="Straight Arrow Connector 8">
+            <a:extLst>
+              <a:ext uri="{FF2B5EF4-FFF2-40B4-BE49-F238E27FC236}">
+                <a16:creationId xmlns:a16="http://schemas.microsoft.com/office/drawing/2014/main" id="{F7F06ACF-020C-BADB-C1BC-06EB4304DC13}"/>
+              </a:ext>
+            </a:extLst>
+          </p:cNvPr>
+          <p:cNvCxnSpPr>
+            <a:cxnSpLocks/>
+          </p:cNvCxnSpPr>
+          <p:nvPr/>
+        </p:nvCxnSpPr>
+        <p:spPr>
+          <a:xfrm flipH="1">
+            <a:off x="4520725" y="2360503"/>
+            <a:ext cx="905854" cy="1354741"/>
+          </a:xfrm>
+          <a:prstGeom prst="straightConnector1">
+            <a:avLst/>
+          </a:prstGeom>
+          <a:ln w="28575">
+            <a:solidFill>
+              <a:schemeClr val="tx1"/>
+            </a:solidFill>
+            <a:tailEnd type="triangle"/>
+          </a:ln>
+        </p:spPr>
+        <p:style>
+          <a:lnRef idx="1">
+            <a:schemeClr val="accent1"/>
+          </a:lnRef>
+          <a:fillRef idx="0">
+            <a:schemeClr val="accent1"/>
+          </a:fillRef>
+          <a:effectRef idx="0">
+            <a:schemeClr val="accent1"/>
+          </a:effectRef>
+          <a:fontRef idx="minor">
+            <a:schemeClr val="tx1"/>
+          </a:fontRef>
+        </p:style>
+      </p:cxnSp>
+      <p:cxnSp>
+        <p:nvCxnSpPr>
+          <p:cNvPr id="12" name="Straight Arrow Connector 11">
+            <a:extLst>
+              <a:ext uri="{FF2B5EF4-FFF2-40B4-BE49-F238E27FC236}">
+                <a16:creationId xmlns:a16="http://schemas.microsoft.com/office/drawing/2014/main" id="{2B39CC40-F1CF-D396-3106-31313F616632}"/>
+              </a:ext>
+            </a:extLst>
+          </p:cNvPr>
+          <p:cNvCxnSpPr>
+            <a:cxnSpLocks/>
+          </p:cNvCxnSpPr>
+          <p:nvPr/>
+        </p:nvCxnSpPr>
+        <p:spPr>
+          <a:xfrm flipH="1">
+            <a:off x="4777099" y="2360503"/>
+            <a:ext cx="649480" cy="1835482"/>
+          </a:xfrm>
+          <a:prstGeom prst="straightConnector1">
+            <a:avLst/>
+          </a:prstGeom>
+          <a:ln w="28575">
+            <a:solidFill>
+              <a:schemeClr val="tx1"/>
+            </a:solidFill>
+            <a:tailEnd type="triangle"/>
+          </a:ln>
+        </p:spPr>
+        <p:style>
+          <a:lnRef idx="1">
+            <a:schemeClr val="accent1"/>
+          </a:lnRef>
+          <a:fillRef idx="0">
+            <a:schemeClr val="accent1"/>
+          </a:fillRef>
+          <a:effectRef idx="0">
+            <a:schemeClr val="accent1"/>
+          </a:effectRef>
+          <a:fontRef idx="minor">
+            <a:schemeClr val="tx1"/>
+          </a:fontRef>
+        </p:style>
+      </p:cxnSp>
+      <p:cxnSp>
+        <p:nvCxnSpPr>
+          <p:cNvPr id="15" name="Straight Arrow Connector 14">
+            <a:extLst>
+              <a:ext uri="{FF2B5EF4-FFF2-40B4-BE49-F238E27FC236}">
+                <a16:creationId xmlns:a16="http://schemas.microsoft.com/office/drawing/2014/main" id="{D85C1972-9722-F657-6508-0FE69213C68A}"/>
+              </a:ext>
+            </a:extLst>
+          </p:cNvPr>
+          <p:cNvCxnSpPr>
+            <a:cxnSpLocks/>
+          </p:cNvCxnSpPr>
+          <p:nvPr/>
+        </p:nvCxnSpPr>
+        <p:spPr>
+          <a:xfrm>
+            <a:off x="5426579" y="2360503"/>
+            <a:ext cx="0" cy="1920940"/>
+          </a:xfrm>
+          <a:prstGeom prst="straightConnector1">
+            <a:avLst/>
+          </a:prstGeom>
+          <a:ln w="28575">
+            <a:solidFill>
+              <a:schemeClr val="tx1"/>
+            </a:solidFill>
+            <a:tailEnd type="triangle"/>
+          </a:ln>
+        </p:spPr>
+        <p:style>
+          <a:lnRef idx="1">
+            <a:schemeClr val="accent1"/>
+          </a:lnRef>
+          <a:fillRef idx="0">
+            <a:schemeClr val="accent1"/>
+          </a:fillRef>
+          <a:effectRef idx="0">
+            <a:schemeClr val="accent1"/>
+          </a:effectRef>
+          <a:fontRef idx="minor">
+            <a:schemeClr val="tx1"/>
+          </a:fontRef>
+        </p:style>
+      </p:cxnSp>
+      <p:cxnSp>
+        <p:nvCxnSpPr>
+          <p:cNvPr id="18" name="Straight Arrow Connector 17">
+            <a:extLst>
+              <a:ext uri="{FF2B5EF4-FFF2-40B4-BE49-F238E27FC236}">
+                <a16:creationId xmlns:a16="http://schemas.microsoft.com/office/drawing/2014/main" id="{33E7D524-30F8-6030-6EEB-63FC87A5A31F}"/>
+              </a:ext>
+            </a:extLst>
+          </p:cNvPr>
+          <p:cNvCxnSpPr>
+            <a:cxnSpLocks/>
+          </p:cNvCxnSpPr>
+          <p:nvPr/>
+        </p:nvCxnSpPr>
+        <p:spPr>
+          <a:xfrm>
+            <a:off x="5426579" y="2360503"/>
+            <a:ext cx="2957994" cy="1835482"/>
+          </a:xfrm>
+          <a:prstGeom prst="straightConnector1">
+            <a:avLst/>
+          </a:prstGeom>
+          <a:ln w="28575">
+            <a:solidFill>
+              <a:schemeClr val="tx1"/>
+            </a:solidFill>
+            <a:tailEnd type="triangle"/>
+          </a:ln>
+        </p:spPr>
+        <p:style>
+          <a:lnRef idx="1">
+            <a:schemeClr val="accent1"/>
+          </a:lnRef>
+          <a:fillRef idx="0">
+            <a:schemeClr val="accent1"/>
+          </a:fillRef>
+          <a:effectRef idx="0">
+            <a:schemeClr val="accent1"/>
+          </a:effectRef>
+          <a:fontRef idx="minor">
+            <a:schemeClr val="tx1"/>
+          </a:fontRef>
+        </p:style>
+      </p:cxnSp>
     </p:spTree>
     <p:extLst>
       <p:ext uri="{BB962C8B-B14F-4D97-AF65-F5344CB8AC3E}">
         <p14:creationId xmlns:p14="http://schemas.microsoft.com/office/powerpoint/2010/main" val="1972168193"/>
-      </p:ext>
-    </p:extLst>
-  </p:cSld>
-  <p:clrMapOvr>
-    <a:masterClrMapping/>
-  </p:clrMapOvr>
-</p:sld>
-</file>
-
-<file path=ppt/slides/slide3.xml><?xml version="1.0" encoding="utf-8"?>
-<p:sld xmlns:a="http://schemas.openxmlformats.org/drawingml/2006/main" xmlns:r="http://schemas.openxmlformats.org/officeDocument/2006/relationships" xmlns:p="http://schemas.openxmlformats.org/presentationml/2006/main">
-  <p:cSld>
-    <p:spTree>
-      <p:nvGrpSpPr>
-        <p:cNvPr id="1" name=""/>
-        <p:cNvGrpSpPr/>
-        <p:nvPr/>
-      </p:nvGrpSpPr>
-      <p:grpSpPr>
-        <a:xfrm>
-          <a:off x="0" y="0"/>
-          <a:ext cx="0" cy="0"/>
-          <a:chOff x="0" y="0"/>
-          <a:chExt cx="0" cy="0"/>
-        </a:xfrm>
-      </p:grpSpPr>
-      <p:sp>
-        <p:nvSpPr>
-          <p:cNvPr id="2" name="Title 1">
-            <a:extLst>
-              <a:ext uri="{FF2B5EF4-FFF2-40B4-BE49-F238E27FC236}">
-                <a16:creationId xmlns:a16="http://schemas.microsoft.com/office/drawing/2014/main" id="{05E2E573-52F8-95DA-B12D-D8EC2B8E1572}"/>
-              </a:ext>
-            </a:extLst>
-          </p:cNvPr>
-          <p:cNvSpPr>
-            <a:spLocks noGrp="1"/>
-          </p:cNvSpPr>
-          <p:nvPr>
-            <p:ph type="title"/>
-          </p:nvPr>
-        </p:nvSpPr>
-        <p:spPr/>
-        <p:txBody>
-          <a:bodyPr/>
-          <a:lstStyle/>
-          <a:p>
-            <a:r>
-              <a:rPr lang="en-CH" dirty="0"/>
-              <a:t>Optimiser – a definition</a:t>
-            </a:r>
-          </a:p>
-        </p:txBody>
-      </p:sp>
-      <p:sp>
-        <p:nvSpPr>
-          <p:cNvPr id="3" name="Content Placeholder 2">
-            <a:extLst>
-              <a:ext uri="{FF2B5EF4-FFF2-40B4-BE49-F238E27FC236}">
-                <a16:creationId xmlns:a16="http://schemas.microsoft.com/office/drawing/2014/main" id="{735606C8-601D-FD44-6591-4316DCB56A22}"/>
-              </a:ext>
-            </a:extLst>
-          </p:cNvPr>
-          <p:cNvSpPr>
-            <a:spLocks noGrp="1"/>
-          </p:cNvSpPr>
-          <p:nvPr>
-            <p:ph idx="1"/>
-          </p:nvPr>
-        </p:nvSpPr>
-        <p:spPr/>
-        <p:txBody>
-          <a:bodyPr/>
-          <a:lstStyle/>
-          <a:p>
-            <a:pPr marL="0" indent="0">
-              <a:buNone/>
-            </a:pPr>
-            <a:r>
-              <a:rPr lang="en-GB" dirty="0"/>
-              <a:t>In machine learning, an </a:t>
-            </a:r>
-            <a:r>
-              <a:rPr lang="en-GB" b="1" dirty="0"/>
-              <a:t>optimizer</a:t>
-            </a:r>
-            <a:r>
-              <a:rPr lang="en-GB" dirty="0"/>
-              <a:t> is an algorithm or method used to change the attributes of an algorithm (for example a neural network), such as weights, to reduce the loss function. </a:t>
-            </a:r>
-          </a:p>
-          <a:p>
-            <a:pPr marL="0" indent="0">
-              <a:buNone/>
-            </a:pPr>
-            <a:r>
-              <a:rPr lang="en-GB" dirty="0"/>
-              <a:t>Optimizers are used to solve optimization problems by minimizing (or maximizing) an objective function. </a:t>
-            </a:r>
-          </a:p>
-          <a:p>
-            <a:pPr marL="0" indent="0">
-              <a:buNone/>
-            </a:pPr>
-            <a:r>
-              <a:rPr lang="en-GB" dirty="0"/>
-              <a:t>The choice of the optimizer can significantly influence the speed and quality of the learning process.</a:t>
-            </a:r>
-            <a:br>
-              <a:rPr lang="en-GB" dirty="0"/>
-            </a:br>
-            <a:endParaRPr lang="en-CH" dirty="0"/>
-          </a:p>
-        </p:txBody>
-      </p:sp>
-    </p:spTree>
-    <p:extLst>
-      <p:ext uri="{BB962C8B-B14F-4D97-AF65-F5344CB8AC3E}">
-        <p14:creationId xmlns:p14="http://schemas.microsoft.com/office/powerpoint/2010/main" val="1729733301"/>
       </p:ext>
     </p:extLst>
   </p:cSld>
